--- a/PowerPoints/TaRest Notizen.pptx
+++ b/PowerPoints/TaRest Notizen.pptx
@@ -5,20 +5,22 @@
     <p:sldMasterId id="2147483660" r:id="rId1"/>
   </p:sldMasterIdLst>
   <p:notesMasterIdLst>
-    <p:notesMasterId r:id="rId13"/>
+    <p:notesMasterId r:id="rId15"/>
   </p:notesMasterIdLst>
   <p:sldIdLst>
     <p:sldId id="256" r:id="rId2"/>
     <p:sldId id="265" r:id="rId3"/>
     <p:sldId id="258" r:id="rId4"/>
     <p:sldId id="259" r:id="rId5"/>
-    <p:sldId id="267" r:id="rId6"/>
-    <p:sldId id="260" r:id="rId7"/>
-    <p:sldId id="261" r:id="rId8"/>
-    <p:sldId id="263" r:id="rId9"/>
-    <p:sldId id="264" r:id="rId10"/>
-    <p:sldId id="266" r:id="rId11"/>
-    <p:sldId id="262" r:id="rId12"/>
+    <p:sldId id="268" r:id="rId6"/>
+    <p:sldId id="267" r:id="rId7"/>
+    <p:sldId id="260" r:id="rId8"/>
+    <p:sldId id="269" r:id="rId9"/>
+    <p:sldId id="261" r:id="rId10"/>
+    <p:sldId id="263" r:id="rId11"/>
+    <p:sldId id="264" r:id="rId12"/>
+    <p:sldId id="266" r:id="rId13"/>
+    <p:sldId id="262" r:id="rId14"/>
   </p:sldIdLst>
   <p:sldSz cx="9906000" cy="6858000" type="A4"/>
   <p:notesSz cx="6858000" cy="9144000"/>
@@ -132,6 +134,9 @@
         </p15:guide>
       </p15:sldGuideLst>
     </p:ext>
+    <p:ext uri="{2D200454-40CA-4A62-9FC3-DE9A4176ACB9}">
+      <p15:notesGuideLst xmlns:p15="http://schemas.microsoft.com/office/powerpoint/2012/main"/>
+    </p:ext>
   </p:extLst>
 </p:presentation>
 </file>
@@ -218,7 +223,7 @@
           <a:p>
             <a:fld id="{2E39C2C9-676C-A049-AAF4-736F116D4D92}" type="datetimeFigureOut">
               <a:rPr lang="de-DE" smtClean="0"/>
-              <a:t>11.05.21</a:t>
+              <a:t>13.05.21</a:t>
             </a:fld>
             <a:endParaRPr lang="de-DE"/>
           </a:p>
@@ -616,7 +621,7 @@
           <a:p>
             <a:fld id="{D135A461-9A79-C14A-A0D2-94030ADA0C4E}" type="datetimeFigureOut">
               <a:rPr lang="de-DE" smtClean="0"/>
-              <a:t>11.05.21</a:t>
+              <a:t>13.05.21</a:t>
             </a:fld>
             <a:endParaRPr lang="de-DE"/>
           </a:p>
@@ -786,7 +791,7 @@
           <a:p>
             <a:fld id="{D135A461-9A79-C14A-A0D2-94030ADA0C4E}" type="datetimeFigureOut">
               <a:rPr lang="de-DE" smtClean="0"/>
-              <a:t>11.05.21</a:t>
+              <a:t>13.05.21</a:t>
             </a:fld>
             <a:endParaRPr lang="de-DE"/>
           </a:p>
@@ -966,7 +971,7 @@
           <a:p>
             <a:fld id="{D135A461-9A79-C14A-A0D2-94030ADA0C4E}" type="datetimeFigureOut">
               <a:rPr lang="de-DE" smtClean="0"/>
-              <a:t>11.05.21</a:t>
+              <a:t>13.05.21</a:t>
             </a:fld>
             <a:endParaRPr lang="de-DE"/>
           </a:p>
@@ -1146,7 +1151,7 @@
           <a:p>
             <a:fld id="{D135A461-9A79-C14A-A0D2-94030ADA0C4E}" type="datetimeFigureOut">
               <a:rPr lang="de-DE" smtClean="0"/>
-              <a:t>11.05.21</a:t>
+              <a:t>13.05.21</a:t>
             </a:fld>
             <a:endParaRPr lang="de-DE"/>
           </a:p>
@@ -1390,7 +1395,7 @@
           <a:p>
             <a:fld id="{D135A461-9A79-C14A-A0D2-94030ADA0C4E}" type="datetimeFigureOut">
               <a:rPr lang="de-DE" smtClean="0"/>
-              <a:t>11.05.21</a:t>
+              <a:t>13.05.21</a:t>
             </a:fld>
             <a:endParaRPr lang="de-DE"/>
           </a:p>
@@ -1622,7 +1627,7 @@
           <a:p>
             <a:fld id="{D135A461-9A79-C14A-A0D2-94030ADA0C4E}" type="datetimeFigureOut">
               <a:rPr lang="de-DE" smtClean="0"/>
-              <a:t>11.05.21</a:t>
+              <a:t>13.05.21</a:t>
             </a:fld>
             <a:endParaRPr lang="de-DE"/>
           </a:p>
@@ -1989,7 +1994,7 @@
           <a:p>
             <a:fld id="{D135A461-9A79-C14A-A0D2-94030ADA0C4E}" type="datetimeFigureOut">
               <a:rPr lang="de-DE" smtClean="0"/>
-              <a:t>11.05.21</a:t>
+              <a:t>13.05.21</a:t>
             </a:fld>
             <a:endParaRPr lang="de-DE"/>
           </a:p>
@@ -2107,7 +2112,7 @@
           <a:p>
             <a:fld id="{D135A461-9A79-C14A-A0D2-94030ADA0C4E}" type="datetimeFigureOut">
               <a:rPr lang="de-DE" smtClean="0"/>
-              <a:t>11.05.21</a:t>
+              <a:t>13.05.21</a:t>
             </a:fld>
             <a:endParaRPr lang="de-DE"/>
           </a:p>
@@ -2202,7 +2207,7 @@
           <a:p>
             <a:fld id="{D135A461-9A79-C14A-A0D2-94030ADA0C4E}" type="datetimeFigureOut">
               <a:rPr lang="de-DE" smtClean="0"/>
-              <a:t>11.05.21</a:t>
+              <a:t>13.05.21</a:t>
             </a:fld>
             <a:endParaRPr lang="de-DE"/>
           </a:p>
@@ -2479,7 +2484,7 @@
           <a:p>
             <a:fld id="{D135A461-9A79-C14A-A0D2-94030ADA0C4E}" type="datetimeFigureOut">
               <a:rPr lang="de-DE" smtClean="0"/>
-              <a:t>11.05.21</a:t>
+              <a:t>13.05.21</a:t>
             </a:fld>
             <a:endParaRPr lang="de-DE"/>
           </a:p>
@@ -2736,7 +2741,7 @@
           <a:p>
             <a:fld id="{D135A461-9A79-C14A-A0D2-94030ADA0C4E}" type="datetimeFigureOut">
               <a:rPr lang="de-DE" smtClean="0"/>
-              <a:t>11.05.21</a:t>
+              <a:t>13.05.21</a:t>
             </a:fld>
             <a:endParaRPr lang="de-DE"/>
           </a:p>
@@ -2949,7 +2954,7 @@
           <a:p>
             <a:fld id="{D135A461-9A79-C14A-A0D2-94030ADA0C4E}" type="datetimeFigureOut">
               <a:rPr lang="de-DE" smtClean="0"/>
-              <a:t>11.05.21</a:t>
+              <a:t>13.05.21</a:t>
             </a:fld>
             <a:endParaRPr lang="de-DE"/>
           </a:p>
@@ -3446,7 +3451,7 @@
             </a:r>
             <a:fld id="{708BF0F0-9BC6-E540-BA01-080340F69A97}" type="datetime1">
               <a:rPr lang="de-DE"/>
-              <a:t>11.05.21</a:t>
+              <a:t>13.05.21</a:t>
             </a:fld>
             <a:endParaRPr lang="de-DE" dirty="0"/>
           </a:p>
@@ -3490,6 +3495,434 @@
           <p:cNvPr id="2" name="Titel 1">
             <a:extLst>
               <a:ext uri="{FF2B5EF4-FFF2-40B4-BE49-F238E27FC236}">
+                <a16:creationId xmlns:a16="http://schemas.microsoft.com/office/drawing/2014/main" id="{FD4D6D7D-3114-2D4B-BF9F-FC783B6962ED}"/>
+              </a:ext>
+            </a:extLst>
+          </p:cNvPr>
+          <p:cNvSpPr>
+            <a:spLocks noGrp="1"/>
+          </p:cNvSpPr>
+          <p:nvPr>
+            <p:ph type="title"/>
+          </p:nvPr>
+        </p:nvSpPr>
+        <p:spPr/>
+        <p:txBody>
+          <a:bodyPr/>
+          <a:lstStyle/>
+          <a:p>
+            <a:r>
+              <a:rPr lang="de-DE" dirty="0"/>
+              <a:t>App Struktur 2</a:t>
+            </a:r>
+          </a:p>
+        </p:txBody>
+      </p:sp>
+      <p:sp>
+        <p:nvSpPr>
+          <p:cNvPr id="3" name="Inhaltsplatzhalter 2">
+            <a:extLst>
+              <a:ext uri="{FF2B5EF4-FFF2-40B4-BE49-F238E27FC236}">
+                <a16:creationId xmlns:a16="http://schemas.microsoft.com/office/drawing/2014/main" id="{EE55A7DA-38C9-154B-BFBD-89FD890687F1}"/>
+              </a:ext>
+            </a:extLst>
+          </p:cNvPr>
+          <p:cNvSpPr>
+            <a:spLocks noGrp="1"/>
+          </p:cNvSpPr>
+          <p:nvPr>
+            <p:ph idx="1"/>
+          </p:nvPr>
+        </p:nvSpPr>
+        <p:spPr>
+          <a:xfrm>
+            <a:off x="681038" y="1253066"/>
+            <a:ext cx="8543925" cy="5342805"/>
+          </a:xfrm>
+        </p:spPr>
+        <p:txBody>
+          <a:bodyPr>
+            <a:normAutofit lnSpcReduction="10000"/>
+          </a:bodyPr>
+          <a:lstStyle/>
+          <a:p>
+            <a:r>
+              <a:rPr lang="de-DE" dirty="0"/>
+              <a:t>UI 1</a:t>
+            </a:r>
+          </a:p>
+          <a:p>
+            <a:pPr lvl="2"/>
+            <a:r>
+              <a:rPr lang="de-DE" dirty="0" err="1"/>
+              <a:t>Main.storyboard</a:t>
+            </a:r>
+            <a:r>
+              <a:rPr lang="de-DE" dirty="0"/>
+              <a:t>, </a:t>
+            </a:r>
+            <a:r>
+              <a:rPr lang="de-DE" dirty="0" err="1"/>
+              <a:t>launchScreen.storyboard</a:t>
+            </a:r>
+            <a:endParaRPr lang="de-DE" dirty="0"/>
+          </a:p>
+          <a:p>
+            <a:pPr lvl="1"/>
+            <a:r>
+              <a:rPr lang="de-DE" dirty="0"/>
+              <a:t>Main</a:t>
+            </a:r>
+          </a:p>
+          <a:p>
+            <a:pPr lvl="2"/>
+            <a:r>
+              <a:rPr lang="de-DE" dirty="0" err="1"/>
+              <a:t>MainViewController</a:t>
+            </a:r>
+            <a:endParaRPr lang="de-DE" dirty="0"/>
+          </a:p>
+          <a:p>
+            <a:pPr lvl="2"/>
+            <a:r>
+              <a:rPr lang="de-DE" dirty="0" err="1"/>
+              <a:t>WaitForDataViewController</a:t>
+            </a:r>
+            <a:endParaRPr lang="de-DE" dirty="0"/>
+          </a:p>
+          <a:p>
+            <a:pPr lvl="1"/>
+            <a:r>
+              <a:rPr lang="de-DE" dirty="0" err="1"/>
+              <a:t>HelpView</a:t>
+            </a:r>
+            <a:endParaRPr lang="de-DE" dirty="0"/>
+          </a:p>
+          <a:p>
+            <a:pPr lvl="2"/>
+            <a:r>
+              <a:rPr lang="de-DE" dirty="0" err="1"/>
+              <a:t>HelpViewControiller</a:t>
+            </a:r>
+            <a:endParaRPr lang="de-DE" dirty="0"/>
+          </a:p>
+          <a:p>
+            <a:pPr lvl="2"/>
+            <a:r>
+              <a:rPr lang="de-DE" dirty="0" err="1"/>
+              <a:t>HelpTabViewController</a:t>
+            </a:r>
+            <a:endParaRPr lang="de-DE" dirty="0"/>
+          </a:p>
+          <a:p>
+            <a:pPr lvl="2"/>
+            <a:r>
+              <a:rPr lang="de-DE" dirty="0" err="1"/>
+              <a:t>HelpTabViewCells</a:t>
+            </a:r>
+            <a:endParaRPr lang="de-DE" dirty="0"/>
+          </a:p>
+          <a:p>
+            <a:pPr lvl="1"/>
+            <a:r>
+              <a:rPr lang="de-DE" dirty="0" err="1"/>
+              <a:t>MapView</a:t>
+            </a:r>
+            <a:r>
+              <a:rPr lang="de-DE" dirty="0"/>
+              <a:t> (als Hauptkarte)</a:t>
+            </a:r>
+          </a:p>
+          <a:p>
+            <a:pPr lvl="2"/>
+            <a:r>
+              <a:rPr lang="de-DE" dirty="0" err="1"/>
+              <a:t>MainMapViewController</a:t>
+            </a:r>
+            <a:endParaRPr lang="de-DE" dirty="0"/>
+          </a:p>
+          <a:p>
+            <a:pPr lvl="2"/>
+            <a:r>
+              <a:rPr lang="de-DE" dirty="0" err="1"/>
+              <a:t>RestaurantAnnotations</a:t>
+            </a:r>
+            <a:r>
+              <a:rPr lang="de-DE" dirty="0"/>
+              <a:t>, eventuell </a:t>
+            </a:r>
+            <a:r>
+              <a:rPr lang="de-DE" dirty="0" err="1"/>
+              <a:t>Renderer</a:t>
+            </a:r>
+            <a:endParaRPr lang="de-DE" dirty="0"/>
+          </a:p>
+          <a:p>
+            <a:pPr lvl="1"/>
+            <a:r>
+              <a:rPr lang="de-DE" dirty="0" err="1"/>
+              <a:t>MapContentSelection</a:t>
+            </a:r>
+            <a:endParaRPr lang="de-DE" dirty="0"/>
+          </a:p>
+          <a:p>
+            <a:pPr lvl="2"/>
+            <a:r>
+              <a:rPr lang="de-DE" dirty="0" err="1"/>
+              <a:t>MapContentViewController</a:t>
+            </a:r>
+            <a:endParaRPr lang="de-DE" dirty="0"/>
+          </a:p>
+          <a:p>
+            <a:pPr lvl="2"/>
+            <a:r>
+              <a:rPr lang="de-DE" dirty="0" err="1"/>
+              <a:t>MapContentTabViewController</a:t>
+            </a:r>
+            <a:endParaRPr lang="de-DE" dirty="0"/>
+          </a:p>
+          <a:p>
+            <a:pPr lvl="2"/>
+            <a:r>
+              <a:rPr lang="de-DE" dirty="0" err="1"/>
+              <a:t>MapContentTabViewCells</a:t>
+            </a:r>
+            <a:endParaRPr lang="de-DE" dirty="0"/>
+          </a:p>
+          <a:p>
+            <a:pPr lvl="2"/>
+            <a:endParaRPr lang="de-DE" dirty="0"/>
+          </a:p>
+          <a:p>
+            <a:pPr lvl="1"/>
+            <a:endParaRPr lang="de-DE" dirty="0"/>
+          </a:p>
+          <a:p>
+            <a:endParaRPr lang="de-DE" dirty="0"/>
+          </a:p>
+          <a:p>
+            <a:pPr lvl="2"/>
+            <a:endParaRPr lang="de-DE" dirty="0"/>
+          </a:p>
+          <a:p>
+            <a:pPr lvl="2"/>
+            <a:endParaRPr lang="de-DE" dirty="0"/>
+          </a:p>
+        </p:txBody>
+      </p:sp>
+    </p:spTree>
+    <p:extLst>
+      <p:ext uri="{BB962C8B-B14F-4D97-AF65-F5344CB8AC3E}">
+        <p14:creationId xmlns:p14="http://schemas.microsoft.com/office/powerpoint/2010/main" val="3448450959"/>
+      </p:ext>
+    </p:extLst>
+  </p:cSld>
+  <p:clrMapOvr>
+    <a:masterClrMapping/>
+  </p:clrMapOvr>
+</p:sld>
+</file>
+
+<file path=ppt/slides/slide11.xml><?xml version="1.0" encoding="utf-8"?>
+<p:sld xmlns:a="http://schemas.openxmlformats.org/drawingml/2006/main" xmlns:r="http://schemas.openxmlformats.org/officeDocument/2006/relationships" xmlns:p="http://schemas.openxmlformats.org/presentationml/2006/main">
+  <p:cSld>
+    <p:spTree>
+      <p:nvGrpSpPr>
+        <p:cNvPr id="1" name=""/>
+        <p:cNvGrpSpPr/>
+        <p:nvPr/>
+      </p:nvGrpSpPr>
+      <p:grpSpPr>
+        <a:xfrm>
+          <a:off x="0" y="0"/>
+          <a:ext cx="0" cy="0"/>
+          <a:chOff x="0" y="0"/>
+          <a:chExt cx="0" cy="0"/>
+        </a:xfrm>
+      </p:grpSpPr>
+      <p:sp>
+        <p:nvSpPr>
+          <p:cNvPr id="2" name="Titel 1">
+            <a:extLst>
+              <a:ext uri="{FF2B5EF4-FFF2-40B4-BE49-F238E27FC236}">
+                <a16:creationId xmlns:a16="http://schemas.microsoft.com/office/drawing/2014/main" id="{FD4D6D7D-3114-2D4B-BF9F-FC783B6962ED}"/>
+              </a:ext>
+            </a:extLst>
+          </p:cNvPr>
+          <p:cNvSpPr>
+            <a:spLocks noGrp="1"/>
+          </p:cNvSpPr>
+          <p:nvPr>
+            <p:ph type="title"/>
+          </p:nvPr>
+        </p:nvSpPr>
+        <p:spPr/>
+        <p:txBody>
+          <a:bodyPr/>
+          <a:lstStyle/>
+          <a:p>
+            <a:r>
+              <a:rPr lang="de-DE" dirty="0"/>
+              <a:t>App Struktur 3</a:t>
+            </a:r>
+          </a:p>
+        </p:txBody>
+      </p:sp>
+      <p:sp>
+        <p:nvSpPr>
+          <p:cNvPr id="3" name="Inhaltsplatzhalter 2">
+            <a:extLst>
+              <a:ext uri="{FF2B5EF4-FFF2-40B4-BE49-F238E27FC236}">
+                <a16:creationId xmlns:a16="http://schemas.microsoft.com/office/drawing/2014/main" id="{EE55A7DA-38C9-154B-BFBD-89FD890687F1}"/>
+              </a:ext>
+            </a:extLst>
+          </p:cNvPr>
+          <p:cNvSpPr>
+            <a:spLocks noGrp="1"/>
+          </p:cNvSpPr>
+          <p:nvPr>
+            <p:ph idx="1"/>
+          </p:nvPr>
+        </p:nvSpPr>
+        <p:spPr>
+          <a:xfrm>
+            <a:off x="681038" y="1253066"/>
+            <a:ext cx="8543925" cy="5342805"/>
+          </a:xfrm>
+        </p:spPr>
+        <p:txBody>
+          <a:bodyPr>
+            <a:normAutofit/>
+          </a:bodyPr>
+          <a:lstStyle/>
+          <a:p>
+            <a:r>
+              <a:rPr lang="de-DE" dirty="0"/>
+              <a:t>UI 2</a:t>
+            </a:r>
+          </a:p>
+          <a:p>
+            <a:pPr lvl="1"/>
+            <a:r>
+              <a:rPr lang="de-DE" dirty="0"/>
+              <a:t>Restaurant List</a:t>
+            </a:r>
+          </a:p>
+          <a:p>
+            <a:pPr lvl="2"/>
+            <a:r>
+              <a:rPr lang="de-DE" dirty="0" err="1"/>
+              <a:t>RestaurantListViewController</a:t>
+            </a:r>
+            <a:endParaRPr lang="de-DE" dirty="0"/>
+          </a:p>
+          <a:p>
+            <a:pPr lvl="2"/>
+            <a:r>
+              <a:rPr lang="de-DE" dirty="0" err="1"/>
+              <a:t>RestaurantListSearchBar</a:t>
+            </a:r>
+            <a:endParaRPr lang="de-DE" dirty="0"/>
+          </a:p>
+          <a:p>
+            <a:pPr lvl="2"/>
+            <a:r>
+              <a:rPr lang="de-DE" dirty="0" err="1"/>
+              <a:t>RestaurantListTabViewController</a:t>
+            </a:r>
+            <a:endParaRPr lang="de-DE" dirty="0"/>
+          </a:p>
+          <a:p>
+            <a:pPr lvl="2"/>
+            <a:r>
+              <a:rPr lang="de-DE" dirty="0" err="1"/>
+              <a:t>RestaurantListTabViewCells</a:t>
+            </a:r>
+            <a:endParaRPr lang="de-DE" dirty="0"/>
+          </a:p>
+          <a:p>
+            <a:pPr lvl="1"/>
+            <a:r>
+              <a:rPr lang="de-DE" dirty="0"/>
+              <a:t>Restaurant Detail</a:t>
+            </a:r>
+          </a:p>
+          <a:p>
+            <a:pPr lvl="2"/>
+            <a:r>
+              <a:rPr lang="de-DE" dirty="0" err="1"/>
+              <a:t>RestaurantDetailViewController</a:t>
+            </a:r>
+            <a:endParaRPr lang="de-DE" dirty="0"/>
+          </a:p>
+          <a:p>
+            <a:pPr lvl="2"/>
+            <a:r>
+              <a:rPr lang="de-DE" dirty="0" err="1"/>
+              <a:t>RestaurantDetailTabViewController</a:t>
+            </a:r>
+            <a:endParaRPr lang="de-DE" dirty="0"/>
+          </a:p>
+          <a:p>
+            <a:pPr lvl="2"/>
+            <a:r>
+              <a:rPr lang="de-DE" dirty="0" err="1"/>
+              <a:t>RestaurantDetailTabViewCells</a:t>
+            </a:r>
+            <a:endParaRPr lang="de-DE" dirty="0"/>
+          </a:p>
+          <a:p>
+            <a:pPr lvl="1"/>
+            <a:endParaRPr lang="de-DE" dirty="0"/>
+          </a:p>
+          <a:p>
+            <a:endParaRPr lang="de-DE" dirty="0"/>
+          </a:p>
+          <a:p>
+            <a:pPr lvl="2"/>
+            <a:endParaRPr lang="de-DE" dirty="0"/>
+          </a:p>
+          <a:p>
+            <a:pPr lvl="2"/>
+            <a:endParaRPr lang="de-DE" dirty="0"/>
+          </a:p>
+        </p:txBody>
+      </p:sp>
+    </p:spTree>
+    <p:extLst>
+      <p:ext uri="{BB962C8B-B14F-4D97-AF65-F5344CB8AC3E}">
+        <p14:creationId xmlns:p14="http://schemas.microsoft.com/office/powerpoint/2010/main" val="371276013"/>
+      </p:ext>
+    </p:extLst>
+  </p:cSld>
+  <p:clrMapOvr>
+    <a:masterClrMapping/>
+  </p:clrMapOvr>
+</p:sld>
+</file>
+
+<file path=ppt/slides/slide12.xml><?xml version="1.0" encoding="utf-8"?>
+<p:sld xmlns:a="http://schemas.openxmlformats.org/drawingml/2006/main" xmlns:r="http://schemas.openxmlformats.org/officeDocument/2006/relationships" xmlns:p="http://schemas.openxmlformats.org/presentationml/2006/main">
+  <p:cSld>
+    <p:spTree>
+      <p:nvGrpSpPr>
+        <p:cNvPr id="1" name=""/>
+        <p:cNvGrpSpPr/>
+        <p:nvPr/>
+      </p:nvGrpSpPr>
+      <p:grpSpPr>
+        <a:xfrm>
+          <a:off x="0" y="0"/>
+          <a:ext cx="0" cy="0"/>
+          <a:chOff x="0" y="0"/>
+          <a:chExt cx="0" cy="0"/>
+        </a:xfrm>
+      </p:grpSpPr>
+      <p:sp>
+        <p:nvSpPr>
+          <p:cNvPr id="2" name="Titel 1">
+            <a:extLst>
+              <a:ext uri="{FF2B5EF4-FFF2-40B4-BE49-F238E27FC236}">
                 <a16:creationId xmlns:a16="http://schemas.microsoft.com/office/drawing/2014/main" id="{2DF62050-53A7-4C4A-960E-8EB243032BE0}"/>
               </a:ext>
             </a:extLst>
@@ -3736,7 +4169,7 @@
 </p:sld>
 </file>
 
-<file path=ppt/slides/slide11.xml><?xml version="1.0" encoding="utf-8"?>
+<file path=ppt/slides/slide13.xml><?xml version="1.0" encoding="utf-8"?>
 <p:sld xmlns:a="http://schemas.openxmlformats.org/drawingml/2006/main" xmlns:r="http://schemas.openxmlformats.org/officeDocument/2006/relationships" xmlns:p="http://schemas.openxmlformats.org/presentationml/2006/main">
   <p:cSld>
     <p:spTree>
@@ -4437,21 +4870,21 @@
             <a:pPr lvl="2"/>
             <a:r>
               <a:rPr lang="de-DE" dirty="0"/>
-              <a:t>Status: Ist gerade geöffnet (Ja / Nein, rot / grün)</a:t>
+              <a:t>Status: Ist gerade geöffnet oder geschlossen</a:t>
             </a:r>
           </a:p>
           <a:p>
             <a:pPr lvl="2"/>
             <a:r>
               <a:rPr lang="de-DE" dirty="0"/>
-              <a:t>Details-Taste</a:t>
-            </a:r>
-          </a:p>
-          <a:p>
-            <a:pPr lvl="3"/>
-            <a:r>
-              <a:rPr lang="de-DE" dirty="0"/>
-              <a:t>Verzweigt auf Detailansicht</a:t>
+              <a:t>Flaggenliste als Unicode Symbole</a:t>
+            </a:r>
+          </a:p>
+          <a:p>
+            <a:pPr lvl="2"/>
+            <a:r>
+              <a:rPr lang="de-DE" dirty="0"/>
+              <a:t>Detail-Indikator Verzweigt auf Detailansicht</a:t>
             </a:r>
           </a:p>
           <a:p>
@@ -4469,7 +4902,15 @@
             <a:pPr lvl="2"/>
             <a:r>
               <a:rPr lang="de-DE" dirty="0"/>
-              <a:t>Entfernung</a:t>
+              <a:t>Entfernung (wenn </a:t>
+            </a:r>
+            <a:r>
+              <a:rPr lang="de-DE" dirty="0" err="1"/>
+              <a:t>Lokationssrvice</a:t>
+            </a:r>
+            <a:r>
+              <a:rPr lang="de-DE" dirty="0"/>
+              <a:t>)</a:t>
             </a:r>
           </a:p>
           <a:p>
@@ -4532,7 +4973,7 @@
           <p:cNvPr id="2" name="Titel 1">
             <a:extLst>
               <a:ext uri="{FF2B5EF4-FFF2-40B4-BE49-F238E27FC236}">
-                <a16:creationId xmlns:a16="http://schemas.microsoft.com/office/drawing/2014/main" id="{82235648-547D-E846-B342-55C416580726}"/>
+                <a16:creationId xmlns:a16="http://schemas.microsoft.com/office/drawing/2014/main" id="{CA84D4B0-41EA-8E49-BB74-EE6CD5E4FFE8}"/>
               </a:ext>
             </a:extLst>
           </p:cNvPr>
@@ -4545,97 +4986,2435 @@
         </p:nvSpPr>
         <p:spPr/>
         <p:txBody>
-          <a:bodyPr/>
+          <a:bodyPr>
+            <a:normAutofit fontScale="90000"/>
+          </a:bodyPr>
           <a:lstStyle/>
           <a:p>
             <a:r>
               <a:rPr lang="de-DE" dirty="0"/>
-              <a:t>Handling 3</a:t>
-            </a:r>
-          </a:p>
-        </p:txBody>
-      </p:sp>
-      <p:sp>
-        <p:nvSpPr>
-          <p:cNvPr id="3" name="Inhaltsplatzhalter 2">
+              <a:t>Screen Layout Listenansicht</a:t>
+            </a:r>
+          </a:p>
+        </p:txBody>
+      </p:sp>
+      <p:sp>
+        <p:nvSpPr>
+          <p:cNvPr id="4" name="Abgerundetes Rechteck 3">
             <a:extLst>
               <a:ext uri="{FF2B5EF4-FFF2-40B4-BE49-F238E27FC236}">
-                <a16:creationId xmlns:a16="http://schemas.microsoft.com/office/drawing/2014/main" id="{EA3805FE-F12D-7546-AD14-3ACCC553F0FF}"/>
+                <a16:creationId xmlns:a16="http://schemas.microsoft.com/office/drawing/2014/main" id="{1BAE994F-116D-5441-A678-B0E976A135FA}"/>
               </a:ext>
             </a:extLst>
           </p:cNvPr>
-          <p:cNvSpPr>
-            <a:spLocks noGrp="1"/>
-          </p:cNvSpPr>
-          <p:nvPr>
-            <p:ph idx="1"/>
-          </p:nvPr>
-        </p:nvSpPr>
-        <p:spPr/>
-        <p:txBody>
-          <a:bodyPr/>
+          <p:cNvSpPr/>
+          <p:nvPr/>
+        </p:nvSpPr>
+        <p:spPr>
+          <a:xfrm>
+            <a:off x="681038" y="1280160"/>
+            <a:ext cx="2549842" cy="5205984"/>
+          </a:xfrm>
+          <a:prstGeom prst="roundRect">
+            <a:avLst/>
+          </a:prstGeom>
+          <a:solidFill>
+            <a:schemeClr val="bg1"/>
+          </a:solidFill>
+          <a:ln w="107950">
+            <a:solidFill>
+              <a:schemeClr val="tx1">
+                <a:lumMod val="75000"/>
+                <a:lumOff val="25000"/>
+              </a:schemeClr>
+            </a:solidFill>
+          </a:ln>
+        </p:spPr>
+        <p:style>
+          <a:lnRef idx="2">
+            <a:schemeClr val="accent1">
+              <a:shade val="50000"/>
+            </a:schemeClr>
+          </a:lnRef>
+          <a:fillRef idx="1">
+            <a:schemeClr val="accent1"/>
+          </a:fillRef>
+          <a:effectRef idx="0">
+            <a:schemeClr val="accent1"/>
+          </a:effectRef>
+          <a:fontRef idx="minor">
+            <a:schemeClr val="lt1"/>
+          </a:fontRef>
+        </p:style>
+        <p:txBody>
+          <a:bodyPr rtlCol="0" anchor="ctr"/>
           <a:lstStyle/>
           <a:p>
-            <a:r>
-              <a:rPr lang="de-DE" dirty="0"/>
-              <a:t>Info Screen</a:t>
-            </a:r>
-          </a:p>
-          <a:p>
-            <a:pPr lvl="1"/>
-            <a:r>
-              <a:rPr lang="de-DE" dirty="0"/>
-              <a:t>Hilfetext (hier nur angedeutet)</a:t>
-            </a:r>
-          </a:p>
-          <a:p>
-            <a:pPr lvl="1"/>
+            <a:pPr algn="ctr"/>
+            <a:endParaRPr lang="de-DE"/>
+          </a:p>
+        </p:txBody>
+      </p:sp>
+      <p:cxnSp>
+        <p:nvCxnSpPr>
+          <p:cNvPr id="6" name="Gerade Verbindung 5">
+            <a:extLst>
+              <a:ext uri="{FF2B5EF4-FFF2-40B4-BE49-F238E27FC236}">
+                <a16:creationId xmlns:a16="http://schemas.microsoft.com/office/drawing/2014/main" id="{1A905E30-D24E-9845-B10D-1B8FE5CEE00E}"/>
+              </a:ext>
+            </a:extLst>
+          </p:cNvPr>
+          <p:cNvCxnSpPr/>
+          <p:nvPr/>
+        </p:nvCxnSpPr>
+        <p:spPr>
+          <a:xfrm>
+            <a:off x="681038" y="1755648"/>
+            <a:ext cx="2549842" cy="0"/>
+          </a:xfrm>
+          <a:prstGeom prst="line">
+            <a:avLst/>
+          </a:prstGeom>
+          <a:ln w="22225">
+            <a:solidFill>
+              <a:schemeClr val="tx1">
+                <a:lumMod val="75000"/>
+                <a:lumOff val="25000"/>
+              </a:schemeClr>
+            </a:solidFill>
+          </a:ln>
+        </p:spPr>
+        <p:style>
+          <a:lnRef idx="1">
+            <a:schemeClr val="accent1"/>
+          </a:lnRef>
+          <a:fillRef idx="0">
+            <a:schemeClr val="accent1"/>
+          </a:fillRef>
+          <a:effectRef idx="0">
+            <a:schemeClr val="accent1"/>
+          </a:effectRef>
+          <a:fontRef idx="minor">
+            <a:schemeClr val="tx1"/>
+          </a:fontRef>
+        </p:style>
+      </p:cxnSp>
+      <p:cxnSp>
+        <p:nvCxnSpPr>
+          <p:cNvPr id="7" name="Gerade Verbindung 6">
+            <a:extLst>
+              <a:ext uri="{FF2B5EF4-FFF2-40B4-BE49-F238E27FC236}">
+                <a16:creationId xmlns:a16="http://schemas.microsoft.com/office/drawing/2014/main" id="{C724599C-97CC-0847-BF74-C3AC1BCDDF9A}"/>
+              </a:ext>
+            </a:extLst>
+          </p:cNvPr>
+          <p:cNvCxnSpPr/>
+          <p:nvPr/>
+        </p:nvCxnSpPr>
+        <p:spPr>
+          <a:xfrm>
+            <a:off x="681038" y="6102096"/>
+            <a:ext cx="2549842" cy="0"/>
+          </a:xfrm>
+          <a:prstGeom prst="line">
+            <a:avLst/>
+          </a:prstGeom>
+          <a:ln w="22225">
+            <a:solidFill>
+              <a:schemeClr val="tx1">
+                <a:lumMod val="75000"/>
+                <a:lumOff val="25000"/>
+              </a:schemeClr>
+            </a:solidFill>
+          </a:ln>
+        </p:spPr>
+        <p:style>
+          <a:lnRef idx="1">
+            <a:schemeClr val="accent1"/>
+          </a:lnRef>
+          <a:fillRef idx="0">
+            <a:schemeClr val="accent1"/>
+          </a:fillRef>
+          <a:effectRef idx="0">
+            <a:schemeClr val="accent1"/>
+          </a:effectRef>
+          <a:fontRef idx="minor">
+            <a:schemeClr val="tx1"/>
+          </a:fontRef>
+        </p:style>
+      </p:cxnSp>
+      <p:sp>
+        <p:nvSpPr>
+          <p:cNvPr id="9" name="Abgerundetes Rechteck 8">
+            <a:extLst>
+              <a:ext uri="{FF2B5EF4-FFF2-40B4-BE49-F238E27FC236}">
+                <a16:creationId xmlns:a16="http://schemas.microsoft.com/office/drawing/2014/main" id="{E7A6199B-D11E-CE49-9023-68E8441BAE1D}"/>
+              </a:ext>
+            </a:extLst>
+          </p:cNvPr>
+          <p:cNvSpPr/>
+          <p:nvPr/>
+        </p:nvSpPr>
+        <p:spPr>
+          <a:xfrm>
+            <a:off x="841248" y="1876561"/>
+            <a:ext cx="1804416" cy="329185"/>
+          </a:xfrm>
+          <a:prstGeom prst="roundRect">
+            <a:avLst/>
+          </a:prstGeom>
+          <a:solidFill>
+            <a:schemeClr val="bg1">
+              <a:lumMod val="85000"/>
+            </a:schemeClr>
+          </a:solidFill>
+        </p:spPr>
+        <p:style>
+          <a:lnRef idx="2">
+            <a:schemeClr val="accent1">
+              <a:shade val="50000"/>
+            </a:schemeClr>
+          </a:lnRef>
+          <a:fillRef idx="1">
+            <a:schemeClr val="accent1"/>
+          </a:fillRef>
+          <a:effectRef idx="0">
+            <a:schemeClr val="accent1"/>
+          </a:effectRef>
+          <a:fontRef idx="minor">
+            <a:schemeClr val="lt1"/>
+          </a:fontRef>
+        </p:style>
+        <p:txBody>
+          <a:bodyPr rtlCol="0" anchor="ctr"/>
+          <a:lstStyle/>
+          <a:p>
+            <a:pPr algn="ctr"/>
+            <a:r>
+              <a:rPr lang="de-DE" dirty="0">
+                <a:solidFill>
+                  <a:schemeClr val="tx1"/>
+                </a:solidFill>
+              </a:rPr>
+              <a:t>Search</a:t>
+            </a:r>
+          </a:p>
+        </p:txBody>
+      </p:sp>
+      <p:sp>
+        <p:nvSpPr>
+          <p:cNvPr id="10" name="Pfeil nach oben und unten 9">
+            <a:extLst>
+              <a:ext uri="{FF2B5EF4-FFF2-40B4-BE49-F238E27FC236}">
+                <a16:creationId xmlns:a16="http://schemas.microsoft.com/office/drawing/2014/main" id="{0B4C71CE-8B5C-4D42-AE3D-26F53F10CE73}"/>
+              </a:ext>
+            </a:extLst>
+          </p:cNvPr>
+          <p:cNvSpPr/>
+          <p:nvPr/>
+        </p:nvSpPr>
+        <p:spPr>
+          <a:xfrm>
+            <a:off x="2779776" y="1876560"/>
+            <a:ext cx="316992" cy="329185"/>
+          </a:xfrm>
+          <a:prstGeom prst="upDownArrow">
+            <a:avLst>
+              <a:gd name="adj1" fmla="val 66026"/>
+              <a:gd name="adj2" fmla="val 41432"/>
+            </a:avLst>
+          </a:prstGeom>
+          <a:solidFill>
+            <a:schemeClr val="tx1">
+              <a:lumMod val="65000"/>
+              <a:lumOff val="35000"/>
+            </a:schemeClr>
+          </a:solidFill>
+        </p:spPr>
+        <p:style>
+          <a:lnRef idx="2">
+            <a:schemeClr val="accent1">
+              <a:shade val="50000"/>
+            </a:schemeClr>
+          </a:lnRef>
+          <a:fillRef idx="1">
+            <a:schemeClr val="accent1"/>
+          </a:fillRef>
+          <a:effectRef idx="0">
+            <a:schemeClr val="accent1"/>
+          </a:effectRef>
+          <a:fontRef idx="minor">
+            <a:schemeClr val="lt1"/>
+          </a:fontRef>
+        </p:style>
+        <p:txBody>
+          <a:bodyPr rtlCol="0" anchor="ctr"/>
+          <a:lstStyle/>
+          <a:p>
+            <a:pPr algn="ctr"/>
+            <a:endParaRPr lang="de-DE" sz="800" dirty="0"/>
+          </a:p>
+        </p:txBody>
+      </p:sp>
+      <p:grpSp>
+        <p:nvGrpSpPr>
+          <p:cNvPr id="22" name="Gruppieren 21">
+            <a:extLst>
+              <a:ext uri="{FF2B5EF4-FFF2-40B4-BE49-F238E27FC236}">
+                <a16:creationId xmlns:a16="http://schemas.microsoft.com/office/drawing/2014/main" id="{CAA04922-0E94-9940-9C12-AB75F433D134}"/>
+              </a:ext>
+            </a:extLst>
+          </p:cNvPr>
+          <p:cNvGrpSpPr/>
+          <p:nvPr/>
+        </p:nvGrpSpPr>
+        <p:grpSpPr>
+          <a:xfrm>
+            <a:off x="795867" y="2308804"/>
+            <a:ext cx="2383400" cy="666044"/>
+            <a:chOff x="795867" y="2308804"/>
+            <a:chExt cx="2383400" cy="666044"/>
+          </a:xfrm>
+        </p:grpSpPr>
+        <p:sp>
+          <p:nvSpPr>
+            <p:cNvPr id="8" name="Rechteck 7">
+              <a:extLst>
+                <a:ext uri="{FF2B5EF4-FFF2-40B4-BE49-F238E27FC236}">
+                  <a16:creationId xmlns:a16="http://schemas.microsoft.com/office/drawing/2014/main" id="{D461BE99-EE3A-6947-9058-FF537408F8D7}"/>
+                </a:ext>
+              </a:extLst>
+            </p:cNvPr>
+            <p:cNvSpPr/>
+            <p:nvPr/>
+          </p:nvSpPr>
+          <p:spPr>
+            <a:xfrm>
+              <a:off x="841248" y="2385814"/>
+              <a:ext cx="538162" cy="512064"/>
+            </a:xfrm>
+            <a:prstGeom prst="rect">
+              <a:avLst/>
+            </a:prstGeom>
+            <a:solidFill>
+              <a:schemeClr val="bg1">
+                <a:lumMod val="85000"/>
+              </a:schemeClr>
+            </a:solidFill>
+          </p:spPr>
+          <p:style>
+            <a:lnRef idx="2">
+              <a:schemeClr val="accent1">
+                <a:shade val="50000"/>
+              </a:schemeClr>
+            </a:lnRef>
+            <a:fillRef idx="1">
+              <a:schemeClr val="accent1"/>
+            </a:fillRef>
+            <a:effectRef idx="0">
+              <a:schemeClr val="accent1"/>
+            </a:effectRef>
+            <a:fontRef idx="minor">
+              <a:schemeClr val="lt1"/>
+            </a:fontRef>
+          </p:style>
+          <p:txBody>
+            <a:bodyPr vert="horz" rtlCol="0" anchor="ctr" anchorCtr="1"/>
+            <a:lstStyle/>
+            <a:p>
+              <a:pPr algn="ctr"/>
+              <a:r>
+                <a:rPr lang="de-DE" sz="900" dirty="0">
+                  <a:solidFill>
+                    <a:schemeClr val="tx1"/>
+                  </a:solidFill>
+                </a:rPr>
+                <a:t>Thumb</a:t>
+              </a:r>
+              <a:br>
+                <a:rPr lang="de-DE" sz="900" dirty="0">
+                  <a:solidFill>
+                    <a:schemeClr val="tx1"/>
+                  </a:solidFill>
+                </a:rPr>
+              </a:br>
+              <a:r>
+                <a:rPr lang="de-DE" sz="900" dirty="0">
+                  <a:solidFill>
+                    <a:schemeClr val="tx1"/>
+                  </a:solidFill>
+                </a:rPr>
+                <a:t>64 x 64</a:t>
+              </a:r>
+            </a:p>
+          </p:txBody>
+        </p:sp>
+        <p:cxnSp>
+          <p:nvCxnSpPr>
+            <p:cNvPr id="11" name="Gerade Verbindung 10">
+              <a:extLst>
+                <a:ext uri="{FF2B5EF4-FFF2-40B4-BE49-F238E27FC236}">
+                  <a16:creationId xmlns:a16="http://schemas.microsoft.com/office/drawing/2014/main" id="{C19B0782-8466-5842-BF72-725DA3144A3B}"/>
+                </a:ext>
+              </a:extLst>
+            </p:cNvPr>
+            <p:cNvCxnSpPr>
+              <a:cxnSpLocks/>
+            </p:cNvCxnSpPr>
+            <p:nvPr/>
+          </p:nvCxnSpPr>
+          <p:spPr>
+            <a:xfrm>
+              <a:off x="795867" y="2308804"/>
+              <a:ext cx="2300901" cy="0"/>
+            </a:xfrm>
+            <a:prstGeom prst="line">
+              <a:avLst/>
+            </a:prstGeom>
+            <a:ln w="12700">
+              <a:solidFill>
+                <a:schemeClr val="bg1">
+                  <a:lumMod val="65000"/>
+                </a:schemeClr>
+              </a:solidFill>
+            </a:ln>
+          </p:spPr>
+          <p:style>
+            <a:lnRef idx="1">
+              <a:schemeClr val="accent1"/>
+            </a:lnRef>
+            <a:fillRef idx="0">
+              <a:schemeClr val="accent1"/>
+            </a:fillRef>
+            <a:effectRef idx="0">
+              <a:schemeClr val="accent1"/>
+            </a:effectRef>
+            <a:fontRef idx="minor">
+              <a:schemeClr val="tx1"/>
+            </a:fontRef>
+          </p:style>
+        </p:cxnSp>
+        <p:sp>
+          <p:nvSpPr>
+            <p:cNvPr id="12" name="Textfeld 11">
+              <a:extLst>
+                <a:ext uri="{FF2B5EF4-FFF2-40B4-BE49-F238E27FC236}">
+                  <a16:creationId xmlns:a16="http://schemas.microsoft.com/office/drawing/2014/main" id="{A20FD680-09C3-374F-B95E-F3D5E00BAE03}"/>
+                </a:ext>
+              </a:extLst>
+            </p:cNvPr>
+            <p:cNvSpPr txBox="1"/>
+            <p:nvPr/>
+          </p:nvSpPr>
+          <p:spPr>
+            <a:xfrm>
+              <a:off x="1360312" y="2326656"/>
+              <a:ext cx="1634857" cy="369332"/>
+            </a:xfrm>
+            <a:prstGeom prst="rect">
+              <a:avLst/>
+            </a:prstGeom>
+            <a:noFill/>
+          </p:spPr>
+          <p:txBody>
+            <a:bodyPr wrap="square" rtlCol="0">
+              <a:spAutoFit/>
+            </a:bodyPr>
+            <a:lstStyle/>
+            <a:p>
+              <a:r>
+                <a:rPr lang="de-DE" dirty="0"/>
+                <a:t>La Dolce Vita</a:t>
+              </a:r>
+            </a:p>
+          </p:txBody>
+        </p:sp>
+        <p:sp>
+          <p:nvSpPr>
+            <p:cNvPr id="13" name="Textfeld 12">
+              <a:extLst>
+                <a:ext uri="{FF2B5EF4-FFF2-40B4-BE49-F238E27FC236}">
+                  <a16:creationId xmlns:a16="http://schemas.microsoft.com/office/drawing/2014/main" id="{2EAE365A-C5E8-8B4E-9324-8A480350AE06}"/>
+                </a:ext>
+              </a:extLst>
+            </p:cNvPr>
+            <p:cNvSpPr txBox="1"/>
+            <p:nvPr/>
+          </p:nvSpPr>
+          <p:spPr>
+            <a:xfrm>
+              <a:off x="1360313" y="2645106"/>
+              <a:ext cx="1634857" cy="276999"/>
+            </a:xfrm>
+            <a:prstGeom prst="rect">
+              <a:avLst/>
+            </a:prstGeom>
+            <a:noFill/>
+          </p:spPr>
+          <p:txBody>
+            <a:bodyPr wrap="square" rtlCol="0">
+              <a:spAutoFit/>
+            </a:bodyPr>
+            <a:lstStyle/>
+            <a:p>
+              <a:r>
+                <a:rPr lang="de-DE" sz="1200" dirty="0"/>
+                <a:t>geschlossen</a:t>
+              </a:r>
+            </a:p>
+          </p:txBody>
+        </p:sp>
+        <p:sp>
+          <p:nvSpPr>
+            <p:cNvPr id="14" name="Textfeld 13">
+              <a:extLst>
+                <a:ext uri="{FF2B5EF4-FFF2-40B4-BE49-F238E27FC236}">
+                  <a16:creationId xmlns:a16="http://schemas.microsoft.com/office/drawing/2014/main" id="{A761BFD0-209B-A541-B47F-A9CAECCA1421}"/>
+                </a:ext>
+              </a:extLst>
+            </p:cNvPr>
+            <p:cNvSpPr txBox="1"/>
+            <p:nvPr/>
+          </p:nvSpPr>
+          <p:spPr>
+            <a:xfrm>
+              <a:off x="2212622" y="2645106"/>
+              <a:ext cx="966645" cy="276999"/>
+            </a:xfrm>
+            <a:prstGeom prst="rect">
+              <a:avLst/>
+            </a:prstGeom>
+            <a:noFill/>
+          </p:spPr>
+          <p:txBody>
+            <a:bodyPr wrap="square" rtlCol="0">
+              <a:spAutoFit/>
+            </a:bodyPr>
+            <a:lstStyle/>
+            <a:p>
+              <a:r>
+                <a:rPr lang="de-DE" sz="1200" dirty="0"/>
+                <a:t>🇨🇳🇹🇭🇮🇹🇩🇪🇺🇸</a:t>
+              </a:r>
+            </a:p>
+          </p:txBody>
+        </p:sp>
+        <p:cxnSp>
+          <p:nvCxnSpPr>
+            <p:cNvPr id="15" name="Gerade Verbindung 14">
+              <a:extLst>
+                <a:ext uri="{FF2B5EF4-FFF2-40B4-BE49-F238E27FC236}">
+                  <a16:creationId xmlns:a16="http://schemas.microsoft.com/office/drawing/2014/main" id="{15605AF2-A573-7E44-B8F4-F16356D4AABA}"/>
+                </a:ext>
+              </a:extLst>
+            </p:cNvPr>
+            <p:cNvCxnSpPr>
+              <a:cxnSpLocks/>
+            </p:cNvCxnSpPr>
+            <p:nvPr/>
+          </p:nvCxnSpPr>
+          <p:spPr>
+            <a:xfrm>
+              <a:off x="795867" y="2974848"/>
+              <a:ext cx="2300901" cy="0"/>
+            </a:xfrm>
+            <a:prstGeom prst="line">
+              <a:avLst/>
+            </a:prstGeom>
+            <a:ln w="12700">
+              <a:solidFill>
+                <a:schemeClr val="bg1">
+                  <a:lumMod val="65000"/>
+                </a:schemeClr>
+              </a:solidFill>
+            </a:ln>
+          </p:spPr>
+          <p:style>
+            <a:lnRef idx="1">
+              <a:schemeClr val="accent1"/>
+            </a:lnRef>
+            <a:fillRef idx="0">
+              <a:schemeClr val="accent1"/>
+            </a:fillRef>
+            <a:effectRef idx="0">
+              <a:schemeClr val="accent1"/>
+            </a:effectRef>
+            <a:fontRef idx="minor">
+              <a:schemeClr val="tx1"/>
+            </a:fontRef>
+          </p:style>
+        </p:cxnSp>
+      </p:grpSp>
+      <p:sp>
+        <p:nvSpPr>
+          <p:cNvPr id="21" name="Textfeld 20">
+            <a:extLst>
+              <a:ext uri="{FF2B5EF4-FFF2-40B4-BE49-F238E27FC236}">
+                <a16:creationId xmlns:a16="http://schemas.microsoft.com/office/drawing/2014/main" id="{8DAE8DA3-8A65-A44A-8ABE-A0425399365B}"/>
+              </a:ext>
+            </a:extLst>
+          </p:cNvPr>
+          <p:cNvSpPr txBox="1"/>
+          <p:nvPr/>
+        </p:nvSpPr>
+        <p:spPr>
+          <a:xfrm>
+            <a:off x="2767782" y="1923266"/>
+            <a:ext cx="483322" cy="215444"/>
+          </a:xfrm>
+          <a:prstGeom prst="rect">
+            <a:avLst/>
+          </a:prstGeom>
+          <a:noFill/>
+        </p:spPr>
+        <p:txBody>
+          <a:bodyPr wrap="square" rtlCol="0">
+            <a:spAutoFit/>
+          </a:bodyPr>
+          <a:lstStyle/>
+          <a:p>
+            <a:r>
+              <a:rPr lang="de-DE" sz="800" dirty="0" err="1">
+                <a:solidFill>
+                  <a:schemeClr val="bg1">
+                    <a:lumMod val="95000"/>
+                  </a:schemeClr>
+                </a:solidFill>
+              </a:rPr>
+              <a:t>sort</a:t>
+            </a:r>
+            <a:endParaRPr lang="de-DE" sz="800" dirty="0">
+              <a:solidFill>
+                <a:schemeClr val="bg1">
+                  <a:lumMod val="95000"/>
+                </a:schemeClr>
+              </a:solidFill>
+            </a:endParaRPr>
+          </a:p>
+        </p:txBody>
+      </p:sp>
+      <p:grpSp>
+        <p:nvGrpSpPr>
+          <p:cNvPr id="23" name="Gruppieren 22">
+            <a:extLst>
+              <a:ext uri="{FF2B5EF4-FFF2-40B4-BE49-F238E27FC236}">
+                <a16:creationId xmlns:a16="http://schemas.microsoft.com/office/drawing/2014/main" id="{A2F79053-29D1-F246-B1EE-1BDC6C7D80FB}"/>
+              </a:ext>
+            </a:extLst>
+          </p:cNvPr>
+          <p:cNvGrpSpPr/>
+          <p:nvPr/>
+        </p:nvGrpSpPr>
+        <p:grpSpPr>
+          <a:xfrm>
+            <a:off x="764259" y="2974848"/>
+            <a:ext cx="2383400" cy="666044"/>
+            <a:chOff x="795867" y="2308804"/>
+            <a:chExt cx="2383400" cy="666044"/>
+          </a:xfrm>
+        </p:grpSpPr>
+        <p:sp>
+          <p:nvSpPr>
+            <p:cNvPr id="24" name="Rechteck 23">
+              <a:extLst>
+                <a:ext uri="{FF2B5EF4-FFF2-40B4-BE49-F238E27FC236}">
+                  <a16:creationId xmlns:a16="http://schemas.microsoft.com/office/drawing/2014/main" id="{309FFD88-4C05-1340-8A1D-ECC66BFAB590}"/>
+                </a:ext>
+              </a:extLst>
+            </p:cNvPr>
+            <p:cNvSpPr/>
+            <p:nvPr/>
+          </p:nvSpPr>
+          <p:spPr>
+            <a:xfrm>
+              <a:off x="841248" y="2385814"/>
+              <a:ext cx="538162" cy="512064"/>
+            </a:xfrm>
+            <a:prstGeom prst="rect">
+              <a:avLst/>
+            </a:prstGeom>
+            <a:solidFill>
+              <a:schemeClr val="bg1">
+                <a:lumMod val="85000"/>
+              </a:schemeClr>
+            </a:solidFill>
+          </p:spPr>
+          <p:style>
+            <a:lnRef idx="2">
+              <a:schemeClr val="accent1">
+                <a:shade val="50000"/>
+              </a:schemeClr>
+            </a:lnRef>
+            <a:fillRef idx="1">
+              <a:schemeClr val="accent1"/>
+            </a:fillRef>
+            <a:effectRef idx="0">
+              <a:schemeClr val="accent1"/>
+            </a:effectRef>
+            <a:fontRef idx="minor">
+              <a:schemeClr val="lt1"/>
+            </a:fontRef>
+          </p:style>
+          <p:txBody>
+            <a:bodyPr vert="horz" rtlCol="0" anchor="ctr" anchorCtr="1"/>
+            <a:lstStyle/>
+            <a:p>
+              <a:pPr algn="ctr"/>
+              <a:r>
+                <a:rPr lang="de-DE" sz="900" dirty="0">
+                  <a:solidFill>
+                    <a:schemeClr val="tx1"/>
+                  </a:solidFill>
+                </a:rPr>
+                <a:t>Thumb</a:t>
+              </a:r>
+              <a:br>
+                <a:rPr lang="de-DE" sz="900" dirty="0">
+                  <a:solidFill>
+                    <a:schemeClr val="tx1"/>
+                  </a:solidFill>
+                </a:rPr>
+              </a:br>
+              <a:r>
+                <a:rPr lang="de-DE" sz="900" dirty="0">
+                  <a:solidFill>
+                    <a:schemeClr val="tx1"/>
+                  </a:solidFill>
+                </a:rPr>
+                <a:t>64 x 64</a:t>
+              </a:r>
+            </a:p>
+          </p:txBody>
+        </p:sp>
+        <p:cxnSp>
+          <p:nvCxnSpPr>
+            <p:cNvPr id="25" name="Gerade Verbindung 24">
+              <a:extLst>
+                <a:ext uri="{FF2B5EF4-FFF2-40B4-BE49-F238E27FC236}">
+                  <a16:creationId xmlns:a16="http://schemas.microsoft.com/office/drawing/2014/main" id="{FF60DD1E-DD8D-614F-BF0F-82E1BE6819FE}"/>
+                </a:ext>
+              </a:extLst>
+            </p:cNvPr>
+            <p:cNvCxnSpPr>
+              <a:cxnSpLocks/>
+            </p:cNvCxnSpPr>
+            <p:nvPr/>
+          </p:nvCxnSpPr>
+          <p:spPr>
+            <a:xfrm>
+              <a:off x="795867" y="2308804"/>
+              <a:ext cx="2300901" cy="0"/>
+            </a:xfrm>
+            <a:prstGeom prst="line">
+              <a:avLst/>
+            </a:prstGeom>
+            <a:ln w="12700">
+              <a:solidFill>
+                <a:schemeClr val="bg1">
+                  <a:lumMod val="65000"/>
+                </a:schemeClr>
+              </a:solidFill>
+            </a:ln>
+          </p:spPr>
+          <p:style>
+            <a:lnRef idx="1">
+              <a:schemeClr val="accent1"/>
+            </a:lnRef>
+            <a:fillRef idx="0">
+              <a:schemeClr val="accent1"/>
+            </a:fillRef>
+            <a:effectRef idx="0">
+              <a:schemeClr val="accent1"/>
+            </a:effectRef>
+            <a:fontRef idx="minor">
+              <a:schemeClr val="tx1"/>
+            </a:fontRef>
+          </p:style>
+        </p:cxnSp>
+        <p:sp>
+          <p:nvSpPr>
+            <p:cNvPr id="26" name="Textfeld 25">
+              <a:extLst>
+                <a:ext uri="{FF2B5EF4-FFF2-40B4-BE49-F238E27FC236}">
+                  <a16:creationId xmlns:a16="http://schemas.microsoft.com/office/drawing/2014/main" id="{7E317726-114F-F54F-9052-6844D06A941D}"/>
+                </a:ext>
+              </a:extLst>
+            </p:cNvPr>
+            <p:cNvSpPr txBox="1"/>
+            <p:nvPr/>
+          </p:nvSpPr>
+          <p:spPr>
+            <a:xfrm>
+              <a:off x="1360312" y="2326656"/>
+              <a:ext cx="1634857" cy="369332"/>
+            </a:xfrm>
+            <a:prstGeom prst="rect">
+              <a:avLst/>
+            </a:prstGeom>
+            <a:noFill/>
+          </p:spPr>
+          <p:txBody>
+            <a:bodyPr wrap="square" rtlCol="0">
+              <a:spAutoFit/>
+            </a:bodyPr>
+            <a:lstStyle/>
+            <a:p>
+              <a:r>
+                <a:rPr lang="de-DE" dirty="0"/>
+                <a:t>La Dolce Vita</a:t>
+              </a:r>
+            </a:p>
+          </p:txBody>
+        </p:sp>
+        <p:sp>
+          <p:nvSpPr>
+            <p:cNvPr id="27" name="Textfeld 26">
+              <a:extLst>
+                <a:ext uri="{FF2B5EF4-FFF2-40B4-BE49-F238E27FC236}">
+                  <a16:creationId xmlns:a16="http://schemas.microsoft.com/office/drawing/2014/main" id="{40B8A47F-01AE-3D4F-B0B2-D5FBBDD7A94D}"/>
+                </a:ext>
+              </a:extLst>
+            </p:cNvPr>
+            <p:cNvSpPr txBox="1"/>
+            <p:nvPr/>
+          </p:nvSpPr>
+          <p:spPr>
+            <a:xfrm>
+              <a:off x="1360313" y="2645106"/>
+              <a:ext cx="1634857" cy="276999"/>
+            </a:xfrm>
+            <a:prstGeom prst="rect">
+              <a:avLst/>
+            </a:prstGeom>
+            <a:noFill/>
+          </p:spPr>
+          <p:txBody>
+            <a:bodyPr wrap="square" rtlCol="0">
+              <a:spAutoFit/>
+            </a:bodyPr>
+            <a:lstStyle/>
+            <a:p>
+              <a:r>
+                <a:rPr lang="de-DE" sz="1200" dirty="0">
+                  <a:solidFill>
+                    <a:schemeClr val="accent6">
+                      <a:lumMod val="75000"/>
+                    </a:schemeClr>
+                  </a:solidFill>
+                </a:rPr>
+                <a:t>geöffnet</a:t>
+              </a:r>
+            </a:p>
+          </p:txBody>
+        </p:sp>
+        <p:sp>
+          <p:nvSpPr>
+            <p:cNvPr id="28" name="Textfeld 27">
+              <a:extLst>
+                <a:ext uri="{FF2B5EF4-FFF2-40B4-BE49-F238E27FC236}">
+                  <a16:creationId xmlns:a16="http://schemas.microsoft.com/office/drawing/2014/main" id="{DE7BDD34-6C04-8842-B559-B6461DD3FA56}"/>
+                </a:ext>
+              </a:extLst>
+            </p:cNvPr>
+            <p:cNvSpPr txBox="1"/>
+            <p:nvPr/>
+          </p:nvSpPr>
+          <p:spPr>
+            <a:xfrm>
+              <a:off x="2212622" y="2645106"/>
+              <a:ext cx="966645" cy="276999"/>
+            </a:xfrm>
+            <a:prstGeom prst="rect">
+              <a:avLst/>
+            </a:prstGeom>
+            <a:noFill/>
+          </p:spPr>
+          <p:txBody>
+            <a:bodyPr wrap="square" rtlCol="0">
+              <a:spAutoFit/>
+            </a:bodyPr>
+            <a:lstStyle/>
+            <a:p>
+              <a:r>
+                <a:rPr lang="de-DE" sz="1200" dirty="0"/>
+                <a:t>🇨🇳🇹🇭🇮🇹🇩🇪🇺🇸</a:t>
+              </a:r>
+            </a:p>
+          </p:txBody>
+        </p:sp>
+        <p:cxnSp>
+          <p:nvCxnSpPr>
+            <p:cNvPr id="29" name="Gerade Verbindung 28">
+              <a:extLst>
+                <a:ext uri="{FF2B5EF4-FFF2-40B4-BE49-F238E27FC236}">
+                  <a16:creationId xmlns:a16="http://schemas.microsoft.com/office/drawing/2014/main" id="{82338265-A81E-4948-9C44-6FDEB0EF65AE}"/>
+                </a:ext>
+              </a:extLst>
+            </p:cNvPr>
+            <p:cNvCxnSpPr>
+              <a:cxnSpLocks/>
+            </p:cNvCxnSpPr>
+            <p:nvPr/>
+          </p:nvCxnSpPr>
+          <p:spPr>
+            <a:xfrm>
+              <a:off x="795867" y="2974848"/>
+              <a:ext cx="2300901" cy="0"/>
+            </a:xfrm>
+            <a:prstGeom prst="line">
+              <a:avLst/>
+            </a:prstGeom>
+            <a:ln w="12700">
+              <a:solidFill>
+                <a:schemeClr val="bg1">
+                  <a:lumMod val="65000"/>
+                </a:schemeClr>
+              </a:solidFill>
+            </a:ln>
+          </p:spPr>
+          <p:style>
+            <a:lnRef idx="1">
+              <a:schemeClr val="accent1"/>
+            </a:lnRef>
+            <a:fillRef idx="0">
+              <a:schemeClr val="accent1"/>
+            </a:fillRef>
+            <a:effectRef idx="0">
+              <a:schemeClr val="accent1"/>
+            </a:effectRef>
+            <a:fontRef idx="minor">
+              <a:schemeClr val="tx1"/>
+            </a:fontRef>
+          </p:style>
+        </p:cxnSp>
+      </p:grpSp>
+      <p:grpSp>
+        <p:nvGrpSpPr>
+          <p:cNvPr id="30" name="Gruppieren 29">
+            <a:extLst>
+              <a:ext uri="{FF2B5EF4-FFF2-40B4-BE49-F238E27FC236}">
+                <a16:creationId xmlns:a16="http://schemas.microsoft.com/office/drawing/2014/main" id="{FE8F3337-08CE-4447-9100-50F16EB15457}"/>
+              </a:ext>
+            </a:extLst>
+          </p:cNvPr>
+          <p:cNvGrpSpPr/>
+          <p:nvPr/>
+        </p:nvGrpSpPr>
+        <p:grpSpPr>
+          <a:xfrm>
+            <a:off x="764259" y="3641844"/>
+            <a:ext cx="2383400" cy="666044"/>
+            <a:chOff x="795867" y="2308804"/>
+            <a:chExt cx="2383400" cy="666044"/>
+          </a:xfrm>
+        </p:grpSpPr>
+        <p:sp>
+          <p:nvSpPr>
+            <p:cNvPr id="31" name="Rechteck 30">
+              <a:extLst>
+                <a:ext uri="{FF2B5EF4-FFF2-40B4-BE49-F238E27FC236}">
+                  <a16:creationId xmlns:a16="http://schemas.microsoft.com/office/drawing/2014/main" id="{0AB78EA0-D0D3-B245-A417-49390EAACD4A}"/>
+                </a:ext>
+              </a:extLst>
+            </p:cNvPr>
+            <p:cNvSpPr/>
+            <p:nvPr/>
+          </p:nvSpPr>
+          <p:spPr>
+            <a:xfrm>
+              <a:off x="841248" y="2385814"/>
+              <a:ext cx="538162" cy="512064"/>
+            </a:xfrm>
+            <a:prstGeom prst="rect">
+              <a:avLst/>
+            </a:prstGeom>
+            <a:solidFill>
+              <a:schemeClr val="bg1">
+                <a:lumMod val="85000"/>
+              </a:schemeClr>
+            </a:solidFill>
+          </p:spPr>
+          <p:style>
+            <a:lnRef idx="2">
+              <a:schemeClr val="accent1">
+                <a:shade val="50000"/>
+              </a:schemeClr>
+            </a:lnRef>
+            <a:fillRef idx="1">
+              <a:schemeClr val="accent1"/>
+            </a:fillRef>
+            <a:effectRef idx="0">
+              <a:schemeClr val="accent1"/>
+            </a:effectRef>
+            <a:fontRef idx="minor">
+              <a:schemeClr val="lt1"/>
+            </a:fontRef>
+          </p:style>
+          <p:txBody>
+            <a:bodyPr vert="horz" rtlCol="0" anchor="ctr" anchorCtr="1"/>
+            <a:lstStyle/>
+            <a:p>
+              <a:pPr algn="ctr"/>
+              <a:r>
+                <a:rPr lang="de-DE" sz="900" dirty="0">
+                  <a:solidFill>
+                    <a:schemeClr val="tx1"/>
+                  </a:solidFill>
+                </a:rPr>
+                <a:t>Thumb</a:t>
+              </a:r>
+              <a:br>
+                <a:rPr lang="de-DE" sz="900" dirty="0">
+                  <a:solidFill>
+                    <a:schemeClr val="tx1"/>
+                  </a:solidFill>
+                </a:rPr>
+              </a:br>
+              <a:r>
+                <a:rPr lang="de-DE" sz="900" dirty="0">
+                  <a:solidFill>
+                    <a:schemeClr val="tx1"/>
+                  </a:solidFill>
+                </a:rPr>
+                <a:t>64 x 64</a:t>
+              </a:r>
+            </a:p>
+          </p:txBody>
+        </p:sp>
+        <p:cxnSp>
+          <p:nvCxnSpPr>
+            <p:cNvPr id="32" name="Gerade Verbindung 31">
+              <a:extLst>
+                <a:ext uri="{FF2B5EF4-FFF2-40B4-BE49-F238E27FC236}">
+                  <a16:creationId xmlns:a16="http://schemas.microsoft.com/office/drawing/2014/main" id="{EE505EA7-771E-6249-A03B-978D862D6692}"/>
+                </a:ext>
+              </a:extLst>
+            </p:cNvPr>
+            <p:cNvCxnSpPr>
+              <a:cxnSpLocks/>
+            </p:cNvCxnSpPr>
+            <p:nvPr/>
+          </p:nvCxnSpPr>
+          <p:spPr>
+            <a:xfrm>
+              <a:off x="795867" y="2308804"/>
+              <a:ext cx="2300901" cy="0"/>
+            </a:xfrm>
+            <a:prstGeom prst="line">
+              <a:avLst/>
+            </a:prstGeom>
+            <a:ln w="12700">
+              <a:solidFill>
+                <a:schemeClr val="bg1">
+                  <a:lumMod val="65000"/>
+                </a:schemeClr>
+              </a:solidFill>
+            </a:ln>
+          </p:spPr>
+          <p:style>
+            <a:lnRef idx="1">
+              <a:schemeClr val="accent1"/>
+            </a:lnRef>
+            <a:fillRef idx="0">
+              <a:schemeClr val="accent1"/>
+            </a:fillRef>
+            <a:effectRef idx="0">
+              <a:schemeClr val="accent1"/>
+            </a:effectRef>
+            <a:fontRef idx="minor">
+              <a:schemeClr val="tx1"/>
+            </a:fontRef>
+          </p:style>
+        </p:cxnSp>
+        <p:sp>
+          <p:nvSpPr>
+            <p:cNvPr id="33" name="Textfeld 32">
+              <a:extLst>
+                <a:ext uri="{FF2B5EF4-FFF2-40B4-BE49-F238E27FC236}">
+                  <a16:creationId xmlns:a16="http://schemas.microsoft.com/office/drawing/2014/main" id="{B916DD43-E1FA-4745-8337-FED8619C8F51}"/>
+                </a:ext>
+              </a:extLst>
+            </p:cNvPr>
+            <p:cNvSpPr txBox="1"/>
+            <p:nvPr/>
+          </p:nvSpPr>
+          <p:spPr>
+            <a:xfrm>
+              <a:off x="1360312" y="2326656"/>
+              <a:ext cx="1634857" cy="369332"/>
+            </a:xfrm>
+            <a:prstGeom prst="rect">
+              <a:avLst/>
+            </a:prstGeom>
+            <a:noFill/>
+          </p:spPr>
+          <p:txBody>
+            <a:bodyPr wrap="square" rtlCol="0">
+              <a:spAutoFit/>
+            </a:bodyPr>
+            <a:lstStyle/>
+            <a:p>
+              <a:r>
+                <a:rPr lang="de-DE" dirty="0"/>
+                <a:t>La Dolce Vita</a:t>
+              </a:r>
+            </a:p>
+          </p:txBody>
+        </p:sp>
+        <p:sp>
+          <p:nvSpPr>
+            <p:cNvPr id="34" name="Textfeld 33">
+              <a:extLst>
+                <a:ext uri="{FF2B5EF4-FFF2-40B4-BE49-F238E27FC236}">
+                  <a16:creationId xmlns:a16="http://schemas.microsoft.com/office/drawing/2014/main" id="{FA246E2F-CC97-AA4A-98E9-41F9EE16881C}"/>
+                </a:ext>
+              </a:extLst>
+            </p:cNvPr>
+            <p:cNvSpPr txBox="1"/>
+            <p:nvPr/>
+          </p:nvSpPr>
+          <p:spPr>
+            <a:xfrm>
+              <a:off x="1360313" y="2645106"/>
+              <a:ext cx="1634857" cy="276999"/>
+            </a:xfrm>
+            <a:prstGeom prst="rect">
+              <a:avLst/>
+            </a:prstGeom>
+            <a:noFill/>
+          </p:spPr>
+          <p:txBody>
+            <a:bodyPr wrap="square" rtlCol="0">
+              <a:spAutoFit/>
+            </a:bodyPr>
+            <a:lstStyle/>
+            <a:p>
+              <a:r>
+                <a:rPr lang="de-DE" sz="1200" dirty="0"/>
+                <a:t>geschlossen</a:t>
+              </a:r>
+            </a:p>
+          </p:txBody>
+        </p:sp>
+        <p:sp>
+          <p:nvSpPr>
+            <p:cNvPr id="35" name="Textfeld 34">
+              <a:extLst>
+                <a:ext uri="{FF2B5EF4-FFF2-40B4-BE49-F238E27FC236}">
+                  <a16:creationId xmlns:a16="http://schemas.microsoft.com/office/drawing/2014/main" id="{450F9198-13E3-A04C-A5AD-10D8B5015F18}"/>
+                </a:ext>
+              </a:extLst>
+            </p:cNvPr>
+            <p:cNvSpPr txBox="1"/>
+            <p:nvPr/>
+          </p:nvSpPr>
+          <p:spPr>
+            <a:xfrm>
+              <a:off x="2212622" y="2645106"/>
+              <a:ext cx="966645" cy="276999"/>
+            </a:xfrm>
+            <a:prstGeom prst="rect">
+              <a:avLst/>
+            </a:prstGeom>
+            <a:noFill/>
+          </p:spPr>
+          <p:txBody>
+            <a:bodyPr wrap="square" rtlCol="0">
+              <a:spAutoFit/>
+            </a:bodyPr>
+            <a:lstStyle/>
+            <a:p>
+              <a:r>
+                <a:rPr lang="de-DE" sz="1200" dirty="0"/>
+                <a:t>🇨🇳🇹🇭🇮🇹🇩🇪🇺🇸</a:t>
+              </a:r>
+            </a:p>
+          </p:txBody>
+        </p:sp>
+        <p:cxnSp>
+          <p:nvCxnSpPr>
+            <p:cNvPr id="36" name="Gerade Verbindung 35">
+              <a:extLst>
+                <a:ext uri="{FF2B5EF4-FFF2-40B4-BE49-F238E27FC236}">
+                  <a16:creationId xmlns:a16="http://schemas.microsoft.com/office/drawing/2014/main" id="{1F36249B-3DA2-8249-819D-1C285825D9B7}"/>
+                </a:ext>
+              </a:extLst>
+            </p:cNvPr>
+            <p:cNvCxnSpPr>
+              <a:cxnSpLocks/>
+            </p:cNvCxnSpPr>
+            <p:nvPr/>
+          </p:nvCxnSpPr>
+          <p:spPr>
+            <a:xfrm>
+              <a:off x="795867" y="2974848"/>
+              <a:ext cx="2300901" cy="0"/>
+            </a:xfrm>
+            <a:prstGeom prst="line">
+              <a:avLst/>
+            </a:prstGeom>
+            <a:ln w="12700">
+              <a:solidFill>
+                <a:schemeClr val="bg1">
+                  <a:lumMod val="65000"/>
+                </a:schemeClr>
+              </a:solidFill>
+            </a:ln>
+          </p:spPr>
+          <p:style>
+            <a:lnRef idx="1">
+              <a:schemeClr val="accent1"/>
+            </a:lnRef>
+            <a:fillRef idx="0">
+              <a:schemeClr val="accent1"/>
+            </a:fillRef>
+            <a:effectRef idx="0">
+              <a:schemeClr val="accent1"/>
+            </a:effectRef>
+            <a:fontRef idx="minor">
+              <a:schemeClr val="tx1"/>
+            </a:fontRef>
+          </p:style>
+        </p:cxnSp>
+      </p:grpSp>
+      <p:grpSp>
+        <p:nvGrpSpPr>
+          <p:cNvPr id="37" name="Gruppieren 36">
+            <a:extLst>
+              <a:ext uri="{FF2B5EF4-FFF2-40B4-BE49-F238E27FC236}">
+                <a16:creationId xmlns:a16="http://schemas.microsoft.com/office/drawing/2014/main" id="{BBC5CB60-14F7-6242-A50D-3FCB864F5270}"/>
+              </a:ext>
+            </a:extLst>
+          </p:cNvPr>
+          <p:cNvGrpSpPr/>
+          <p:nvPr/>
+        </p:nvGrpSpPr>
+        <p:grpSpPr>
+          <a:xfrm>
+            <a:off x="754617" y="4307888"/>
+            <a:ext cx="2383400" cy="666044"/>
+            <a:chOff x="795867" y="2308804"/>
+            <a:chExt cx="2383400" cy="666044"/>
+          </a:xfrm>
+        </p:grpSpPr>
+        <p:sp>
+          <p:nvSpPr>
+            <p:cNvPr id="38" name="Rechteck 37">
+              <a:extLst>
+                <a:ext uri="{FF2B5EF4-FFF2-40B4-BE49-F238E27FC236}">
+                  <a16:creationId xmlns:a16="http://schemas.microsoft.com/office/drawing/2014/main" id="{35E490F8-2955-7446-979C-79EC8ACDD2AF}"/>
+                </a:ext>
+              </a:extLst>
+            </p:cNvPr>
+            <p:cNvSpPr/>
+            <p:nvPr/>
+          </p:nvSpPr>
+          <p:spPr>
+            <a:xfrm>
+              <a:off x="841248" y="2385814"/>
+              <a:ext cx="538162" cy="512064"/>
+            </a:xfrm>
+            <a:prstGeom prst="rect">
+              <a:avLst/>
+            </a:prstGeom>
+            <a:solidFill>
+              <a:schemeClr val="bg1">
+                <a:lumMod val="85000"/>
+              </a:schemeClr>
+            </a:solidFill>
+          </p:spPr>
+          <p:style>
+            <a:lnRef idx="2">
+              <a:schemeClr val="accent1">
+                <a:shade val="50000"/>
+              </a:schemeClr>
+            </a:lnRef>
+            <a:fillRef idx="1">
+              <a:schemeClr val="accent1"/>
+            </a:fillRef>
+            <a:effectRef idx="0">
+              <a:schemeClr val="accent1"/>
+            </a:effectRef>
+            <a:fontRef idx="minor">
+              <a:schemeClr val="lt1"/>
+            </a:fontRef>
+          </p:style>
+          <p:txBody>
+            <a:bodyPr vert="horz" rtlCol="0" anchor="ctr" anchorCtr="1"/>
+            <a:lstStyle/>
+            <a:p>
+              <a:pPr algn="ctr"/>
+              <a:r>
+                <a:rPr lang="de-DE" sz="900" dirty="0">
+                  <a:solidFill>
+                    <a:schemeClr val="tx1"/>
+                  </a:solidFill>
+                </a:rPr>
+                <a:t>Thumb</a:t>
+              </a:r>
+              <a:br>
+                <a:rPr lang="de-DE" sz="900" dirty="0">
+                  <a:solidFill>
+                    <a:schemeClr val="tx1"/>
+                  </a:solidFill>
+                </a:rPr>
+              </a:br>
+              <a:r>
+                <a:rPr lang="de-DE" sz="900" dirty="0">
+                  <a:solidFill>
+                    <a:schemeClr val="tx1"/>
+                  </a:solidFill>
+                </a:rPr>
+                <a:t>64 x 64</a:t>
+              </a:r>
+            </a:p>
+          </p:txBody>
+        </p:sp>
+        <p:cxnSp>
+          <p:nvCxnSpPr>
+            <p:cNvPr id="39" name="Gerade Verbindung 38">
+              <a:extLst>
+                <a:ext uri="{FF2B5EF4-FFF2-40B4-BE49-F238E27FC236}">
+                  <a16:creationId xmlns:a16="http://schemas.microsoft.com/office/drawing/2014/main" id="{4344CC17-3699-A149-8E23-BAE85F286531}"/>
+                </a:ext>
+              </a:extLst>
+            </p:cNvPr>
+            <p:cNvCxnSpPr>
+              <a:cxnSpLocks/>
+            </p:cNvCxnSpPr>
+            <p:nvPr/>
+          </p:nvCxnSpPr>
+          <p:spPr>
+            <a:xfrm>
+              <a:off x="795867" y="2308804"/>
+              <a:ext cx="2300901" cy="0"/>
+            </a:xfrm>
+            <a:prstGeom prst="line">
+              <a:avLst/>
+            </a:prstGeom>
+            <a:ln w="12700">
+              <a:solidFill>
+                <a:schemeClr val="bg1">
+                  <a:lumMod val="65000"/>
+                </a:schemeClr>
+              </a:solidFill>
+            </a:ln>
+          </p:spPr>
+          <p:style>
+            <a:lnRef idx="1">
+              <a:schemeClr val="accent1"/>
+            </a:lnRef>
+            <a:fillRef idx="0">
+              <a:schemeClr val="accent1"/>
+            </a:fillRef>
+            <a:effectRef idx="0">
+              <a:schemeClr val="accent1"/>
+            </a:effectRef>
+            <a:fontRef idx="minor">
+              <a:schemeClr val="tx1"/>
+            </a:fontRef>
+          </p:style>
+        </p:cxnSp>
+        <p:sp>
+          <p:nvSpPr>
+            <p:cNvPr id="40" name="Textfeld 39">
+              <a:extLst>
+                <a:ext uri="{FF2B5EF4-FFF2-40B4-BE49-F238E27FC236}">
+                  <a16:creationId xmlns:a16="http://schemas.microsoft.com/office/drawing/2014/main" id="{6599BCE5-D1E9-B449-B463-C856FF835DB5}"/>
+                </a:ext>
+              </a:extLst>
+            </p:cNvPr>
+            <p:cNvSpPr txBox="1"/>
+            <p:nvPr/>
+          </p:nvSpPr>
+          <p:spPr>
+            <a:xfrm>
+              <a:off x="1360312" y="2326656"/>
+              <a:ext cx="1634857" cy="369332"/>
+            </a:xfrm>
+            <a:prstGeom prst="rect">
+              <a:avLst/>
+            </a:prstGeom>
+            <a:noFill/>
+          </p:spPr>
+          <p:txBody>
+            <a:bodyPr wrap="square" rtlCol="0">
+              <a:spAutoFit/>
+            </a:bodyPr>
+            <a:lstStyle/>
+            <a:p>
+              <a:r>
+                <a:rPr lang="de-DE" dirty="0"/>
+                <a:t>La Dolce Vita</a:t>
+              </a:r>
+            </a:p>
+          </p:txBody>
+        </p:sp>
+        <p:sp>
+          <p:nvSpPr>
+            <p:cNvPr id="41" name="Textfeld 40">
+              <a:extLst>
+                <a:ext uri="{FF2B5EF4-FFF2-40B4-BE49-F238E27FC236}">
+                  <a16:creationId xmlns:a16="http://schemas.microsoft.com/office/drawing/2014/main" id="{DE91DB4C-B3A6-FD4B-9343-0F9723E3A83C}"/>
+                </a:ext>
+              </a:extLst>
+            </p:cNvPr>
+            <p:cNvSpPr txBox="1"/>
+            <p:nvPr/>
+          </p:nvSpPr>
+          <p:spPr>
+            <a:xfrm>
+              <a:off x="1360313" y="2645106"/>
+              <a:ext cx="1634857" cy="276999"/>
+            </a:xfrm>
+            <a:prstGeom prst="rect">
+              <a:avLst/>
+            </a:prstGeom>
+            <a:noFill/>
+          </p:spPr>
+          <p:txBody>
+            <a:bodyPr wrap="square" rtlCol="0">
+              <a:spAutoFit/>
+            </a:bodyPr>
+            <a:lstStyle/>
+            <a:p>
+              <a:r>
+                <a:rPr lang="de-DE" sz="1200" dirty="0"/>
+                <a:t>geschlossen</a:t>
+              </a:r>
+            </a:p>
+          </p:txBody>
+        </p:sp>
+        <p:sp>
+          <p:nvSpPr>
+            <p:cNvPr id="42" name="Textfeld 41">
+              <a:extLst>
+                <a:ext uri="{FF2B5EF4-FFF2-40B4-BE49-F238E27FC236}">
+                  <a16:creationId xmlns:a16="http://schemas.microsoft.com/office/drawing/2014/main" id="{9CA025F3-6500-2740-9591-1E702BE3D7C6}"/>
+                </a:ext>
+              </a:extLst>
+            </p:cNvPr>
+            <p:cNvSpPr txBox="1"/>
+            <p:nvPr/>
+          </p:nvSpPr>
+          <p:spPr>
+            <a:xfrm>
+              <a:off x="2212622" y="2645106"/>
+              <a:ext cx="966645" cy="276999"/>
+            </a:xfrm>
+            <a:prstGeom prst="rect">
+              <a:avLst/>
+            </a:prstGeom>
+            <a:noFill/>
+          </p:spPr>
+          <p:txBody>
+            <a:bodyPr wrap="square" rtlCol="0">
+              <a:spAutoFit/>
+            </a:bodyPr>
+            <a:lstStyle/>
+            <a:p>
+              <a:r>
+                <a:rPr lang="de-DE" sz="1200" dirty="0"/>
+                <a:t>🇨🇳🇹🇭🇮🇹🇩🇪🇺🇸</a:t>
+              </a:r>
+            </a:p>
+          </p:txBody>
+        </p:sp>
+        <p:cxnSp>
+          <p:nvCxnSpPr>
+            <p:cNvPr id="43" name="Gerade Verbindung 42">
+              <a:extLst>
+                <a:ext uri="{FF2B5EF4-FFF2-40B4-BE49-F238E27FC236}">
+                  <a16:creationId xmlns:a16="http://schemas.microsoft.com/office/drawing/2014/main" id="{9D4BF988-B5AE-524C-9231-7299884065FD}"/>
+                </a:ext>
+              </a:extLst>
+            </p:cNvPr>
+            <p:cNvCxnSpPr>
+              <a:cxnSpLocks/>
+            </p:cNvCxnSpPr>
+            <p:nvPr/>
+          </p:nvCxnSpPr>
+          <p:spPr>
+            <a:xfrm>
+              <a:off x="795867" y="2974848"/>
+              <a:ext cx="2300901" cy="0"/>
+            </a:xfrm>
+            <a:prstGeom prst="line">
+              <a:avLst/>
+            </a:prstGeom>
+            <a:ln w="12700">
+              <a:solidFill>
+                <a:schemeClr val="bg1">
+                  <a:lumMod val="65000"/>
+                </a:schemeClr>
+              </a:solidFill>
+            </a:ln>
+          </p:spPr>
+          <p:style>
+            <a:lnRef idx="1">
+              <a:schemeClr val="accent1"/>
+            </a:lnRef>
+            <a:fillRef idx="0">
+              <a:schemeClr val="accent1"/>
+            </a:fillRef>
+            <a:effectRef idx="0">
+              <a:schemeClr val="accent1"/>
+            </a:effectRef>
+            <a:fontRef idx="minor">
+              <a:schemeClr val="tx1"/>
+            </a:fontRef>
+          </p:style>
+        </p:cxnSp>
+      </p:grpSp>
+      <p:grpSp>
+        <p:nvGrpSpPr>
+          <p:cNvPr id="44" name="Gruppieren 43">
+            <a:extLst>
+              <a:ext uri="{FF2B5EF4-FFF2-40B4-BE49-F238E27FC236}">
+                <a16:creationId xmlns:a16="http://schemas.microsoft.com/office/drawing/2014/main" id="{E453B220-9378-AC47-B9E2-3C0409BD7C7B}"/>
+              </a:ext>
+            </a:extLst>
+          </p:cNvPr>
+          <p:cNvGrpSpPr/>
+          <p:nvPr/>
+        </p:nvGrpSpPr>
+        <p:grpSpPr>
+          <a:xfrm>
+            <a:off x="754617" y="4973932"/>
+            <a:ext cx="2383400" cy="666044"/>
+            <a:chOff x="795867" y="2308804"/>
+            <a:chExt cx="2383400" cy="666044"/>
+          </a:xfrm>
+        </p:grpSpPr>
+        <p:sp>
+          <p:nvSpPr>
+            <p:cNvPr id="45" name="Rechteck 44">
+              <a:extLst>
+                <a:ext uri="{FF2B5EF4-FFF2-40B4-BE49-F238E27FC236}">
+                  <a16:creationId xmlns:a16="http://schemas.microsoft.com/office/drawing/2014/main" id="{6AAFBF73-A63E-474C-B3F8-4A89DD2ADB25}"/>
+                </a:ext>
+              </a:extLst>
+            </p:cNvPr>
+            <p:cNvSpPr/>
+            <p:nvPr/>
+          </p:nvSpPr>
+          <p:spPr>
+            <a:xfrm>
+              <a:off x="841248" y="2385814"/>
+              <a:ext cx="538162" cy="512064"/>
+            </a:xfrm>
+            <a:prstGeom prst="rect">
+              <a:avLst/>
+            </a:prstGeom>
+            <a:solidFill>
+              <a:schemeClr val="bg1">
+                <a:lumMod val="85000"/>
+              </a:schemeClr>
+            </a:solidFill>
+          </p:spPr>
+          <p:style>
+            <a:lnRef idx="2">
+              <a:schemeClr val="accent1">
+                <a:shade val="50000"/>
+              </a:schemeClr>
+            </a:lnRef>
+            <a:fillRef idx="1">
+              <a:schemeClr val="accent1"/>
+            </a:fillRef>
+            <a:effectRef idx="0">
+              <a:schemeClr val="accent1"/>
+            </a:effectRef>
+            <a:fontRef idx="minor">
+              <a:schemeClr val="lt1"/>
+            </a:fontRef>
+          </p:style>
+          <p:txBody>
+            <a:bodyPr vert="horz" rtlCol="0" anchor="ctr" anchorCtr="1"/>
+            <a:lstStyle/>
+            <a:p>
+              <a:pPr algn="ctr"/>
+              <a:r>
+                <a:rPr lang="de-DE" sz="900" dirty="0">
+                  <a:solidFill>
+                    <a:schemeClr val="tx1"/>
+                  </a:solidFill>
+                </a:rPr>
+                <a:t>Thumb</a:t>
+              </a:r>
+              <a:br>
+                <a:rPr lang="de-DE" sz="900" dirty="0">
+                  <a:solidFill>
+                    <a:schemeClr val="tx1"/>
+                  </a:solidFill>
+                </a:rPr>
+              </a:br>
+              <a:r>
+                <a:rPr lang="de-DE" sz="900" dirty="0">
+                  <a:solidFill>
+                    <a:schemeClr val="tx1"/>
+                  </a:solidFill>
+                </a:rPr>
+                <a:t>64 x 64</a:t>
+              </a:r>
+            </a:p>
+          </p:txBody>
+        </p:sp>
+        <p:cxnSp>
+          <p:nvCxnSpPr>
+            <p:cNvPr id="46" name="Gerade Verbindung 45">
+              <a:extLst>
+                <a:ext uri="{FF2B5EF4-FFF2-40B4-BE49-F238E27FC236}">
+                  <a16:creationId xmlns:a16="http://schemas.microsoft.com/office/drawing/2014/main" id="{BD433AC9-E944-AF4F-8270-3D23301B3777}"/>
+                </a:ext>
+              </a:extLst>
+            </p:cNvPr>
+            <p:cNvCxnSpPr>
+              <a:cxnSpLocks/>
+            </p:cNvCxnSpPr>
+            <p:nvPr/>
+          </p:nvCxnSpPr>
+          <p:spPr>
+            <a:xfrm>
+              <a:off x="795867" y="2308804"/>
+              <a:ext cx="2300901" cy="0"/>
+            </a:xfrm>
+            <a:prstGeom prst="line">
+              <a:avLst/>
+            </a:prstGeom>
+            <a:ln w="12700">
+              <a:solidFill>
+                <a:schemeClr val="bg1">
+                  <a:lumMod val="65000"/>
+                </a:schemeClr>
+              </a:solidFill>
+            </a:ln>
+          </p:spPr>
+          <p:style>
+            <a:lnRef idx="1">
+              <a:schemeClr val="accent1"/>
+            </a:lnRef>
+            <a:fillRef idx="0">
+              <a:schemeClr val="accent1"/>
+            </a:fillRef>
+            <a:effectRef idx="0">
+              <a:schemeClr val="accent1"/>
+            </a:effectRef>
+            <a:fontRef idx="minor">
+              <a:schemeClr val="tx1"/>
+            </a:fontRef>
+          </p:style>
+        </p:cxnSp>
+        <p:sp>
+          <p:nvSpPr>
+            <p:cNvPr id="47" name="Textfeld 46">
+              <a:extLst>
+                <a:ext uri="{FF2B5EF4-FFF2-40B4-BE49-F238E27FC236}">
+                  <a16:creationId xmlns:a16="http://schemas.microsoft.com/office/drawing/2014/main" id="{3B7453CF-ECCD-FA44-835C-05C58B6058AD}"/>
+                </a:ext>
+              </a:extLst>
+            </p:cNvPr>
+            <p:cNvSpPr txBox="1"/>
+            <p:nvPr/>
+          </p:nvSpPr>
+          <p:spPr>
+            <a:xfrm>
+              <a:off x="1360312" y="2326656"/>
+              <a:ext cx="1634857" cy="369332"/>
+            </a:xfrm>
+            <a:prstGeom prst="rect">
+              <a:avLst/>
+            </a:prstGeom>
+            <a:noFill/>
+          </p:spPr>
+          <p:txBody>
+            <a:bodyPr wrap="square" rtlCol="0">
+              <a:spAutoFit/>
+            </a:bodyPr>
+            <a:lstStyle/>
+            <a:p>
+              <a:r>
+                <a:rPr lang="de-DE" dirty="0"/>
+                <a:t>La Dolce Vita</a:t>
+              </a:r>
+            </a:p>
+          </p:txBody>
+        </p:sp>
+        <p:sp>
+          <p:nvSpPr>
+            <p:cNvPr id="48" name="Textfeld 47">
+              <a:extLst>
+                <a:ext uri="{FF2B5EF4-FFF2-40B4-BE49-F238E27FC236}">
+                  <a16:creationId xmlns:a16="http://schemas.microsoft.com/office/drawing/2014/main" id="{B55DCA65-2212-264A-AE4F-EA9B072D3152}"/>
+                </a:ext>
+              </a:extLst>
+            </p:cNvPr>
+            <p:cNvSpPr txBox="1"/>
+            <p:nvPr/>
+          </p:nvSpPr>
+          <p:spPr>
+            <a:xfrm>
+              <a:off x="1360313" y="2645106"/>
+              <a:ext cx="1634857" cy="276999"/>
+            </a:xfrm>
+            <a:prstGeom prst="rect">
+              <a:avLst/>
+            </a:prstGeom>
+            <a:noFill/>
+          </p:spPr>
+          <p:txBody>
+            <a:bodyPr wrap="square" rtlCol="0">
+              <a:spAutoFit/>
+            </a:bodyPr>
+            <a:lstStyle/>
+            <a:p>
+              <a:r>
+                <a:rPr lang="de-DE" sz="1200" dirty="0"/>
+                <a:t>geschlossen</a:t>
+              </a:r>
+            </a:p>
+          </p:txBody>
+        </p:sp>
+        <p:sp>
+          <p:nvSpPr>
+            <p:cNvPr id="49" name="Textfeld 48">
+              <a:extLst>
+                <a:ext uri="{FF2B5EF4-FFF2-40B4-BE49-F238E27FC236}">
+                  <a16:creationId xmlns:a16="http://schemas.microsoft.com/office/drawing/2014/main" id="{56A4A8B0-C41E-D24B-B6BA-C40BED7CFC11}"/>
+                </a:ext>
+              </a:extLst>
+            </p:cNvPr>
+            <p:cNvSpPr txBox="1"/>
+            <p:nvPr/>
+          </p:nvSpPr>
+          <p:spPr>
+            <a:xfrm>
+              <a:off x="2212622" y="2645106"/>
+              <a:ext cx="966645" cy="276999"/>
+            </a:xfrm>
+            <a:prstGeom prst="rect">
+              <a:avLst/>
+            </a:prstGeom>
+            <a:noFill/>
+          </p:spPr>
+          <p:txBody>
+            <a:bodyPr wrap="square" rtlCol="0">
+              <a:spAutoFit/>
+            </a:bodyPr>
+            <a:lstStyle/>
+            <a:p>
+              <a:r>
+                <a:rPr lang="de-DE" sz="1200" dirty="0"/>
+                <a:t>🇨🇳🇹🇭🇮🇹🇩🇪🇺🇸</a:t>
+              </a:r>
+            </a:p>
+          </p:txBody>
+        </p:sp>
+        <p:cxnSp>
+          <p:nvCxnSpPr>
+            <p:cNvPr id="50" name="Gerade Verbindung 49">
+              <a:extLst>
+                <a:ext uri="{FF2B5EF4-FFF2-40B4-BE49-F238E27FC236}">
+                  <a16:creationId xmlns:a16="http://schemas.microsoft.com/office/drawing/2014/main" id="{2234FE73-3671-0542-B44D-B9C7D93B3CA2}"/>
+                </a:ext>
+              </a:extLst>
+            </p:cNvPr>
+            <p:cNvCxnSpPr>
+              <a:cxnSpLocks/>
+            </p:cNvCxnSpPr>
+            <p:nvPr/>
+          </p:nvCxnSpPr>
+          <p:spPr>
+            <a:xfrm>
+              <a:off x="795867" y="2974848"/>
+              <a:ext cx="2300901" cy="0"/>
+            </a:xfrm>
+            <a:prstGeom prst="line">
+              <a:avLst/>
+            </a:prstGeom>
+            <a:ln w="12700">
+              <a:solidFill>
+                <a:schemeClr val="bg1">
+                  <a:lumMod val="65000"/>
+                </a:schemeClr>
+              </a:solidFill>
+            </a:ln>
+          </p:spPr>
+          <p:style>
+            <a:lnRef idx="1">
+              <a:schemeClr val="accent1"/>
+            </a:lnRef>
+            <a:fillRef idx="0">
+              <a:schemeClr val="accent1"/>
+            </a:fillRef>
+            <a:effectRef idx="0">
+              <a:schemeClr val="accent1"/>
+            </a:effectRef>
+            <a:fontRef idx="minor">
+              <a:schemeClr val="tx1"/>
+            </a:fontRef>
+          </p:style>
+        </p:cxnSp>
+      </p:grpSp>
+      <p:sp>
+        <p:nvSpPr>
+          <p:cNvPr id="51" name="Rechteck 50">
+            <a:extLst>
+              <a:ext uri="{FF2B5EF4-FFF2-40B4-BE49-F238E27FC236}">
+                <a16:creationId xmlns:a16="http://schemas.microsoft.com/office/drawing/2014/main" id="{E2C9EECD-249C-F64D-8D06-213D5923CC16}"/>
+              </a:ext>
+            </a:extLst>
+          </p:cNvPr>
+          <p:cNvSpPr/>
+          <p:nvPr/>
+        </p:nvSpPr>
+        <p:spPr>
+          <a:xfrm>
+            <a:off x="4385733" y="2385814"/>
+            <a:ext cx="5080000" cy="2511148"/>
+          </a:xfrm>
+          <a:prstGeom prst="rect">
+            <a:avLst/>
+          </a:prstGeom>
+          <a:solidFill>
+            <a:schemeClr val="bg1"/>
+          </a:solidFill>
+          <a:ln w="92075"/>
+        </p:spPr>
+        <p:style>
+          <a:lnRef idx="2">
+            <a:schemeClr val="accent1">
+              <a:shade val="50000"/>
+            </a:schemeClr>
+          </a:lnRef>
+          <a:fillRef idx="1">
+            <a:schemeClr val="accent1"/>
+          </a:fillRef>
+          <a:effectRef idx="0">
+            <a:schemeClr val="accent1"/>
+          </a:effectRef>
+          <a:fontRef idx="minor">
+            <a:schemeClr val="lt1"/>
+          </a:fontRef>
+        </p:style>
+        <p:txBody>
+          <a:bodyPr rtlCol="0" anchor="ctr"/>
+          <a:lstStyle/>
+          <a:p>
+            <a:pPr algn="ctr"/>
+            <a:endParaRPr lang="de-DE"/>
+          </a:p>
+        </p:txBody>
+      </p:sp>
+      <p:cxnSp>
+        <p:nvCxnSpPr>
+          <p:cNvPr id="53" name="Gerade Verbindung 52">
+            <a:extLst>
+              <a:ext uri="{FF2B5EF4-FFF2-40B4-BE49-F238E27FC236}">
+                <a16:creationId xmlns:a16="http://schemas.microsoft.com/office/drawing/2014/main" id="{AEDF769A-D0CF-324A-BEBC-63DB0F10A0DC}"/>
+              </a:ext>
+            </a:extLst>
+          </p:cNvPr>
+          <p:cNvCxnSpPr>
+            <a:cxnSpLocks/>
+          </p:cNvCxnSpPr>
+          <p:nvPr/>
+        </p:nvCxnSpPr>
+        <p:spPr>
+          <a:xfrm>
+            <a:off x="5689600" y="2385814"/>
+            <a:ext cx="0" cy="2511148"/>
+          </a:xfrm>
+          <a:prstGeom prst="line">
+            <a:avLst/>
+          </a:prstGeom>
+          <a:ln w="92075"/>
+        </p:spPr>
+        <p:style>
+          <a:lnRef idx="1">
+            <a:schemeClr val="accent1"/>
+          </a:lnRef>
+          <a:fillRef idx="0">
+            <a:schemeClr val="accent1"/>
+          </a:fillRef>
+          <a:effectRef idx="0">
+            <a:schemeClr val="accent1"/>
+          </a:effectRef>
+          <a:fontRef idx="minor">
+            <a:schemeClr val="tx1"/>
+          </a:fontRef>
+        </p:style>
+      </p:cxnSp>
+      <p:sp>
+        <p:nvSpPr>
+          <p:cNvPr id="55" name="Rechteck 54">
+            <a:extLst>
+              <a:ext uri="{FF2B5EF4-FFF2-40B4-BE49-F238E27FC236}">
+                <a16:creationId xmlns:a16="http://schemas.microsoft.com/office/drawing/2014/main" id="{FF3F9AEA-1DE2-6943-BB65-4988AF52F6A2}"/>
+              </a:ext>
+            </a:extLst>
+          </p:cNvPr>
+          <p:cNvSpPr/>
+          <p:nvPr/>
+        </p:nvSpPr>
+        <p:spPr>
+          <a:xfrm>
+            <a:off x="5808133" y="2538214"/>
+            <a:ext cx="3527968" cy="2225887"/>
+          </a:xfrm>
+          <a:prstGeom prst="rect">
+            <a:avLst/>
+          </a:prstGeom>
+          <a:solidFill>
+            <a:schemeClr val="bg1"/>
+          </a:solidFill>
+          <a:ln w="92075"/>
+        </p:spPr>
+        <p:style>
+          <a:lnRef idx="2">
+            <a:schemeClr val="accent1">
+              <a:shade val="50000"/>
+            </a:schemeClr>
+          </a:lnRef>
+          <a:fillRef idx="1">
+            <a:schemeClr val="accent1"/>
+          </a:fillRef>
+          <a:effectRef idx="0">
+            <a:schemeClr val="accent1"/>
+          </a:effectRef>
+          <a:fontRef idx="minor">
+            <a:schemeClr val="lt1"/>
+          </a:fontRef>
+        </p:style>
+        <p:txBody>
+          <a:bodyPr rtlCol="0" anchor="ctr"/>
+          <a:lstStyle/>
+          <a:p>
+            <a:pPr algn="ctr"/>
+            <a:endParaRPr lang="de-DE"/>
+          </a:p>
+        </p:txBody>
+      </p:sp>
+      <p:cxnSp>
+        <p:nvCxnSpPr>
+          <p:cNvPr id="56" name="Gerade Verbindung 55">
+            <a:extLst>
+              <a:ext uri="{FF2B5EF4-FFF2-40B4-BE49-F238E27FC236}">
+                <a16:creationId xmlns:a16="http://schemas.microsoft.com/office/drawing/2014/main" id="{FA76C172-4EB4-C04E-B0F9-4C7D6F05FDF7}"/>
+              </a:ext>
+            </a:extLst>
+          </p:cNvPr>
+          <p:cNvCxnSpPr>
+            <a:cxnSpLocks/>
+            <a:stCxn id="55" idx="3"/>
+            <a:endCxn id="55" idx="1"/>
+          </p:cNvCxnSpPr>
+          <p:nvPr/>
+        </p:nvCxnSpPr>
+        <p:spPr>
+          <a:xfrm flipH="1">
+            <a:off x="5808133" y="3651158"/>
+            <a:ext cx="3527968" cy="0"/>
+          </a:xfrm>
+          <a:prstGeom prst="line">
+            <a:avLst/>
+          </a:prstGeom>
+          <a:ln w="92075"/>
+        </p:spPr>
+        <p:style>
+          <a:lnRef idx="1">
+            <a:schemeClr val="accent1"/>
+          </a:lnRef>
+          <a:fillRef idx="0">
+            <a:schemeClr val="accent1"/>
+          </a:fillRef>
+          <a:effectRef idx="0">
+            <a:schemeClr val="accent1"/>
+          </a:effectRef>
+          <a:fontRef idx="minor">
+            <a:schemeClr val="tx1"/>
+          </a:fontRef>
+        </p:style>
+      </p:cxnSp>
+      <p:sp>
+        <p:nvSpPr>
+          <p:cNvPr id="62" name="Rechteck 61">
+            <a:extLst>
+              <a:ext uri="{FF2B5EF4-FFF2-40B4-BE49-F238E27FC236}">
+                <a16:creationId xmlns:a16="http://schemas.microsoft.com/office/drawing/2014/main" id="{70B1D202-4C76-E344-91C4-8833C56C913C}"/>
+              </a:ext>
+            </a:extLst>
+          </p:cNvPr>
+          <p:cNvSpPr/>
+          <p:nvPr/>
+        </p:nvSpPr>
+        <p:spPr>
+          <a:xfrm>
+            <a:off x="5960533" y="3803560"/>
+            <a:ext cx="3190850" cy="840626"/>
+          </a:xfrm>
+          <a:prstGeom prst="rect">
+            <a:avLst/>
+          </a:prstGeom>
+          <a:solidFill>
+            <a:schemeClr val="bg1"/>
+          </a:solidFill>
+          <a:ln w="92075"/>
+        </p:spPr>
+        <p:style>
+          <a:lnRef idx="2">
+            <a:schemeClr val="accent1">
+              <a:shade val="50000"/>
+            </a:schemeClr>
+          </a:lnRef>
+          <a:fillRef idx="1">
+            <a:schemeClr val="accent1"/>
+          </a:fillRef>
+          <a:effectRef idx="0">
+            <a:schemeClr val="accent1"/>
+          </a:effectRef>
+          <a:fontRef idx="minor">
+            <a:schemeClr val="lt1"/>
+          </a:fontRef>
+        </p:style>
+        <p:txBody>
+          <a:bodyPr rtlCol="0" anchor="ctr"/>
+          <a:lstStyle/>
+          <a:p>
+            <a:pPr algn="ctr"/>
+            <a:endParaRPr lang="de-DE"/>
+          </a:p>
+        </p:txBody>
+      </p:sp>
+      <p:cxnSp>
+        <p:nvCxnSpPr>
+          <p:cNvPr id="65" name="Gerade Verbindung 64">
+            <a:extLst>
+              <a:ext uri="{FF2B5EF4-FFF2-40B4-BE49-F238E27FC236}">
+                <a16:creationId xmlns:a16="http://schemas.microsoft.com/office/drawing/2014/main" id="{CBB6B8D4-0719-9648-B09A-05700499D19E}"/>
+              </a:ext>
+            </a:extLst>
+          </p:cNvPr>
+          <p:cNvCxnSpPr>
+            <a:cxnSpLocks/>
+            <a:stCxn id="62" idx="0"/>
+            <a:endCxn id="62" idx="2"/>
+          </p:cNvCxnSpPr>
+          <p:nvPr/>
+        </p:nvCxnSpPr>
+        <p:spPr>
+          <a:xfrm>
+            <a:off x="7555958" y="3803560"/>
+            <a:ext cx="0" cy="840626"/>
+          </a:xfrm>
+          <a:prstGeom prst="line">
+            <a:avLst/>
+          </a:prstGeom>
+          <a:ln w="92075"/>
+        </p:spPr>
+        <p:style>
+          <a:lnRef idx="1">
+            <a:schemeClr val="accent1"/>
+          </a:lnRef>
+          <a:fillRef idx="0">
+            <a:schemeClr val="accent1"/>
+          </a:fillRef>
+          <a:effectRef idx="0">
+            <a:schemeClr val="accent1"/>
+          </a:effectRef>
+          <a:fontRef idx="minor">
+            <a:schemeClr val="tx1"/>
+          </a:fontRef>
+        </p:style>
+      </p:cxnSp>
+      <p:sp>
+        <p:nvSpPr>
+          <p:cNvPr id="68" name="Rechteck 67">
+            <a:extLst>
+              <a:ext uri="{FF2B5EF4-FFF2-40B4-BE49-F238E27FC236}">
+                <a16:creationId xmlns:a16="http://schemas.microsoft.com/office/drawing/2014/main" id="{7D519BA5-6FCD-E84D-A35D-14C8A5331746}"/>
+              </a:ext>
+            </a:extLst>
+          </p:cNvPr>
+          <p:cNvSpPr/>
+          <p:nvPr/>
+        </p:nvSpPr>
+        <p:spPr>
+          <a:xfrm>
+            <a:off x="4766644" y="3106000"/>
+            <a:ext cx="538162" cy="512064"/>
+          </a:xfrm>
+          <a:prstGeom prst="rect">
+            <a:avLst/>
+          </a:prstGeom>
+          <a:solidFill>
+            <a:schemeClr val="bg1">
+              <a:lumMod val="85000"/>
+            </a:schemeClr>
+          </a:solidFill>
+        </p:spPr>
+        <p:style>
+          <a:lnRef idx="2">
+            <a:schemeClr val="accent1">
+              <a:shade val="50000"/>
+            </a:schemeClr>
+          </a:lnRef>
+          <a:fillRef idx="1">
+            <a:schemeClr val="accent1"/>
+          </a:fillRef>
+          <a:effectRef idx="0">
+            <a:schemeClr val="accent1"/>
+          </a:effectRef>
+          <a:fontRef idx="minor">
+            <a:schemeClr val="lt1"/>
+          </a:fontRef>
+        </p:style>
+        <p:txBody>
+          <a:bodyPr vert="horz" rtlCol="0" anchor="ctr" anchorCtr="1"/>
+          <a:lstStyle/>
+          <a:p>
+            <a:pPr algn="ctr"/>
+            <a:r>
+              <a:rPr lang="de-DE" sz="900" dirty="0">
+                <a:solidFill>
+                  <a:schemeClr val="tx1"/>
+                </a:solidFill>
+              </a:rPr>
+              <a:t>Thumb</a:t>
+            </a:r>
+            <a:br>
+              <a:rPr lang="de-DE" sz="900" dirty="0">
+                <a:solidFill>
+                  <a:schemeClr val="tx1"/>
+                </a:solidFill>
+              </a:rPr>
+            </a:br>
+            <a:r>
+              <a:rPr lang="de-DE" sz="900" dirty="0">
+                <a:solidFill>
+                  <a:schemeClr val="tx1"/>
+                </a:solidFill>
+              </a:rPr>
+              <a:t>64 x 64</a:t>
+            </a:r>
+          </a:p>
+        </p:txBody>
+      </p:sp>
+      <p:sp>
+        <p:nvSpPr>
+          <p:cNvPr id="69" name="Textfeld 68">
+            <a:extLst>
+              <a:ext uri="{FF2B5EF4-FFF2-40B4-BE49-F238E27FC236}">
+                <a16:creationId xmlns:a16="http://schemas.microsoft.com/office/drawing/2014/main" id="{EB80F0CA-C129-3748-B479-718E6C778E35}"/>
+              </a:ext>
+            </a:extLst>
+          </p:cNvPr>
+          <p:cNvSpPr txBox="1"/>
+          <p:nvPr/>
+        </p:nvSpPr>
+        <p:spPr>
+          <a:xfrm>
+            <a:off x="6608673" y="2867192"/>
+            <a:ext cx="1634857" cy="369332"/>
+          </a:xfrm>
+          <a:prstGeom prst="rect">
+            <a:avLst/>
+          </a:prstGeom>
+          <a:noFill/>
+        </p:spPr>
+        <p:txBody>
+          <a:bodyPr wrap="square" rtlCol="0">
+            <a:spAutoFit/>
+          </a:bodyPr>
+          <a:lstStyle/>
+          <a:p>
+            <a:r>
+              <a:rPr lang="de-DE" dirty="0"/>
+              <a:t>La Dolce Vita</a:t>
+            </a:r>
+          </a:p>
+        </p:txBody>
+      </p:sp>
+      <p:sp>
+        <p:nvSpPr>
+          <p:cNvPr id="70" name="Textfeld 69">
+            <a:extLst>
+              <a:ext uri="{FF2B5EF4-FFF2-40B4-BE49-F238E27FC236}">
+                <a16:creationId xmlns:a16="http://schemas.microsoft.com/office/drawing/2014/main" id="{A5AB8DA0-CBC6-4548-98B7-4025933E70A8}"/>
+              </a:ext>
+            </a:extLst>
+          </p:cNvPr>
+          <p:cNvSpPr txBox="1"/>
+          <p:nvPr/>
+        </p:nvSpPr>
+        <p:spPr>
+          <a:xfrm>
+            <a:off x="6176039" y="4116645"/>
+            <a:ext cx="1634857" cy="276999"/>
+          </a:xfrm>
+          <a:prstGeom prst="rect">
+            <a:avLst/>
+          </a:prstGeom>
+          <a:noFill/>
+        </p:spPr>
+        <p:txBody>
+          <a:bodyPr wrap="square" rtlCol="0">
+            <a:spAutoFit/>
+          </a:bodyPr>
+          <a:lstStyle/>
+          <a:p>
+            <a:r>
+              <a:rPr lang="de-DE" sz="1200" dirty="0"/>
+              <a:t>geschlossen</a:t>
+            </a:r>
+          </a:p>
+        </p:txBody>
+      </p:sp>
+      <p:sp>
+        <p:nvSpPr>
+          <p:cNvPr id="71" name="Textfeld 70">
+            <a:extLst>
+              <a:ext uri="{FF2B5EF4-FFF2-40B4-BE49-F238E27FC236}">
+                <a16:creationId xmlns:a16="http://schemas.microsoft.com/office/drawing/2014/main" id="{EBB8F57D-4784-644C-AF44-1A0BF14D22D2}"/>
+              </a:ext>
+            </a:extLst>
+          </p:cNvPr>
+          <p:cNvSpPr txBox="1"/>
+          <p:nvPr/>
+        </p:nvSpPr>
+        <p:spPr>
+          <a:xfrm>
+            <a:off x="7862772" y="4120445"/>
+            <a:ext cx="966645" cy="276999"/>
+          </a:xfrm>
+          <a:prstGeom prst="rect">
+            <a:avLst/>
+          </a:prstGeom>
+          <a:noFill/>
+        </p:spPr>
+        <p:txBody>
+          <a:bodyPr wrap="square" rtlCol="0">
+            <a:spAutoFit/>
+          </a:bodyPr>
+          <a:lstStyle/>
+          <a:p>
+            <a:r>
+              <a:rPr lang="de-DE" sz="1200" dirty="0"/>
+              <a:t>🇨🇳🇹🇭🇮🇹🇩🇪🇺🇸</a:t>
+            </a:r>
+          </a:p>
+        </p:txBody>
+      </p:sp>
+      <p:sp>
+        <p:nvSpPr>
+          <p:cNvPr id="74" name="Textfeld 73">
+            <a:extLst>
+              <a:ext uri="{FF2B5EF4-FFF2-40B4-BE49-F238E27FC236}">
+                <a16:creationId xmlns:a16="http://schemas.microsoft.com/office/drawing/2014/main" id="{7243648F-61E5-F845-94E6-0310490EC5C0}"/>
+              </a:ext>
+            </a:extLst>
+          </p:cNvPr>
+          <p:cNvSpPr txBox="1"/>
+          <p:nvPr/>
+        </p:nvSpPr>
+        <p:spPr>
+          <a:xfrm>
+            <a:off x="5304806" y="1848390"/>
+            <a:ext cx="3079019" cy="369332"/>
+          </a:xfrm>
+          <a:prstGeom prst="rect">
+            <a:avLst/>
+          </a:prstGeom>
+          <a:noFill/>
+        </p:spPr>
+        <p:txBody>
+          <a:bodyPr wrap="square" rtlCol="0">
+            <a:spAutoFit/>
+          </a:bodyPr>
+          <a:lstStyle/>
+          <a:p>
+            <a:r>
+              <a:rPr lang="de-DE" dirty="0"/>
+              <a:t>H-Stack / V-Stack per </a:t>
+            </a:r>
+            <a:r>
+              <a:rPr lang="de-DE" dirty="0" err="1"/>
+              <a:t>Cell</a:t>
+            </a:r>
             <a:endParaRPr lang="de-DE" dirty="0"/>
           </a:p>
-          <a:p>
-            <a:pPr lvl="1"/>
-            <a:r>
-              <a:rPr lang="de-DE" dirty="0"/>
-              <a:t>App Infos</a:t>
-            </a:r>
-          </a:p>
-          <a:p>
-            <a:pPr lvl="2"/>
-            <a:r>
-              <a:rPr lang="de-DE" dirty="0"/>
-              <a:t>Versionsnummer</a:t>
-            </a:r>
-          </a:p>
-          <a:p>
-            <a:pPr lvl="2"/>
-            <a:r>
-              <a:rPr lang="de-DE" dirty="0"/>
-              <a:t>Aktueller Status der Lokations-Autorisierung</a:t>
-            </a:r>
-          </a:p>
-          <a:p>
-            <a:pPr lvl="2"/>
-            <a:r>
-              <a:rPr lang="de-DE" dirty="0"/>
-              <a:t>Datum letzter Datenabruf</a:t>
-            </a:r>
-          </a:p>
-          <a:p>
-            <a:pPr lvl="2"/>
-            <a:endParaRPr lang="de-DE" dirty="0"/>
-          </a:p>
-          <a:p>
-            <a:pPr lvl="1"/>
-            <a:r>
-              <a:rPr lang="de-DE" dirty="0"/>
-              <a:t>Error List</a:t>
-            </a:r>
-          </a:p>
-          <a:p>
-            <a:pPr lvl="2"/>
-            <a:r>
-              <a:rPr lang="de-DE" dirty="0"/>
-              <a:t>Liste der letzten 50 Fehlermeldungen</a:t>
+        </p:txBody>
+      </p:sp>
+      <p:sp>
+        <p:nvSpPr>
+          <p:cNvPr id="76" name="Textfeld 75">
+            <a:extLst>
+              <a:ext uri="{FF2B5EF4-FFF2-40B4-BE49-F238E27FC236}">
+                <a16:creationId xmlns:a16="http://schemas.microsoft.com/office/drawing/2014/main" id="{990A6DDA-6EE8-084C-A73D-6A755F31FDF4}"/>
+              </a:ext>
+            </a:extLst>
+          </p:cNvPr>
+          <p:cNvSpPr txBox="1"/>
+          <p:nvPr/>
+        </p:nvSpPr>
+        <p:spPr>
+          <a:xfrm>
+            <a:off x="2930903" y="3049475"/>
+            <a:ext cx="327300" cy="369332"/>
+          </a:xfrm>
+          <a:prstGeom prst="rect">
+            <a:avLst/>
+          </a:prstGeom>
+          <a:noFill/>
+        </p:spPr>
+        <p:txBody>
+          <a:bodyPr wrap="square" rtlCol="0">
+            <a:spAutoFit/>
+          </a:bodyPr>
+          <a:lstStyle/>
+          <a:p>
+            <a:r>
+              <a:rPr lang="de-DE" dirty="0"/>
+              <a:t>&gt;</a:t>
+            </a:r>
+          </a:p>
+        </p:txBody>
+      </p:sp>
+      <p:sp>
+        <p:nvSpPr>
+          <p:cNvPr id="77" name="Textfeld 76">
+            <a:extLst>
+              <a:ext uri="{FF2B5EF4-FFF2-40B4-BE49-F238E27FC236}">
+                <a16:creationId xmlns:a16="http://schemas.microsoft.com/office/drawing/2014/main" id="{AF6CACDC-0D06-A64B-8054-CCE3701D8D04}"/>
+              </a:ext>
+            </a:extLst>
+          </p:cNvPr>
+          <p:cNvSpPr txBox="1"/>
+          <p:nvPr/>
+        </p:nvSpPr>
+        <p:spPr>
+          <a:xfrm>
+            <a:off x="2929463" y="2425470"/>
+            <a:ext cx="327300" cy="369332"/>
+          </a:xfrm>
+          <a:prstGeom prst="rect">
+            <a:avLst/>
+          </a:prstGeom>
+          <a:noFill/>
+        </p:spPr>
+        <p:txBody>
+          <a:bodyPr wrap="square" rtlCol="0">
+            <a:spAutoFit/>
+          </a:bodyPr>
+          <a:lstStyle/>
+          <a:p>
+            <a:r>
+              <a:rPr lang="de-DE" dirty="0"/>
+              <a:t>&gt;</a:t>
+            </a:r>
+          </a:p>
+        </p:txBody>
+      </p:sp>
+      <p:sp>
+        <p:nvSpPr>
+          <p:cNvPr id="78" name="Textfeld 77">
+            <a:extLst>
+              <a:ext uri="{FF2B5EF4-FFF2-40B4-BE49-F238E27FC236}">
+                <a16:creationId xmlns:a16="http://schemas.microsoft.com/office/drawing/2014/main" id="{BF479496-686D-1D4A-BE56-315EF79FAFAB}"/>
+              </a:ext>
+            </a:extLst>
+          </p:cNvPr>
+          <p:cNvSpPr txBox="1"/>
+          <p:nvPr/>
+        </p:nvSpPr>
+        <p:spPr>
+          <a:xfrm>
+            <a:off x="2925568" y="3744334"/>
+            <a:ext cx="327300" cy="369332"/>
+          </a:xfrm>
+          <a:prstGeom prst="rect">
+            <a:avLst/>
+          </a:prstGeom>
+          <a:noFill/>
+        </p:spPr>
+        <p:txBody>
+          <a:bodyPr wrap="square" rtlCol="0">
+            <a:spAutoFit/>
+          </a:bodyPr>
+          <a:lstStyle/>
+          <a:p>
+            <a:r>
+              <a:rPr lang="de-DE" dirty="0"/>
+              <a:t>&gt;</a:t>
+            </a:r>
+          </a:p>
+        </p:txBody>
+      </p:sp>
+      <p:sp>
+        <p:nvSpPr>
+          <p:cNvPr id="79" name="Textfeld 78">
+            <a:extLst>
+              <a:ext uri="{FF2B5EF4-FFF2-40B4-BE49-F238E27FC236}">
+                <a16:creationId xmlns:a16="http://schemas.microsoft.com/office/drawing/2014/main" id="{B0F53C1D-E5BA-5543-B81F-E6D07AA1108D}"/>
+              </a:ext>
+            </a:extLst>
+          </p:cNvPr>
+          <p:cNvSpPr txBox="1"/>
+          <p:nvPr/>
+        </p:nvSpPr>
+        <p:spPr>
+          <a:xfrm>
+            <a:off x="2923875" y="4393409"/>
+            <a:ext cx="327300" cy="369332"/>
+          </a:xfrm>
+          <a:prstGeom prst="rect">
+            <a:avLst/>
+          </a:prstGeom>
+          <a:noFill/>
+        </p:spPr>
+        <p:txBody>
+          <a:bodyPr wrap="square" rtlCol="0">
+            <a:spAutoFit/>
+          </a:bodyPr>
+          <a:lstStyle/>
+          <a:p>
+            <a:r>
+              <a:rPr lang="de-DE" dirty="0"/>
+              <a:t>&gt;</a:t>
+            </a:r>
+          </a:p>
+        </p:txBody>
+      </p:sp>
+      <p:sp>
+        <p:nvSpPr>
+          <p:cNvPr id="80" name="Textfeld 79">
+            <a:extLst>
+              <a:ext uri="{FF2B5EF4-FFF2-40B4-BE49-F238E27FC236}">
+                <a16:creationId xmlns:a16="http://schemas.microsoft.com/office/drawing/2014/main" id="{B0F98AA4-7E96-454E-8177-0F868478380A}"/>
+              </a:ext>
+            </a:extLst>
+          </p:cNvPr>
+          <p:cNvSpPr txBox="1"/>
+          <p:nvPr/>
+        </p:nvSpPr>
+        <p:spPr>
+          <a:xfrm>
+            <a:off x="2928814" y="5099042"/>
+            <a:ext cx="327300" cy="369332"/>
+          </a:xfrm>
+          <a:prstGeom prst="rect">
+            <a:avLst/>
+          </a:prstGeom>
+          <a:noFill/>
+        </p:spPr>
+        <p:txBody>
+          <a:bodyPr wrap="square" rtlCol="0">
+            <a:spAutoFit/>
+          </a:bodyPr>
+          <a:lstStyle/>
+          <a:p>
+            <a:r>
+              <a:rPr lang="de-DE" dirty="0"/>
+              <a:t>&gt;</a:t>
             </a:r>
           </a:p>
         </p:txBody>
@@ -4643,7 +7422,7 @@
     </p:spTree>
     <p:extLst>
       <p:ext uri="{BB962C8B-B14F-4D97-AF65-F5344CB8AC3E}">
-        <p14:creationId xmlns:p14="http://schemas.microsoft.com/office/powerpoint/2010/main" val="1561608524"/>
+        <p14:creationId xmlns:p14="http://schemas.microsoft.com/office/powerpoint/2010/main" val="80493628"/>
       </p:ext>
     </p:extLst>
   </p:cSld>
@@ -4675,7 +7454,7 @@
           <p:cNvPr id="2" name="Titel 1">
             <a:extLst>
               <a:ext uri="{FF2B5EF4-FFF2-40B4-BE49-F238E27FC236}">
-                <a16:creationId xmlns:a16="http://schemas.microsoft.com/office/drawing/2014/main" id="{30C6F45F-0295-0D42-9C2C-19B015B3FF05}"/>
+                <a16:creationId xmlns:a16="http://schemas.microsoft.com/office/drawing/2014/main" id="{82235648-547D-E846-B342-55C416580726}"/>
               </a:ext>
             </a:extLst>
           </p:cNvPr>
@@ -4688,14 +7467,12 @@
         </p:nvSpPr>
         <p:spPr/>
         <p:txBody>
-          <a:bodyPr>
-            <a:normAutofit/>
-          </a:bodyPr>
+          <a:bodyPr/>
           <a:lstStyle/>
           <a:p>
             <a:r>
               <a:rPr lang="de-DE" dirty="0"/>
-              <a:t>Handling 4</a:t>
+              <a:t>Handling 3</a:t>
             </a:r>
           </a:p>
         </p:txBody>
@@ -4705,7 +7482,7 @@
           <p:cNvPr id="3" name="Inhaltsplatzhalter 2">
             <a:extLst>
               <a:ext uri="{FF2B5EF4-FFF2-40B4-BE49-F238E27FC236}">
-                <a16:creationId xmlns:a16="http://schemas.microsoft.com/office/drawing/2014/main" id="{7F8C6CB0-6509-0644-A609-830746374717}"/>
+                <a16:creationId xmlns:a16="http://schemas.microsoft.com/office/drawing/2014/main" id="{EA3805FE-F12D-7546-AD14-3ACCC553F0FF}"/>
               </a:ext>
             </a:extLst>
           </p:cNvPr>
@@ -4718,63 +7495,69 @@
         </p:nvSpPr>
         <p:spPr/>
         <p:txBody>
-          <a:bodyPr>
-            <a:normAutofit/>
-          </a:bodyPr>
+          <a:bodyPr/>
           <a:lstStyle/>
           <a:p>
             <a:r>
               <a:rPr lang="de-DE" dirty="0"/>
-              <a:t>Detailansicht</a:t>
+              <a:t>Info Screen</a:t>
             </a:r>
           </a:p>
           <a:p>
             <a:pPr lvl="1"/>
             <a:r>
               <a:rPr lang="de-DE" dirty="0"/>
-              <a:t>Name</a:t>
+              <a:t>Hilfetext (hier nur angedeutet)</a:t>
             </a:r>
           </a:p>
           <a:p>
             <a:pPr lvl="1"/>
-            <a:r>
-              <a:rPr lang="de-DE" dirty="0"/>
-              <a:t>Präsentationsbild</a:t>
-            </a:r>
+            <a:endParaRPr lang="de-DE" dirty="0"/>
           </a:p>
           <a:p>
             <a:pPr lvl="1"/>
             <a:r>
               <a:rPr lang="de-DE" dirty="0"/>
-              <a:t>Status: Ist gerade geöffnet (Ja / Nein, rot / grün)</a:t>
-            </a:r>
+              <a:t>App Infos</a:t>
+            </a:r>
+          </a:p>
+          <a:p>
+            <a:pPr lvl="2"/>
+            <a:r>
+              <a:rPr lang="de-DE" dirty="0"/>
+              <a:t>Versionsnummer</a:t>
+            </a:r>
+          </a:p>
+          <a:p>
+            <a:pPr lvl="2"/>
+            <a:r>
+              <a:rPr lang="de-DE" dirty="0"/>
+              <a:t>Aktueller Status der Lokations-Autorisierung</a:t>
+            </a:r>
+          </a:p>
+          <a:p>
+            <a:pPr lvl="2"/>
+            <a:r>
+              <a:rPr lang="de-DE" dirty="0"/>
+              <a:t>Datum letzter Datenabruf</a:t>
+            </a:r>
+          </a:p>
+          <a:p>
+            <a:pPr lvl="2"/>
+            <a:endParaRPr lang="de-DE" dirty="0"/>
           </a:p>
           <a:p>
             <a:pPr lvl="1"/>
             <a:r>
               <a:rPr lang="de-DE" dirty="0"/>
-              <a:t>Öffnungszeiten</a:t>
-            </a:r>
-          </a:p>
-          <a:p>
-            <a:pPr lvl="1"/>
-            <a:r>
-              <a:rPr lang="de-DE" dirty="0"/>
-              <a:t>Kategorien der Küche mittels Flaggen (! Mehrzahl) </a:t>
-            </a:r>
-          </a:p>
-          <a:p>
-            <a:pPr lvl="1"/>
-            <a:r>
-              <a:rPr lang="de-DE" dirty="0"/>
-              <a:t>Detailkarte</a:t>
+              <a:t>Error List</a:t>
             </a:r>
           </a:p>
           <a:p>
             <a:pPr lvl="2"/>
             <a:r>
               <a:rPr lang="de-DE" dirty="0"/>
-              <a:t>Eventuell Route von Apple, aber erst ganz zum Schluss als Sahnehäubchen, wenn genug Zeit ist</a:t>
+              <a:t>Liste der letzten 50 Fehlermeldungen</a:t>
             </a:r>
           </a:p>
         </p:txBody>
@@ -4782,7 +7565,7 @@
     </p:spTree>
     <p:extLst>
       <p:ext uri="{BB962C8B-B14F-4D97-AF65-F5344CB8AC3E}">
-        <p14:creationId xmlns:p14="http://schemas.microsoft.com/office/powerpoint/2010/main" val="1636688785"/>
+        <p14:creationId xmlns:p14="http://schemas.microsoft.com/office/powerpoint/2010/main" val="1561608524"/>
       </p:ext>
     </p:extLst>
   </p:cSld>
@@ -4814,7 +7597,7 @@
           <p:cNvPr id="2" name="Titel 1">
             <a:extLst>
               <a:ext uri="{FF2B5EF4-FFF2-40B4-BE49-F238E27FC236}">
-                <a16:creationId xmlns:a16="http://schemas.microsoft.com/office/drawing/2014/main" id="{FD4D6D7D-3114-2D4B-BF9F-FC783B6962ED}"/>
+                <a16:creationId xmlns:a16="http://schemas.microsoft.com/office/drawing/2014/main" id="{30C6F45F-0295-0D42-9C2C-19B015B3FF05}"/>
               </a:ext>
             </a:extLst>
           </p:cNvPr>
@@ -4827,12 +7610,14 @@
         </p:nvSpPr>
         <p:spPr/>
         <p:txBody>
-          <a:bodyPr/>
+          <a:bodyPr>
+            <a:normAutofit/>
+          </a:bodyPr>
           <a:lstStyle/>
           <a:p>
             <a:r>
               <a:rPr lang="de-DE" dirty="0"/>
-              <a:t>App Struktur 1</a:t>
+              <a:t>Handling 4</a:t>
             </a:r>
           </a:p>
         </p:txBody>
@@ -4842,7 +7627,7 @@
           <p:cNvPr id="3" name="Inhaltsplatzhalter 2">
             <a:extLst>
               <a:ext uri="{FF2B5EF4-FFF2-40B4-BE49-F238E27FC236}">
-                <a16:creationId xmlns:a16="http://schemas.microsoft.com/office/drawing/2014/main" id="{EE55A7DA-38C9-154B-BFBD-89FD890687F1}"/>
+                <a16:creationId xmlns:a16="http://schemas.microsoft.com/office/drawing/2014/main" id="{7F8C6CB0-6509-0644-A609-830746374717}"/>
               </a:ext>
             </a:extLst>
           </p:cNvPr>
@@ -4853,195 +7638,73 @@
             <p:ph idx="1"/>
           </p:nvPr>
         </p:nvSpPr>
-        <p:spPr>
-          <a:xfrm>
-            <a:off x="681038" y="1253066"/>
-            <a:ext cx="8543925" cy="5342805"/>
-          </a:xfrm>
-        </p:spPr>
+        <p:spPr/>
         <p:txBody>
           <a:bodyPr>
-            <a:normAutofit fontScale="92500" lnSpcReduction="10000"/>
+            <a:normAutofit/>
           </a:bodyPr>
           <a:lstStyle/>
           <a:p>
             <a:r>
               <a:rPr lang="de-DE" dirty="0"/>
-              <a:t>Base App</a:t>
+              <a:t>Detailansicht</a:t>
+            </a:r>
+          </a:p>
+          <a:p>
+            <a:pPr lvl="1"/>
+            <a:r>
+              <a:rPr lang="de-DE" dirty="0"/>
+              <a:t>Name</a:t>
+            </a:r>
+          </a:p>
+          <a:p>
+            <a:pPr lvl="1"/>
+            <a:r>
+              <a:rPr lang="de-DE" dirty="0"/>
+              <a:t>Präsentationsbild</a:t>
+            </a:r>
+          </a:p>
+          <a:p>
+            <a:pPr lvl="1"/>
+            <a:r>
+              <a:rPr lang="de-DE" dirty="0"/>
+              <a:t>Status: Ist gerade geöffnet (Ja / Nein, rot / grün)</a:t>
+            </a:r>
+          </a:p>
+          <a:p>
+            <a:pPr lvl="1"/>
+            <a:r>
+              <a:rPr lang="de-DE" dirty="0"/>
+              <a:t>Öffnungszeiten</a:t>
+            </a:r>
+          </a:p>
+          <a:p>
+            <a:pPr lvl="1"/>
+            <a:r>
+              <a:rPr lang="de-DE" dirty="0"/>
+              <a:t>Kategorien der Küche mittels Flaggen (! Mehrzahl) </a:t>
+            </a:r>
+          </a:p>
+          <a:p>
+            <a:pPr lvl="1"/>
+            <a:r>
+              <a:rPr lang="de-DE" dirty="0"/>
+              <a:t>Detailkarte</a:t>
             </a:r>
           </a:p>
           <a:p>
             <a:pPr lvl="2"/>
             <a:r>
-              <a:rPr lang="de-DE" dirty="0" err="1"/>
-              <a:t>Application</a:t>
-            </a:r>
-            <a:r>
-              <a:rPr lang="de-DE" dirty="0"/>
-              <a:t> </a:t>
-            </a:r>
-            <a:r>
-              <a:rPr lang="de-DE" dirty="0" err="1"/>
-              <a:t>Delegate</a:t>
-            </a:r>
-            <a:r>
-              <a:rPr lang="de-DE" dirty="0"/>
-              <a:t>, Scene </a:t>
-            </a:r>
-            <a:r>
-              <a:rPr lang="de-DE" dirty="0" err="1"/>
-              <a:t>Delegate</a:t>
-            </a:r>
-            <a:endParaRPr lang="de-DE" dirty="0"/>
-          </a:p>
-          <a:p>
-            <a:pPr lvl="2"/>
-            <a:r>
-              <a:rPr lang="de-DE" dirty="0" err="1"/>
-              <a:t>Notification</a:t>
-            </a:r>
-            <a:r>
-              <a:rPr lang="de-DE" dirty="0"/>
-              <a:t> Name </a:t>
-            </a:r>
-            <a:r>
-              <a:rPr lang="de-DE" dirty="0" err="1"/>
-              <a:t>Extention</a:t>
-            </a:r>
-            <a:endParaRPr lang="de-DE" dirty="0"/>
-          </a:p>
-          <a:p>
-            <a:pPr lvl="2"/>
-            <a:r>
-              <a:rPr lang="de-DE" dirty="0"/>
-              <a:t>Error List</a:t>
-            </a:r>
-          </a:p>
-          <a:p>
-            <a:r>
-              <a:rPr lang="de-DE" dirty="0"/>
-              <a:t>Data </a:t>
-            </a:r>
-            <a:r>
-              <a:rPr lang="de-DE" dirty="0" err="1"/>
-              <a:t>Gathering</a:t>
-            </a:r>
-            <a:endParaRPr lang="de-DE" dirty="0"/>
-          </a:p>
-          <a:p>
-            <a:pPr lvl="1"/>
-            <a:r>
-              <a:rPr lang="de-DE" dirty="0"/>
-              <a:t>Restaurant Data</a:t>
-            </a:r>
-          </a:p>
-          <a:p>
-            <a:pPr lvl="2"/>
-            <a:r>
-              <a:rPr lang="de-DE" dirty="0"/>
-              <a:t>REST Restaurant Data</a:t>
-            </a:r>
-          </a:p>
-          <a:p>
-            <a:pPr lvl="2"/>
-            <a:r>
-              <a:rPr lang="de-DE" dirty="0"/>
-              <a:t>JSON Restaurant Data</a:t>
-            </a:r>
-          </a:p>
-          <a:p>
-            <a:pPr lvl="1"/>
-            <a:r>
-              <a:rPr lang="de-DE" dirty="0" err="1"/>
-              <a:t>Presentation</a:t>
-            </a:r>
-            <a:r>
-              <a:rPr lang="de-DE" dirty="0"/>
-              <a:t> Images</a:t>
-            </a:r>
-          </a:p>
-          <a:p>
-            <a:pPr lvl="2"/>
-            <a:r>
-              <a:rPr lang="de-DE" dirty="0" err="1"/>
-              <a:t>Presentation</a:t>
-            </a:r>
-            <a:r>
-              <a:rPr lang="de-DE" dirty="0"/>
-              <a:t> Image Data</a:t>
-            </a:r>
-          </a:p>
-          <a:p>
-            <a:pPr lvl="1"/>
-            <a:r>
-              <a:rPr lang="de-DE" dirty="0"/>
-              <a:t>Location Service</a:t>
-            </a:r>
-          </a:p>
-          <a:p>
-            <a:pPr lvl="2"/>
-            <a:r>
-              <a:rPr lang="de-DE" dirty="0" err="1"/>
-              <a:t>LocationService</a:t>
-            </a:r>
-            <a:endParaRPr lang="de-DE" dirty="0"/>
-          </a:p>
-          <a:p>
-            <a:r>
-              <a:rPr lang="de-DE" dirty="0"/>
-              <a:t>Data Store</a:t>
-            </a:r>
-          </a:p>
-          <a:p>
-            <a:pPr lvl="1"/>
-            <a:r>
-              <a:rPr lang="de-DE" dirty="0"/>
-              <a:t>Global Data</a:t>
-            </a:r>
-          </a:p>
-          <a:p>
-            <a:pPr lvl="2"/>
-            <a:r>
-              <a:rPr lang="de-DE" dirty="0"/>
-              <a:t>Restaurant Data inkl. </a:t>
-            </a:r>
-            <a:r>
-              <a:rPr lang="de-DE" dirty="0" err="1"/>
-              <a:t>Presentation</a:t>
-            </a:r>
-            <a:r>
-              <a:rPr lang="de-DE" dirty="0"/>
-              <a:t> Images</a:t>
-            </a:r>
-          </a:p>
-          <a:p>
-            <a:pPr lvl="2"/>
-            <a:r>
-              <a:rPr lang="de-DE" dirty="0"/>
-              <a:t>User Data</a:t>
-            </a:r>
-          </a:p>
-          <a:p>
-            <a:pPr lvl="1"/>
-            <a:endParaRPr lang="de-DE" dirty="0"/>
-          </a:p>
-          <a:p>
-            <a:endParaRPr lang="de-DE" dirty="0"/>
-          </a:p>
-          <a:p>
-            <a:pPr lvl="2"/>
-            <a:endParaRPr lang="de-DE" dirty="0"/>
-          </a:p>
-          <a:p>
-            <a:pPr lvl="2"/>
-            <a:endParaRPr lang="de-DE" dirty="0"/>
+              <a:rPr lang="de-DE" dirty="0"/>
+              <a:t>Eventuell Route von Apple, aber erst ganz zum Schluss als Sahnehäubchen, wenn genug Zeit ist</a:t>
+            </a:r>
           </a:p>
         </p:txBody>
       </p:sp>
     </p:spTree>
     <p:extLst>
       <p:ext uri="{BB962C8B-B14F-4D97-AF65-F5344CB8AC3E}">
-        <p14:creationId xmlns:p14="http://schemas.microsoft.com/office/powerpoint/2010/main" val="4223669591"/>
+        <p14:creationId xmlns:p14="http://schemas.microsoft.com/office/powerpoint/2010/main" val="1636688785"/>
       </p:ext>
     </p:extLst>
   </p:cSld>
@@ -5073,7 +7736,7 @@
           <p:cNvPr id="2" name="Titel 1">
             <a:extLst>
               <a:ext uri="{FF2B5EF4-FFF2-40B4-BE49-F238E27FC236}">
-                <a16:creationId xmlns:a16="http://schemas.microsoft.com/office/drawing/2014/main" id="{FD4D6D7D-3114-2D4B-BF9F-FC783B6962ED}"/>
+                <a16:creationId xmlns:a16="http://schemas.microsoft.com/office/drawing/2014/main" id="{CA84D4B0-41EA-8E49-BB74-EE6CD5E4FFE8}"/>
               </a:ext>
             </a:extLst>
           </p:cNvPr>
@@ -5086,212 +7749,2617 @@
         </p:nvSpPr>
         <p:spPr/>
         <p:txBody>
-          <a:bodyPr/>
+          <a:bodyPr>
+            <a:normAutofit fontScale="90000"/>
+          </a:bodyPr>
           <a:lstStyle/>
           <a:p>
             <a:r>
               <a:rPr lang="de-DE" dirty="0"/>
-              <a:t>App Struktur 2</a:t>
-            </a:r>
-          </a:p>
-        </p:txBody>
-      </p:sp>
-      <p:sp>
-        <p:nvSpPr>
-          <p:cNvPr id="3" name="Inhaltsplatzhalter 2">
+              <a:t>Screen Layout Detailansicht</a:t>
+            </a:r>
+          </a:p>
+        </p:txBody>
+      </p:sp>
+      <p:sp>
+        <p:nvSpPr>
+          <p:cNvPr id="4" name="Abgerundetes Rechteck 3">
             <a:extLst>
               <a:ext uri="{FF2B5EF4-FFF2-40B4-BE49-F238E27FC236}">
-                <a16:creationId xmlns:a16="http://schemas.microsoft.com/office/drawing/2014/main" id="{EE55A7DA-38C9-154B-BFBD-89FD890687F1}"/>
+                <a16:creationId xmlns:a16="http://schemas.microsoft.com/office/drawing/2014/main" id="{1BAE994F-116D-5441-A678-B0E976A135FA}"/>
+              </a:ext>
+            </a:extLst>
+          </p:cNvPr>
+          <p:cNvSpPr/>
+          <p:nvPr/>
+        </p:nvSpPr>
+        <p:spPr>
+          <a:xfrm>
+            <a:off x="681038" y="1280160"/>
+            <a:ext cx="2549842" cy="5205984"/>
+          </a:xfrm>
+          <a:prstGeom prst="roundRect">
+            <a:avLst/>
+          </a:prstGeom>
+          <a:solidFill>
+            <a:schemeClr val="bg1"/>
+          </a:solidFill>
+          <a:ln w="107950">
+            <a:solidFill>
+              <a:schemeClr val="tx1">
+                <a:lumMod val="75000"/>
+                <a:lumOff val="25000"/>
+              </a:schemeClr>
+            </a:solidFill>
+          </a:ln>
+        </p:spPr>
+        <p:style>
+          <a:lnRef idx="2">
+            <a:schemeClr val="accent1">
+              <a:shade val="50000"/>
+            </a:schemeClr>
+          </a:lnRef>
+          <a:fillRef idx="1">
+            <a:schemeClr val="accent1"/>
+          </a:fillRef>
+          <a:effectRef idx="0">
+            <a:schemeClr val="accent1"/>
+          </a:effectRef>
+          <a:fontRef idx="minor">
+            <a:schemeClr val="lt1"/>
+          </a:fontRef>
+        </p:style>
+        <p:txBody>
+          <a:bodyPr rtlCol="0" anchor="ctr"/>
+          <a:lstStyle/>
+          <a:p>
+            <a:pPr algn="ctr"/>
+            <a:endParaRPr lang="de-DE"/>
+          </a:p>
+        </p:txBody>
+      </p:sp>
+      <p:cxnSp>
+        <p:nvCxnSpPr>
+          <p:cNvPr id="6" name="Gerade Verbindung 5">
+            <a:extLst>
+              <a:ext uri="{FF2B5EF4-FFF2-40B4-BE49-F238E27FC236}">
+                <a16:creationId xmlns:a16="http://schemas.microsoft.com/office/drawing/2014/main" id="{1A905E30-D24E-9845-B10D-1B8FE5CEE00E}"/>
+              </a:ext>
+            </a:extLst>
+          </p:cNvPr>
+          <p:cNvCxnSpPr/>
+          <p:nvPr/>
+        </p:nvCxnSpPr>
+        <p:spPr>
+          <a:xfrm>
+            <a:off x="681038" y="1755648"/>
+            <a:ext cx="2549842" cy="0"/>
+          </a:xfrm>
+          <a:prstGeom prst="line">
+            <a:avLst/>
+          </a:prstGeom>
+          <a:ln w="22225">
+            <a:solidFill>
+              <a:schemeClr val="tx1">
+                <a:lumMod val="75000"/>
+                <a:lumOff val="25000"/>
+              </a:schemeClr>
+            </a:solidFill>
+          </a:ln>
+        </p:spPr>
+        <p:style>
+          <a:lnRef idx="1">
+            <a:schemeClr val="accent1"/>
+          </a:lnRef>
+          <a:fillRef idx="0">
+            <a:schemeClr val="accent1"/>
+          </a:fillRef>
+          <a:effectRef idx="0">
+            <a:schemeClr val="accent1"/>
+          </a:effectRef>
+          <a:fontRef idx="minor">
+            <a:schemeClr val="tx1"/>
+          </a:fontRef>
+        </p:style>
+      </p:cxnSp>
+      <p:cxnSp>
+        <p:nvCxnSpPr>
+          <p:cNvPr id="7" name="Gerade Verbindung 6">
+            <a:extLst>
+              <a:ext uri="{FF2B5EF4-FFF2-40B4-BE49-F238E27FC236}">
+                <a16:creationId xmlns:a16="http://schemas.microsoft.com/office/drawing/2014/main" id="{C724599C-97CC-0847-BF74-C3AC1BCDDF9A}"/>
+              </a:ext>
+            </a:extLst>
+          </p:cNvPr>
+          <p:cNvCxnSpPr/>
+          <p:nvPr/>
+        </p:nvCxnSpPr>
+        <p:spPr>
+          <a:xfrm>
+            <a:off x="681038" y="6102096"/>
+            <a:ext cx="2549842" cy="0"/>
+          </a:xfrm>
+          <a:prstGeom prst="line">
+            <a:avLst/>
+          </a:prstGeom>
+          <a:ln w="22225">
+            <a:solidFill>
+              <a:schemeClr val="tx1">
+                <a:lumMod val="75000"/>
+                <a:lumOff val="25000"/>
+              </a:schemeClr>
+            </a:solidFill>
+          </a:ln>
+        </p:spPr>
+        <p:style>
+          <a:lnRef idx="1">
+            <a:schemeClr val="accent1"/>
+          </a:lnRef>
+          <a:fillRef idx="0">
+            <a:schemeClr val="accent1"/>
+          </a:fillRef>
+          <a:effectRef idx="0">
+            <a:schemeClr val="accent1"/>
+          </a:effectRef>
+          <a:fontRef idx="minor">
+            <a:schemeClr val="tx1"/>
+          </a:fontRef>
+        </p:style>
+      </p:cxnSp>
+      <p:cxnSp>
+        <p:nvCxnSpPr>
+          <p:cNvPr id="53" name="Gerade Verbindung 52">
+            <a:extLst>
+              <a:ext uri="{FF2B5EF4-FFF2-40B4-BE49-F238E27FC236}">
+                <a16:creationId xmlns:a16="http://schemas.microsoft.com/office/drawing/2014/main" id="{AEDF769A-D0CF-324A-BEBC-63DB0F10A0DC}"/>
+              </a:ext>
+            </a:extLst>
+          </p:cNvPr>
+          <p:cNvCxnSpPr>
+            <a:cxnSpLocks/>
+          </p:cNvCxnSpPr>
+          <p:nvPr/>
+        </p:nvCxnSpPr>
+        <p:spPr>
+          <a:xfrm>
+            <a:off x="5689600" y="2385814"/>
+            <a:ext cx="0" cy="2511148"/>
+          </a:xfrm>
+          <a:prstGeom prst="line">
+            <a:avLst/>
+          </a:prstGeom>
+          <a:ln w="92075"/>
+        </p:spPr>
+        <p:style>
+          <a:lnRef idx="1">
+            <a:schemeClr val="accent1"/>
+          </a:lnRef>
+          <a:fillRef idx="0">
+            <a:schemeClr val="accent1"/>
+          </a:fillRef>
+          <a:effectRef idx="0">
+            <a:schemeClr val="accent1"/>
+          </a:effectRef>
+          <a:fontRef idx="minor">
+            <a:schemeClr val="tx1"/>
+          </a:fontRef>
+        </p:style>
+      </p:cxnSp>
+      <p:sp>
+        <p:nvSpPr>
+          <p:cNvPr id="55" name="Rechteck 54">
+            <a:extLst>
+              <a:ext uri="{FF2B5EF4-FFF2-40B4-BE49-F238E27FC236}">
+                <a16:creationId xmlns:a16="http://schemas.microsoft.com/office/drawing/2014/main" id="{FF3F9AEA-1DE2-6943-BB65-4988AF52F6A2}"/>
+              </a:ext>
+            </a:extLst>
+          </p:cNvPr>
+          <p:cNvSpPr/>
+          <p:nvPr/>
+        </p:nvSpPr>
+        <p:spPr>
+          <a:xfrm>
+            <a:off x="4428015" y="1340522"/>
+            <a:ext cx="4693495" cy="5205978"/>
+          </a:xfrm>
+          <a:prstGeom prst="rect">
+            <a:avLst/>
+          </a:prstGeom>
+          <a:solidFill>
+            <a:schemeClr val="bg1"/>
+          </a:solidFill>
+          <a:ln w="92075"/>
+        </p:spPr>
+        <p:style>
+          <a:lnRef idx="2">
+            <a:schemeClr val="accent1">
+              <a:shade val="50000"/>
+            </a:schemeClr>
+          </a:lnRef>
+          <a:fillRef idx="1">
+            <a:schemeClr val="accent1"/>
+          </a:fillRef>
+          <a:effectRef idx="0">
+            <a:schemeClr val="accent1"/>
+          </a:effectRef>
+          <a:fontRef idx="minor">
+            <a:schemeClr val="lt1"/>
+          </a:fontRef>
+        </p:style>
+        <p:txBody>
+          <a:bodyPr rtlCol="0" anchor="ctr"/>
+          <a:lstStyle/>
+          <a:p>
+            <a:pPr algn="ctr"/>
+            <a:endParaRPr lang="de-DE"/>
+          </a:p>
+        </p:txBody>
+      </p:sp>
+      <p:cxnSp>
+        <p:nvCxnSpPr>
+          <p:cNvPr id="56" name="Gerade Verbindung 55">
+            <a:extLst>
+              <a:ext uri="{FF2B5EF4-FFF2-40B4-BE49-F238E27FC236}">
+                <a16:creationId xmlns:a16="http://schemas.microsoft.com/office/drawing/2014/main" id="{FA76C172-4EB4-C04E-B0F9-4C7D6F05FDF7}"/>
+              </a:ext>
+            </a:extLst>
+          </p:cNvPr>
+          <p:cNvCxnSpPr>
+            <a:cxnSpLocks/>
+          </p:cNvCxnSpPr>
+          <p:nvPr/>
+        </p:nvCxnSpPr>
+        <p:spPr>
+          <a:xfrm flipH="1">
+            <a:off x="4416579" y="2078997"/>
+            <a:ext cx="4704931" cy="0"/>
+          </a:xfrm>
+          <a:prstGeom prst="line">
+            <a:avLst/>
+          </a:prstGeom>
+          <a:ln w="92075"/>
+        </p:spPr>
+        <p:style>
+          <a:lnRef idx="1">
+            <a:schemeClr val="accent1"/>
+          </a:lnRef>
+          <a:fillRef idx="0">
+            <a:schemeClr val="accent1"/>
+          </a:fillRef>
+          <a:effectRef idx="0">
+            <a:schemeClr val="accent1"/>
+          </a:effectRef>
+          <a:fontRef idx="minor">
+            <a:schemeClr val="tx1"/>
+          </a:fontRef>
+        </p:style>
+      </p:cxnSp>
+      <p:sp>
+        <p:nvSpPr>
+          <p:cNvPr id="69" name="Textfeld 68">
+            <a:extLst>
+              <a:ext uri="{FF2B5EF4-FFF2-40B4-BE49-F238E27FC236}">
+                <a16:creationId xmlns:a16="http://schemas.microsoft.com/office/drawing/2014/main" id="{EB80F0CA-C129-3748-B479-718E6C778E35}"/>
+              </a:ext>
+            </a:extLst>
+          </p:cNvPr>
+          <p:cNvSpPr txBox="1"/>
+          <p:nvPr/>
+        </p:nvSpPr>
+        <p:spPr>
+          <a:xfrm>
+            <a:off x="5182726" y="1425429"/>
+            <a:ext cx="3172635" cy="461665"/>
+          </a:xfrm>
+          <a:prstGeom prst="rect">
+            <a:avLst/>
+          </a:prstGeom>
+          <a:noFill/>
+        </p:spPr>
+        <p:txBody>
+          <a:bodyPr wrap="square" rtlCol="0">
+            <a:spAutoFit/>
+          </a:bodyPr>
+          <a:lstStyle/>
+          <a:p>
+            <a:pPr algn="ctr"/>
+            <a:r>
+              <a:rPr lang="de-DE" sz="2400" dirty="0"/>
+              <a:t>La Dolce Vita</a:t>
+            </a:r>
+          </a:p>
+        </p:txBody>
+      </p:sp>
+      <p:sp>
+        <p:nvSpPr>
+          <p:cNvPr id="70" name="Textfeld 69">
+            <a:extLst>
+              <a:ext uri="{FF2B5EF4-FFF2-40B4-BE49-F238E27FC236}">
+                <a16:creationId xmlns:a16="http://schemas.microsoft.com/office/drawing/2014/main" id="{A5AB8DA0-CBC6-4548-98B7-4025933E70A8}"/>
+              </a:ext>
+            </a:extLst>
+          </p:cNvPr>
+          <p:cNvSpPr txBox="1"/>
+          <p:nvPr/>
+        </p:nvSpPr>
+        <p:spPr>
+          <a:xfrm>
+            <a:off x="6176039" y="4116645"/>
+            <a:ext cx="1634857" cy="276999"/>
+          </a:xfrm>
+          <a:prstGeom prst="rect">
+            <a:avLst/>
+          </a:prstGeom>
+          <a:noFill/>
+        </p:spPr>
+        <p:txBody>
+          <a:bodyPr wrap="square" rtlCol="0">
+            <a:spAutoFit/>
+          </a:bodyPr>
+          <a:lstStyle/>
+          <a:p>
+            <a:r>
+              <a:rPr lang="de-DE" sz="1200" dirty="0"/>
+              <a:t>geschlossen</a:t>
+            </a:r>
+          </a:p>
+        </p:txBody>
+      </p:sp>
+      <p:sp>
+        <p:nvSpPr>
+          <p:cNvPr id="74" name="Textfeld 73">
+            <a:extLst>
+              <a:ext uri="{FF2B5EF4-FFF2-40B4-BE49-F238E27FC236}">
+                <a16:creationId xmlns:a16="http://schemas.microsoft.com/office/drawing/2014/main" id="{7243648F-61E5-F845-94E6-0310490EC5C0}"/>
+              </a:ext>
+            </a:extLst>
+          </p:cNvPr>
+          <p:cNvSpPr txBox="1"/>
+          <p:nvPr/>
+        </p:nvSpPr>
+        <p:spPr>
+          <a:xfrm>
+            <a:off x="5900739" y="938264"/>
+            <a:ext cx="3079019" cy="369332"/>
+          </a:xfrm>
+          <a:prstGeom prst="rect">
+            <a:avLst/>
+          </a:prstGeom>
+          <a:noFill/>
+        </p:spPr>
+        <p:txBody>
+          <a:bodyPr wrap="square" rtlCol="0">
+            <a:spAutoFit/>
+          </a:bodyPr>
+          <a:lstStyle/>
+          <a:p>
+            <a:r>
+              <a:rPr lang="de-DE" dirty="0"/>
+              <a:t>H-Stack / V-Stack</a:t>
+            </a:r>
+          </a:p>
+        </p:txBody>
+      </p:sp>
+      <p:sp>
+        <p:nvSpPr>
+          <p:cNvPr id="61" name="Rechteck 60">
+            <a:extLst>
+              <a:ext uri="{FF2B5EF4-FFF2-40B4-BE49-F238E27FC236}">
+                <a16:creationId xmlns:a16="http://schemas.microsoft.com/office/drawing/2014/main" id="{D1FDA02E-72B3-FA43-9E22-1D68DB385103}"/>
               </a:ext>
             </a:extLst>
           </p:cNvPr>
           <p:cNvSpPr>
-            <a:spLocks noGrp="1"/>
+            <a:spLocks noChangeAspect="1"/>
           </p:cNvSpPr>
-          <p:nvPr>
-            <p:ph idx="1"/>
-          </p:nvPr>
+          <p:nvPr/>
         </p:nvSpPr>
         <p:spPr>
           <a:xfrm>
-            <a:off x="681038" y="1253066"/>
-            <a:ext cx="8543925" cy="5342805"/>
+            <a:off x="781690" y="2280509"/>
+            <a:ext cx="1080000" cy="1080000"/>
           </a:xfrm>
+          <a:prstGeom prst="rect">
+            <a:avLst/>
+          </a:prstGeom>
+          <a:solidFill>
+            <a:schemeClr val="bg1">
+              <a:lumMod val="85000"/>
+            </a:schemeClr>
+          </a:solidFill>
         </p:spPr>
-        <p:txBody>
-          <a:bodyPr>
-            <a:normAutofit lnSpcReduction="10000"/>
+        <p:style>
+          <a:lnRef idx="2">
+            <a:schemeClr val="accent1">
+              <a:shade val="50000"/>
+            </a:schemeClr>
+          </a:lnRef>
+          <a:fillRef idx="1">
+            <a:schemeClr val="accent1"/>
+          </a:fillRef>
+          <a:effectRef idx="0">
+            <a:schemeClr val="accent1"/>
+          </a:effectRef>
+          <a:fontRef idx="minor">
+            <a:schemeClr val="lt1"/>
+          </a:fontRef>
+        </p:style>
+        <p:txBody>
+          <a:bodyPr vert="horz" rtlCol="0" anchor="ctr" anchorCtr="1"/>
+          <a:lstStyle/>
+          <a:p>
+            <a:pPr algn="ctr"/>
+            <a:r>
+              <a:rPr lang="de-DE" sz="1600" dirty="0">
+                <a:solidFill>
+                  <a:schemeClr val="tx1"/>
+                </a:solidFill>
+              </a:rPr>
+              <a:t>Image</a:t>
+            </a:r>
+            <a:br>
+              <a:rPr lang="de-DE" sz="1600" dirty="0">
+                <a:solidFill>
+                  <a:schemeClr val="tx1"/>
+                </a:solidFill>
+              </a:rPr>
+            </a:br>
+            <a:r>
+              <a:rPr lang="de-DE" sz="1600" dirty="0">
+                <a:solidFill>
+                  <a:schemeClr val="tx1"/>
+                </a:solidFill>
+              </a:rPr>
+              <a:t>128 x 128</a:t>
+            </a:r>
+          </a:p>
+        </p:txBody>
+      </p:sp>
+      <p:sp>
+        <p:nvSpPr>
+          <p:cNvPr id="67" name="Textfeld 66">
+            <a:extLst>
+              <a:ext uri="{FF2B5EF4-FFF2-40B4-BE49-F238E27FC236}">
+                <a16:creationId xmlns:a16="http://schemas.microsoft.com/office/drawing/2014/main" id="{B2AB1E33-92FD-ED44-AD4D-BFEF6816F3C8}"/>
+              </a:ext>
+            </a:extLst>
+          </p:cNvPr>
+          <p:cNvSpPr txBox="1"/>
+          <p:nvPr/>
+        </p:nvSpPr>
+        <p:spPr>
+          <a:xfrm>
+            <a:off x="784489" y="3371289"/>
+            <a:ext cx="1080001" cy="707886"/>
+          </a:xfrm>
+          <a:prstGeom prst="rect">
+            <a:avLst/>
+          </a:prstGeom>
+          <a:noFill/>
+        </p:spPr>
+        <p:txBody>
+          <a:bodyPr wrap="square" rtlCol="0">
+            <a:spAutoFit/>
           </a:bodyPr>
           <a:lstStyle/>
           <a:p>
             <a:r>
-              <a:rPr lang="de-DE" dirty="0"/>
-              <a:t>UI 1</a:t>
-            </a:r>
-          </a:p>
-          <a:p>
-            <a:pPr lvl="2"/>
-            <a:r>
-              <a:rPr lang="de-DE" dirty="0" err="1"/>
-              <a:t>Main.storyboard</a:t>
-            </a:r>
-            <a:r>
-              <a:rPr lang="de-DE" dirty="0"/>
-              <a:t>, </a:t>
-            </a:r>
-            <a:r>
-              <a:rPr lang="de-DE" dirty="0" err="1"/>
-              <a:t>launchScreen.storyboard</a:t>
-            </a:r>
+              <a:rPr lang="de-DE" sz="2000" dirty="0"/>
+              <a:t>🇨🇳🇹🇭🇮🇹</a:t>
+            </a:r>
+          </a:p>
+          <a:p>
+            <a:r>
+              <a:rPr lang="de-DE" sz="2000" dirty="0"/>
+              <a:t>🇩🇪🇺🇸</a:t>
+            </a:r>
+          </a:p>
+        </p:txBody>
+      </p:sp>
+      <p:sp>
+        <p:nvSpPr>
+          <p:cNvPr id="86" name="Textfeld 85">
+            <a:extLst>
+              <a:ext uri="{FF2B5EF4-FFF2-40B4-BE49-F238E27FC236}">
+                <a16:creationId xmlns:a16="http://schemas.microsoft.com/office/drawing/2014/main" id="{36934E2D-1931-B847-A38D-B4089663BAC6}"/>
+              </a:ext>
+            </a:extLst>
+          </p:cNvPr>
+          <p:cNvSpPr txBox="1"/>
+          <p:nvPr/>
+        </p:nvSpPr>
+        <p:spPr>
+          <a:xfrm>
+            <a:off x="681039" y="1808181"/>
+            <a:ext cx="2498452" cy="461665"/>
+          </a:xfrm>
+          <a:prstGeom prst="rect">
+            <a:avLst/>
+          </a:prstGeom>
+          <a:noFill/>
+        </p:spPr>
+        <p:txBody>
+          <a:bodyPr wrap="square" rtlCol="0">
+            <a:spAutoFit/>
+          </a:bodyPr>
+          <a:lstStyle/>
+          <a:p>
+            <a:pPr algn="ctr"/>
+            <a:r>
+              <a:rPr lang="de-DE" sz="2400" dirty="0"/>
+              <a:t>La Dolce Vita</a:t>
+            </a:r>
+          </a:p>
+        </p:txBody>
+      </p:sp>
+      <p:sp>
+        <p:nvSpPr>
+          <p:cNvPr id="3" name="Textfeld 2">
+            <a:extLst>
+              <a:ext uri="{FF2B5EF4-FFF2-40B4-BE49-F238E27FC236}">
+                <a16:creationId xmlns:a16="http://schemas.microsoft.com/office/drawing/2014/main" id="{13C84BE6-9036-9448-B3F1-6D204CB16047}"/>
+              </a:ext>
+            </a:extLst>
+          </p:cNvPr>
+          <p:cNvSpPr txBox="1"/>
+          <p:nvPr/>
+        </p:nvSpPr>
+        <p:spPr>
+          <a:xfrm>
+            <a:off x="1866738" y="2213448"/>
+            <a:ext cx="1444675" cy="1785104"/>
+          </a:xfrm>
+          <a:prstGeom prst="rect">
+            <a:avLst/>
+          </a:prstGeom>
+          <a:noFill/>
+        </p:spPr>
+        <p:txBody>
+          <a:bodyPr wrap="square" rtlCol="0">
+            <a:spAutoFit/>
+          </a:bodyPr>
+          <a:lstStyle/>
+          <a:p>
+            <a:r>
+              <a:rPr lang="de-DE" sz="1400" dirty="0"/>
+              <a:t>Öffnungszeiten:</a:t>
+            </a:r>
+          </a:p>
+          <a:p>
+            <a:r>
+              <a:rPr lang="de-DE" sz="1200" dirty="0"/>
+              <a:t>So:    geschlossen</a:t>
+            </a:r>
+          </a:p>
+          <a:p>
+            <a:r>
+              <a:rPr lang="de-DE" sz="1200" dirty="0"/>
+              <a:t>Mo:   10:00 – 12:00 </a:t>
+            </a:r>
+          </a:p>
+          <a:p>
+            <a:r>
+              <a:rPr lang="de-DE" sz="1200" dirty="0"/>
+              <a:t>Di:     10:00 - 12:00 </a:t>
+            </a:r>
+          </a:p>
+          <a:p>
+            <a:r>
+              <a:rPr lang="de-DE" sz="1200" dirty="0"/>
+              <a:t>          13:00 - 15:00</a:t>
+            </a:r>
+          </a:p>
+          <a:p>
+            <a:r>
+              <a:rPr lang="de-DE" sz="1200" dirty="0"/>
+              <a:t>Mi:     10:00 - 12:00</a:t>
+            </a:r>
+          </a:p>
+          <a:p>
+            <a:r>
+              <a:rPr lang="de-DE" sz="1200" dirty="0"/>
+              <a:t>Do:     8:00 - 16:00</a:t>
+            </a:r>
+          </a:p>
+          <a:p>
+            <a:r>
+              <a:rPr lang="de-DE" sz="1200" dirty="0"/>
+              <a:t>Fr:     11:00 - 19:00</a:t>
+            </a:r>
+          </a:p>
+          <a:p>
+            <a:r>
+              <a:rPr lang="de-DE" sz="1200" dirty="0"/>
+              <a:t>Sa:     geschlossen</a:t>
+            </a:r>
+          </a:p>
+        </p:txBody>
+      </p:sp>
+      <p:sp>
+        <p:nvSpPr>
+          <p:cNvPr id="87" name="Rechteck 86">
+            <a:extLst>
+              <a:ext uri="{FF2B5EF4-FFF2-40B4-BE49-F238E27FC236}">
+                <a16:creationId xmlns:a16="http://schemas.microsoft.com/office/drawing/2014/main" id="{C476D2B1-4497-4042-977B-790C44FBDBF8}"/>
+              </a:ext>
+            </a:extLst>
+          </p:cNvPr>
+          <p:cNvSpPr>
+            <a:spLocks noChangeAspect="1"/>
+          </p:cNvSpPr>
+          <p:nvPr/>
+        </p:nvSpPr>
+        <p:spPr>
+          <a:xfrm>
+            <a:off x="768437" y="4079176"/>
+            <a:ext cx="2376000" cy="2004529"/>
+          </a:xfrm>
+          <a:prstGeom prst="rect">
+            <a:avLst/>
+          </a:prstGeom>
+          <a:solidFill>
+            <a:schemeClr val="bg1">
+              <a:lumMod val="85000"/>
+            </a:schemeClr>
+          </a:solidFill>
+        </p:spPr>
+        <p:style>
+          <a:lnRef idx="2">
+            <a:schemeClr val="accent1">
+              <a:shade val="50000"/>
+            </a:schemeClr>
+          </a:lnRef>
+          <a:fillRef idx="1">
+            <a:schemeClr val="accent1"/>
+          </a:fillRef>
+          <a:effectRef idx="0">
+            <a:schemeClr val="accent1"/>
+          </a:effectRef>
+          <a:fontRef idx="minor">
+            <a:schemeClr val="lt1"/>
+          </a:fontRef>
+        </p:style>
+        <p:txBody>
+          <a:bodyPr vert="horz" rtlCol="0" anchor="ctr" anchorCtr="1"/>
+          <a:lstStyle/>
+          <a:p>
+            <a:pPr algn="ctr"/>
+            <a:r>
+              <a:rPr lang="de-DE" sz="1600" dirty="0">
+                <a:solidFill>
+                  <a:schemeClr val="tx1"/>
+                </a:solidFill>
+              </a:rPr>
+              <a:t>Karte</a:t>
+            </a:r>
+          </a:p>
+        </p:txBody>
+      </p:sp>
+      <p:sp>
+        <p:nvSpPr>
+          <p:cNvPr id="51" name="Rechteck 50">
+            <a:extLst>
+              <a:ext uri="{FF2B5EF4-FFF2-40B4-BE49-F238E27FC236}">
+                <a16:creationId xmlns:a16="http://schemas.microsoft.com/office/drawing/2014/main" id="{E2C9EECD-249C-F64D-8D06-213D5923CC16}"/>
+              </a:ext>
+            </a:extLst>
+          </p:cNvPr>
+          <p:cNvSpPr/>
+          <p:nvPr/>
+        </p:nvSpPr>
+        <p:spPr>
+          <a:xfrm>
+            <a:off x="4571999" y="2228096"/>
+            <a:ext cx="4359961" cy="4159449"/>
+          </a:xfrm>
+          <a:prstGeom prst="rect">
+            <a:avLst/>
+          </a:prstGeom>
+          <a:solidFill>
+            <a:schemeClr val="bg1"/>
+          </a:solidFill>
+          <a:ln w="92075"/>
+        </p:spPr>
+        <p:style>
+          <a:lnRef idx="2">
+            <a:schemeClr val="accent1">
+              <a:shade val="50000"/>
+            </a:schemeClr>
+          </a:lnRef>
+          <a:fillRef idx="1">
+            <a:schemeClr val="accent1"/>
+          </a:fillRef>
+          <a:effectRef idx="0">
+            <a:schemeClr val="accent1"/>
+          </a:effectRef>
+          <a:fontRef idx="minor">
+            <a:schemeClr val="lt1"/>
+          </a:fontRef>
+        </p:style>
+        <p:txBody>
+          <a:bodyPr rtlCol="0" anchor="ctr"/>
+          <a:lstStyle/>
+          <a:p>
+            <a:pPr algn="ctr"/>
+            <a:endParaRPr lang="de-DE"/>
+          </a:p>
+        </p:txBody>
+      </p:sp>
+      <p:cxnSp>
+        <p:nvCxnSpPr>
+          <p:cNvPr id="65" name="Gerade Verbindung 64">
+            <a:extLst>
+              <a:ext uri="{FF2B5EF4-FFF2-40B4-BE49-F238E27FC236}">
+                <a16:creationId xmlns:a16="http://schemas.microsoft.com/office/drawing/2014/main" id="{CBB6B8D4-0719-9648-B09A-05700499D19E}"/>
+              </a:ext>
+            </a:extLst>
+          </p:cNvPr>
+          <p:cNvCxnSpPr>
+            <a:cxnSpLocks/>
+          </p:cNvCxnSpPr>
+          <p:nvPr/>
+        </p:nvCxnSpPr>
+        <p:spPr>
+          <a:xfrm>
+            <a:off x="6176039" y="2213448"/>
+            <a:ext cx="0" cy="4174097"/>
+          </a:xfrm>
+          <a:prstGeom prst="line">
+            <a:avLst/>
+          </a:prstGeom>
+          <a:ln w="92075"/>
+        </p:spPr>
+        <p:style>
+          <a:lnRef idx="1">
+            <a:schemeClr val="accent1"/>
+          </a:lnRef>
+          <a:fillRef idx="0">
+            <a:schemeClr val="accent1"/>
+          </a:fillRef>
+          <a:effectRef idx="0">
+            <a:schemeClr val="accent1"/>
+          </a:effectRef>
+          <a:fontRef idx="minor">
+            <a:schemeClr val="tx1"/>
+          </a:fontRef>
+        </p:style>
+      </p:cxnSp>
+      <p:sp>
+        <p:nvSpPr>
+          <p:cNvPr id="88" name="Rechteck 87">
+            <a:extLst>
+              <a:ext uri="{FF2B5EF4-FFF2-40B4-BE49-F238E27FC236}">
+                <a16:creationId xmlns:a16="http://schemas.microsoft.com/office/drawing/2014/main" id="{EEF19EA2-0C7C-FB4B-803A-38602E055BB2}"/>
+              </a:ext>
+            </a:extLst>
+          </p:cNvPr>
+          <p:cNvSpPr/>
+          <p:nvPr/>
+        </p:nvSpPr>
+        <p:spPr>
+          <a:xfrm>
+            <a:off x="4702100" y="2385812"/>
+            <a:ext cx="1329955" cy="3852000"/>
+          </a:xfrm>
+          <a:prstGeom prst="rect">
+            <a:avLst/>
+          </a:prstGeom>
+          <a:solidFill>
+            <a:schemeClr val="bg1"/>
+          </a:solidFill>
+          <a:ln w="92075"/>
+        </p:spPr>
+        <p:style>
+          <a:lnRef idx="2">
+            <a:schemeClr val="accent1">
+              <a:shade val="50000"/>
+            </a:schemeClr>
+          </a:lnRef>
+          <a:fillRef idx="1">
+            <a:schemeClr val="accent1"/>
+          </a:fillRef>
+          <a:effectRef idx="0">
+            <a:schemeClr val="accent1"/>
+          </a:effectRef>
+          <a:fontRef idx="minor">
+            <a:schemeClr val="lt1"/>
+          </a:fontRef>
+        </p:style>
+        <p:txBody>
+          <a:bodyPr rtlCol="0" anchor="ctr"/>
+          <a:lstStyle/>
+          <a:p>
+            <a:pPr algn="ctr"/>
+            <a:endParaRPr lang="de-DE"/>
+          </a:p>
+        </p:txBody>
+      </p:sp>
+      <p:cxnSp>
+        <p:nvCxnSpPr>
+          <p:cNvPr id="89" name="Gerade Verbindung 88">
+            <a:extLst>
+              <a:ext uri="{FF2B5EF4-FFF2-40B4-BE49-F238E27FC236}">
+                <a16:creationId xmlns:a16="http://schemas.microsoft.com/office/drawing/2014/main" id="{087FA062-E92A-714A-8976-A849AF84833E}"/>
+              </a:ext>
+            </a:extLst>
+          </p:cNvPr>
+          <p:cNvCxnSpPr>
+            <a:cxnSpLocks/>
+            <a:stCxn id="88" idx="3"/>
+            <a:endCxn id="88" idx="1"/>
+          </p:cNvCxnSpPr>
+          <p:nvPr/>
+        </p:nvCxnSpPr>
+        <p:spPr>
+          <a:xfrm flipH="1">
+            <a:off x="4702100" y="4311812"/>
+            <a:ext cx="1329955" cy="0"/>
+          </a:xfrm>
+          <a:prstGeom prst="line">
+            <a:avLst/>
+          </a:prstGeom>
+          <a:ln w="92075"/>
+        </p:spPr>
+        <p:style>
+          <a:lnRef idx="1">
+            <a:schemeClr val="accent1"/>
+          </a:lnRef>
+          <a:fillRef idx="0">
+            <a:schemeClr val="accent1"/>
+          </a:fillRef>
+          <a:effectRef idx="0">
+            <a:schemeClr val="accent1"/>
+          </a:effectRef>
+          <a:fontRef idx="minor">
+            <a:schemeClr val="tx1"/>
+          </a:fontRef>
+        </p:style>
+      </p:cxnSp>
+      <p:sp>
+        <p:nvSpPr>
+          <p:cNvPr id="90" name="Rechteck 89">
+            <a:extLst>
+              <a:ext uri="{FF2B5EF4-FFF2-40B4-BE49-F238E27FC236}">
+                <a16:creationId xmlns:a16="http://schemas.microsoft.com/office/drawing/2014/main" id="{73063776-F047-864F-A085-58480360EA27}"/>
+              </a:ext>
+            </a:extLst>
+          </p:cNvPr>
+          <p:cNvSpPr>
+            <a:spLocks noChangeAspect="1"/>
+          </p:cNvSpPr>
+          <p:nvPr/>
+        </p:nvSpPr>
+        <p:spPr>
+          <a:xfrm>
+            <a:off x="4820739" y="2614045"/>
+            <a:ext cx="1080000" cy="1080000"/>
+          </a:xfrm>
+          <a:prstGeom prst="rect">
+            <a:avLst/>
+          </a:prstGeom>
+          <a:solidFill>
+            <a:schemeClr val="bg1">
+              <a:lumMod val="85000"/>
+            </a:schemeClr>
+          </a:solidFill>
+        </p:spPr>
+        <p:style>
+          <a:lnRef idx="2">
+            <a:schemeClr val="accent1">
+              <a:shade val="50000"/>
+            </a:schemeClr>
+          </a:lnRef>
+          <a:fillRef idx="1">
+            <a:schemeClr val="accent1"/>
+          </a:fillRef>
+          <a:effectRef idx="0">
+            <a:schemeClr val="accent1"/>
+          </a:effectRef>
+          <a:fontRef idx="minor">
+            <a:schemeClr val="lt1"/>
+          </a:fontRef>
+        </p:style>
+        <p:txBody>
+          <a:bodyPr vert="horz" rtlCol="0" anchor="ctr" anchorCtr="1"/>
+          <a:lstStyle/>
+          <a:p>
+            <a:pPr algn="ctr"/>
+            <a:r>
+              <a:rPr lang="de-DE" sz="1600" dirty="0">
+                <a:solidFill>
+                  <a:schemeClr val="tx1"/>
+                </a:solidFill>
+              </a:rPr>
+              <a:t>Image</a:t>
+            </a:r>
+            <a:br>
+              <a:rPr lang="de-DE" sz="1600" dirty="0">
+                <a:solidFill>
+                  <a:schemeClr val="tx1"/>
+                </a:solidFill>
+              </a:rPr>
+            </a:br>
+            <a:r>
+              <a:rPr lang="de-DE" sz="1600" dirty="0">
+                <a:solidFill>
+                  <a:schemeClr val="tx1"/>
+                </a:solidFill>
+              </a:rPr>
+              <a:t>128 x 128</a:t>
+            </a:r>
+          </a:p>
+        </p:txBody>
+      </p:sp>
+      <p:sp>
+        <p:nvSpPr>
+          <p:cNvPr id="91" name="Textfeld 90">
+            <a:extLst>
+              <a:ext uri="{FF2B5EF4-FFF2-40B4-BE49-F238E27FC236}">
+                <a16:creationId xmlns:a16="http://schemas.microsoft.com/office/drawing/2014/main" id="{F4806815-02FF-EE41-B817-272F75487E46}"/>
+              </a:ext>
+            </a:extLst>
+          </p:cNvPr>
+          <p:cNvSpPr txBox="1"/>
+          <p:nvPr/>
+        </p:nvSpPr>
+        <p:spPr>
+          <a:xfrm>
+            <a:off x="4821295" y="4430703"/>
+            <a:ext cx="1080001" cy="707886"/>
+          </a:xfrm>
+          <a:prstGeom prst="rect">
+            <a:avLst/>
+          </a:prstGeom>
+          <a:noFill/>
+        </p:spPr>
+        <p:txBody>
+          <a:bodyPr wrap="square" rtlCol="0">
+            <a:spAutoFit/>
+          </a:bodyPr>
+          <a:lstStyle/>
+          <a:p>
+            <a:r>
+              <a:rPr lang="de-DE" sz="2000" dirty="0"/>
+              <a:t>🇨🇳🇹🇭🇮🇹</a:t>
+            </a:r>
+          </a:p>
+          <a:p>
+            <a:r>
+              <a:rPr lang="de-DE" sz="2000" dirty="0"/>
+              <a:t>🇩🇪🇺🇸</a:t>
+            </a:r>
+          </a:p>
+        </p:txBody>
+      </p:sp>
+      <p:sp>
+        <p:nvSpPr>
+          <p:cNvPr id="92" name="Rechteck 91">
+            <a:extLst>
+              <a:ext uri="{FF2B5EF4-FFF2-40B4-BE49-F238E27FC236}">
+                <a16:creationId xmlns:a16="http://schemas.microsoft.com/office/drawing/2014/main" id="{B96FD156-6DEA-AC43-9197-138DE3B2404D}"/>
+              </a:ext>
+            </a:extLst>
+          </p:cNvPr>
+          <p:cNvSpPr/>
+          <p:nvPr/>
+        </p:nvSpPr>
+        <p:spPr>
+          <a:xfrm>
+            <a:off x="6352363" y="2379610"/>
+            <a:ext cx="2407322" cy="3858201"/>
+          </a:xfrm>
+          <a:prstGeom prst="rect">
+            <a:avLst/>
+          </a:prstGeom>
+          <a:solidFill>
+            <a:schemeClr val="bg1"/>
+          </a:solidFill>
+          <a:ln w="38100"/>
+        </p:spPr>
+        <p:style>
+          <a:lnRef idx="2">
+            <a:schemeClr val="accent1">
+              <a:shade val="50000"/>
+            </a:schemeClr>
+          </a:lnRef>
+          <a:fillRef idx="1">
+            <a:schemeClr val="accent1"/>
+          </a:fillRef>
+          <a:effectRef idx="0">
+            <a:schemeClr val="accent1"/>
+          </a:effectRef>
+          <a:fontRef idx="minor">
+            <a:schemeClr val="lt1"/>
+          </a:fontRef>
+        </p:style>
+        <p:txBody>
+          <a:bodyPr rtlCol="0" anchor="ctr"/>
+          <a:lstStyle/>
+          <a:p>
+            <a:pPr algn="ctr"/>
             <a:endParaRPr lang="de-DE" dirty="0"/>
           </a:p>
-          <a:p>
-            <a:pPr lvl="1"/>
-            <a:r>
-              <a:rPr lang="de-DE" dirty="0"/>
-              <a:t>Main</a:t>
-            </a:r>
-          </a:p>
-          <a:p>
-            <a:pPr lvl="2"/>
-            <a:r>
-              <a:rPr lang="de-DE" dirty="0" err="1"/>
-              <a:t>MainViewController</a:t>
-            </a:r>
-            <a:endParaRPr lang="de-DE" dirty="0"/>
-          </a:p>
-          <a:p>
-            <a:pPr lvl="2"/>
-            <a:r>
-              <a:rPr lang="de-DE" dirty="0" err="1"/>
-              <a:t>WaitForDataViewController</a:t>
-            </a:r>
-            <a:endParaRPr lang="de-DE" dirty="0"/>
-          </a:p>
-          <a:p>
-            <a:pPr lvl="1"/>
-            <a:r>
-              <a:rPr lang="de-DE" dirty="0" err="1"/>
-              <a:t>HelpView</a:t>
-            </a:r>
-            <a:endParaRPr lang="de-DE" dirty="0"/>
-          </a:p>
-          <a:p>
-            <a:pPr lvl="2"/>
-            <a:r>
-              <a:rPr lang="de-DE" dirty="0" err="1"/>
-              <a:t>HelpViewControiller</a:t>
-            </a:r>
-            <a:endParaRPr lang="de-DE" dirty="0"/>
-          </a:p>
-          <a:p>
-            <a:pPr lvl="2"/>
-            <a:r>
-              <a:rPr lang="de-DE" dirty="0" err="1"/>
-              <a:t>HelpTabViewController</a:t>
-            </a:r>
-            <a:endParaRPr lang="de-DE" dirty="0"/>
-          </a:p>
-          <a:p>
-            <a:pPr lvl="2"/>
-            <a:r>
-              <a:rPr lang="de-DE" dirty="0" err="1"/>
-              <a:t>HelpTabViewCells</a:t>
-            </a:r>
-            <a:endParaRPr lang="de-DE" dirty="0"/>
-          </a:p>
-          <a:p>
-            <a:pPr lvl="1"/>
-            <a:r>
-              <a:rPr lang="de-DE" dirty="0" err="1"/>
-              <a:t>MapView</a:t>
-            </a:r>
-            <a:r>
-              <a:rPr lang="de-DE" dirty="0"/>
-              <a:t> (als Hauptkarte)</a:t>
-            </a:r>
-          </a:p>
-          <a:p>
-            <a:pPr lvl="2"/>
-            <a:r>
-              <a:rPr lang="de-DE" dirty="0" err="1"/>
-              <a:t>MainMapViewController</a:t>
-            </a:r>
-            <a:endParaRPr lang="de-DE" dirty="0"/>
-          </a:p>
-          <a:p>
-            <a:pPr lvl="2"/>
-            <a:r>
-              <a:rPr lang="de-DE" dirty="0" err="1"/>
-              <a:t>RestaurantAnnotations</a:t>
-            </a:r>
-            <a:r>
-              <a:rPr lang="de-DE" dirty="0"/>
-              <a:t>, eventuell </a:t>
-            </a:r>
-            <a:r>
-              <a:rPr lang="de-DE" dirty="0" err="1"/>
-              <a:t>Renderer</a:t>
-            </a:r>
-            <a:endParaRPr lang="de-DE" dirty="0"/>
-          </a:p>
-          <a:p>
-            <a:pPr lvl="1"/>
-            <a:r>
-              <a:rPr lang="de-DE" dirty="0" err="1"/>
-              <a:t>MapContentSelection</a:t>
-            </a:r>
-            <a:endParaRPr lang="de-DE" dirty="0"/>
-          </a:p>
-          <a:p>
-            <a:pPr lvl="2"/>
-            <a:r>
-              <a:rPr lang="de-DE" dirty="0" err="1"/>
-              <a:t>MapContentViewController</a:t>
-            </a:r>
-            <a:endParaRPr lang="de-DE" dirty="0"/>
-          </a:p>
-          <a:p>
-            <a:pPr lvl="2"/>
-            <a:r>
-              <a:rPr lang="de-DE" dirty="0" err="1"/>
-              <a:t>MapContentTabViewController</a:t>
-            </a:r>
-            <a:endParaRPr lang="de-DE" dirty="0"/>
-          </a:p>
-          <a:p>
-            <a:pPr lvl="2"/>
-            <a:r>
-              <a:rPr lang="de-DE" dirty="0" err="1"/>
-              <a:t>MapContentTabViewCells</a:t>
-            </a:r>
-            <a:endParaRPr lang="de-DE" dirty="0"/>
-          </a:p>
-          <a:p>
-            <a:pPr lvl="2"/>
-            <a:endParaRPr lang="de-DE" dirty="0"/>
-          </a:p>
-          <a:p>
-            <a:pPr lvl="1"/>
-            <a:endParaRPr lang="de-DE" dirty="0"/>
-          </a:p>
-          <a:p>
-            <a:endParaRPr lang="de-DE" dirty="0"/>
-          </a:p>
-          <a:p>
-            <a:pPr lvl="2"/>
-            <a:endParaRPr lang="de-DE" dirty="0"/>
-          </a:p>
-          <a:p>
-            <a:pPr lvl="2"/>
-            <a:endParaRPr lang="de-DE" dirty="0"/>
-          </a:p>
-        </p:txBody>
-      </p:sp>
+        </p:txBody>
+      </p:sp>
+      <p:cxnSp>
+        <p:nvCxnSpPr>
+          <p:cNvPr id="93" name="Gerade Verbindung 92">
+            <a:extLst>
+              <a:ext uri="{FF2B5EF4-FFF2-40B4-BE49-F238E27FC236}">
+                <a16:creationId xmlns:a16="http://schemas.microsoft.com/office/drawing/2014/main" id="{CA0398D5-DB3B-1840-8C87-5D5AA57DC8F0}"/>
+              </a:ext>
+            </a:extLst>
+          </p:cNvPr>
+          <p:cNvCxnSpPr>
+            <a:cxnSpLocks/>
+          </p:cNvCxnSpPr>
+          <p:nvPr/>
+        </p:nvCxnSpPr>
+        <p:spPr>
+          <a:xfrm flipH="1">
+            <a:off x="6378831" y="2817361"/>
+            <a:ext cx="2380854" cy="4615"/>
+          </a:xfrm>
+          <a:prstGeom prst="line">
+            <a:avLst/>
+          </a:prstGeom>
+          <a:ln w="38100"/>
+        </p:spPr>
+        <p:style>
+          <a:lnRef idx="1">
+            <a:schemeClr val="accent1"/>
+          </a:lnRef>
+          <a:fillRef idx="0">
+            <a:schemeClr val="accent1"/>
+          </a:fillRef>
+          <a:effectRef idx="0">
+            <a:schemeClr val="accent1"/>
+          </a:effectRef>
+          <a:fontRef idx="minor">
+            <a:schemeClr val="tx1"/>
+          </a:fontRef>
+        </p:style>
+      </p:cxnSp>
+      <p:cxnSp>
+        <p:nvCxnSpPr>
+          <p:cNvPr id="98" name="Gerade Verbindung 97">
+            <a:extLst>
+              <a:ext uri="{FF2B5EF4-FFF2-40B4-BE49-F238E27FC236}">
+                <a16:creationId xmlns:a16="http://schemas.microsoft.com/office/drawing/2014/main" id="{9F4C2FF1-2370-2E4C-BCBC-3CD561C37E6D}"/>
+              </a:ext>
+            </a:extLst>
+          </p:cNvPr>
+          <p:cNvCxnSpPr>
+            <a:cxnSpLocks/>
+          </p:cNvCxnSpPr>
+          <p:nvPr/>
+        </p:nvCxnSpPr>
+        <p:spPr>
+          <a:xfrm flipH="1">
+            <a:off x="6378831" y="3315451"/>
+            <a:ext cx="2380854" cy="0"/>
+          </a:xfrm>
+          <a:prstGeom prst="line">
+            <a:avLst/>
+          </a:prstGeom>
+          <a:ln w="38100"/>
+        </p:spPr>
+        <p:style>
+          <a:lnRef idx="1">
+            <a:schemeClr val="accent1"/>
+          </a:lnRef>
+          <a:fillRef idx="0">
+            <a:schemeClr val="accent1"/>
+          </a:fillRef>
+          <a:effectRef idx="0">
+            <a:schemeClr val="accent1"/>
+          </a:effectRef>
+          <a:fontRef idx="minor">
+            <a:schemeClr val="tx1"/>
+          </a:fontRef>
+        </p:style>
+      </p:cxnSp>
+      <p:cxnSp>
+        <p:nvCxnSpPr>
+          <p:cNvPr id="99" name="Gerade Verbindung 98">
+            <a:extLst>
+              <a:ext uri="{FF2B5EF4-FFF2-40B4-BE49-F238E27FC236}">
+                <a16:creationId xmlns:a16="http://schemas.microsoft.com/office/drawing/2014/main" id="{13C997E4-31ED-FF46-B67C-EEE30206243D}"/>
+              </a:ext>
+            </a:extLst>
+          </p:cNvPr>
+          <p:cNvCxnSpPr>
+            <a:cxnSpLocks/>
+          </p:cNvCxnSpPr>
+          <p:nvPr/>
+        </p:nvCxnSpPr>
+        <p:spPr>
+          <a:xfrm flipH="1">
+            <a:off x="6378831" y="3804311"/>
+            <a:ext cx="2380854" cy="4615"/>
+          </a:xfrm>
+          <a:prstGeom prst="line">
+            <a:avLst/>
+          </a:prstGeom>
+          <a:ln w="38100"/>
+        </p:spPr>
+        <p:style>
+          <a:lnRef idx="1">
+            <a:schemeClr val="accent1"/>
+          </a:lnRef>
+          <a:fillRef idx="0">
+            <a:schemeClr val="accent1"/>
+          </a:fillRef>
+          <a:effectRef idx="0">
+            <a:schemeClr val="accent1"/>
+          </a:effectRef>
+          <a:fontRef idx="minor">
+            <a:schemeClr val="tx1"/>
+          </a:fontRef>
+        </p:style>
+      </p:cxnSp>
+      <p:cxnSp>
+        <p:nvCxnSpPr>
+          <p:cNvPr id="100" name="Gerade Verbindung 99">
+            <a:extLst>
+              <a:ext uri="{FF2B5EF4-FFF2-40B4-BE49-F238E27FC236}">
+                <a16:creationId xmlns:a16="http://schemas.microsoft.com/office/drawing/2014/main" id="{613F4B7A-AB7C-8647-9A54-A36CA1C81F27}"/>
+              </a:ext>
+            </a:extLst>
+          </p:cNvPr>
+          <p:cNvCxnSpPr>
+            <a:cxnSpLocks/>
+            <a:stCxn id="92" idx="3"/>
+          </p:cNvCxnSpPr>
+          <p:nvPr/>
+        </p:nvCxnSpPr>
+        <p:spPr>
+          <a:xfrm flipH="1" flipV="1">
+            <a:off x="6378831" y="4302401"/>
+            <a:ext cx="2380854" cy="6310"/>
+          </a:xfrm>
+          <a:prstGeom prst="line">
+            <a:avLst/>
+          </a:prstGeom>
+          <a:ln w="38100"/>
+        </p:spPr>
+        <p:style>
+          <a:lnRef idx="1">
+            <a:schemeClr val="accent1"/>
+          </a:lnRef>
+          <a:fillRef idx="0">
+            <a:schemeClr val="accent1"/>
+          </a:fillRef>
+          <a:effectRef idx="0">
+            <a:schemeClr val="accent1"/>
+          </a:effectRef>
+          <a:fontRef idx="minor">
+            <a:schemeClr val="tx1"/>
+          </a:fontRef>
+        </p:style>
+      </p:cxnSp>
+      <p:cxnSp>
+        <p:nvCxnSpPr>
+          <p:cNvPr id="101" name="Gerade Verbindung 100">
+            <a:extLst>
+              <a:ext uri="{FF2B5EF4-FFF2-40B4-BE49-F238E27FC236}">
+                <a16:creationId xmlns:a16="http://schemas.microsoft.com/office/drawing/2014/main" id="{59F455FF-29A5-5642-9245-21068EA3FFFE}"/>
+              </a:ext>
+            </a:extLst>
+          </p:cNvPr>
+          <p:cNvCxnSpPr>
+            <a:cxnSpLocks/>
+          </p:cNvCxnSpPr>
+          <p:nvPr/>
+        </p:nvCxnSpPr>
+        <p:spPr>
+          <a:xfrm flipH="1">
+            <a:off x="6378831" y="4795876"/>
+            <a:ext cx="2380854" cy="0"/>
+          </a:xfrm>
+          <a:prstGeom prst="line">
+            <a:avLst/>
+          </a:prstGeom>
+          <a:ln w="38100"/>
+        </p:spPr>
+        <p:style>
+          <a:lnRef idx="1">
+            <a:schemeClr val="accent1"/>
+          </a:lnRef>
+          <a:fillRef idx="0">
+            <a:schemeClr val="accent1"/>
+          </a:fillRef>
+          <a:effectRef idx="0">
+            <a:schemeClr val="accent1"/>
+          </a:effectRef>
+          <a:fontRef idx="minor">
+            <a:schemeClr val="tx1"/>
+          </a:fontRef>
+        </p:style>
+      </p:cxnSp>
+      <p:cxnSp>
+        <p:nvCxnSpPr>
+          <p:cNvPr id="102" name="Gerade Verbindung 101">
+            <a:extLst>
+              <a:ext uri="{FF2B5EF4-FFF2-40B4-BE49-F238E27FC236}">
+                <a16:creationId xmlns:a16="http://schemas.microsoft.com/office/drawing/2014/main" id="{232F8921-B1D5-D740-9D89-C83625F1EC7F}"/>
+              </a:ext>
+            </a:extLst>
+          </p:cNvPr>
+          <p:cNvCxnSpPr>
+            <a:cxnSpLocks/>
+          </p:cNvCxnSpPr>
+          <p:nvPr/>
+        </p:nvCxnSpPr>
+        <p:spPr>
+          <a:xfrm flipH="1">
+            <a:off x="6378831" y="5289351"/>
+            <a:ext cx="2380854" cy="0"/>
+          </a:xfrm>
+          <a:prstGeom prst="line">
+            <a:avLst/>
+          </a:prstGeom>
+          <a:ln w="38100"/>
+        </p:spPr>
+        <p:style>
+          <a:lnRef idx="1">
+            <a:schemeClr val="accent1"/>
+          </a:lnRef>
+          <a:fillRef idx="0">
+            <a:schemeClr val="accent1"/>
+          </a:fillRef>
+          <a:effectRef idx="0">
+            <a:schemeClr val="accent1"/>
+          </a:effectRef>
+          <a:fontRef idx="minor">
+            <a:schemeClr val="tx1"/>
+          </a:fontRef>
+        </p:style>
+      </p:cxnSp>
+      <p:cxnSp>
+        <p:nvCxnSpPr>
+          <p:cNvPr id="103" name="Gerade Verbindung 102">
+            <a:extLst>
+              <a:ext uri="{FF2B5EF4-FFF2-40B4-BE49-F238E27FC236}">
+                <a16:creationId xmlns:a16="http://schemas.microsoft.com/office/drawing/2014/main" id="{CA6E7CA3-D5FD-DC4D-BA74-3AFBF7344757}"/>
+              </a:ext>
+            </a:extLst>
+          </p:cNvPr>
+          <p:cNvCxnSpPr>
+            <a:cxnSpLocks/>
+          </p:cNvCxnSpPr>
+          <p:nvPr/>
+        </p:nvCxnSpPr>
+        <p:spPr>
+          <a:xfrm flipH="1">
+            <a:off x="6378831" y="5782825"/>
+            <a:ext cx="2380854" cy="0"/>
+          </a:xfrm>
+          <a:prstGeom prst="line">
+            <a:avLst/>
+          </a:prstGeom>
+          <a:ln w="38100"/>
+        </p:spPr>
+        <p:style>
+          <a:lnRef idx="1">
+            <a:schemeClr val="accent1"/>
+          </a:lnRef>
+          <a:fillRef idx="0">
+            <a:schemeClr val="accent1"/>
+          </a:fillRef>
+          <a:effectRef idx="0">
+            <a:schemeClr val="accent1"/>
+          </a:effectRef>
+          <a:fontRef idx="minor">
+            <a:schemeClr val="tx1"/>
+          </a:fontRef>
+        </p:style>
+      </p:cxnSp>
+      <p:sp>
+        <p:nvSpPr>
+          <p:cNvPr id="104" name="Textfeld 103">
+            <a:extLst>
+              <a:ext uri="{FF2B5EF4-FFF2-40B4-BE49-F238E27FC236}">
+                <a16:creationId xmlns:a16="http://schemas.microsoft.com/office/drawing/2014/main" id="{F00A1F48-1DA0-094F-9793-E7D8BA8977A4}"/>
+              </a:ext>
+            </a:extLst>
+          </p:cNvPr>
+          <p:cNvSpPr txBox="1"/>
+          <p:nvPr/>
+        </p:nvSpPr>
+        <p:spPr>
+          <a:xfrm>
+            <a:off x="6661175" y="2416228"/>
+            <a:ext cx="1444675" cy="307777"/>
+          </a:xfrm>
+          <a:prstGeom prst="rect">
+            <a:avLst/>
+          </a:prstGeom>
+          <a:noFill/>
+        </p:spPr>
+        <p:txBody>
+          <a:bodyPr wrap="square" rtlCol="0">
+            <a:spAutoFit/>
+          </a:bodyPr>
+          <a:lstStyle/>
+          <a:p>
+            <a:r>
+              <a:rPr lang="de-DE" sz="1400" dirty="0"/>
+              <a:t>Öffnungszeiten:</a:t>
+            </a:r>
+          </a:p>
+        </p:txBody>
+      </p:sp>
+      <p:grpSp>
+        <p:nvGrpSpPr>
+          <p:cNvPr id="132" name="Gruppieren 131">
+            <a:extLst>
+              <a:ext uri="{FF2B5EF4-FFF2-40B4-BE49-F238E27FC236}">
+                <a16:creationId xmlns:a16="http://schemas.microsoft.com/office/drawing/2014/main" id="{7A74C990-4A84-DD48-B161-027BEC3027E2}"/>
+              </a:ext>
+            </a:extLst>
+          </p:cNvPr>
+          <p:cNvGrpSpPr/>
+          <p:nvPr/>
+        </p:nvGrpSpPr>
+        <p:grpSpPr>
+          <a:xfrm>
+            <a:off x="6432434" y="2889425"/>
+            <a:ext cx="2221236" cy="341093"/>
+            <a:chOff x="6432434" y="2889425"/>
+            <a:chExt cx="2221236" cy="341093"/>
+          </a:xfrm>
+        </p:grpSpPr>
+        <p:sp>
+          <p:nvSpPr>
+            <p:cNvPr id="125" name="Rechteck 124">
+              <a:extLst>
+                <a:ext uri="{FF2B5EF4-FFF2-40B4-BE49-F238E27FC236}">
+                  <a16:creationId xmlns:a16="http://schemas.microsoft.com/office/drawing/2014/main" id="{C3FF04E2-13FC-1D49-AACB-E2A5543988A5}"/>
+                </a:ext>
+              </a:extLst>
+            </p:cNvPr>
+            <p:cNvSpPr/>
+            <p:nvPr/>
+          </p:nvSpPr>
+          <p:spPr>
+            <a:xfrm>
+              <a:off x="6432434" y="2889425"/>
+              <a:ext cx="2221236" cy="341093"/>
+            </a:xfrm>
+            <a:prstGeom prst="rect">
+              <a:avLst/>
+            </a:prstGeom>
+            <a:solidFill>
+              <a:schemeClr val="bg1"/>
+            </a:solidFill>
+            <a:ln w="38100"/>
+          </p:spPr>
+          <p:style>
+            <a:lnRef idx="2">
+              <a:schemeClr val="accent1">
+                <a:shade val="50000"/>
+              </a:schemeClr>
+            </a:lnRef>
+            <a:fillRef idx="1">
+              <a:schemeClr val="accent1"/>
+            </a:fillRef>
+            <a:effectRef idx="0">
+              <a:schemeClr val="accent1"/>
+            </a:effectRef>
+            <a:fontRef idx="minor">
+              <a:schemeClr val="lt1"/>
+            </a:fontRef>
+          </p:style>
+          <p:txBody>
+            <a:bodyPr rtlCol="0" anchor="ctr"/>
+            <a:lstStyle/>
+            <a:p>
+              <a:pPr algn="ctr"/>
+              <a:endParaRPr lang="de-DE" dirty="0"/>
+            </a:p>
+          </p:txBody>
+        </p:sp>
+        <p:cxnSp>
+          <p:nvCxnSpPr>
+            <p:cNvPr id="126" name="Gerade Verbindung 125">
+              <a:extLst>
+                <a:ext uri="{FF2B5EF4-FFF2-40B4-BE49-F238E27FC236}">
+                  <a16:creationId xmlns:a16="http://schemas.microsoft.com/office/drawing/2014/main" id="{D2D91224-7C54-FC43-9B4C-98F9D433B4CB}"/>
+                </a:ext>
+              </a:extLst>
+            </p:cNvPr>
+            <p:cNvCxnSpPr>
+              <a:cxnSpLocks/>
+            </p:cNvCxnSpPr>
+            <p:nvPr/>
+          </p:nvCxnSpPr>
+          <p:spPr>
+            <a:xfrm flipV="1">
+              <a:off x="6900361" y="2889425"/>
+              <a:ext cx="0" cy="341093"/>
+            </a:xfrm>
+            <a:prstGeom prst="line">
+              <a:avLst/>
+            </a:prstGeom>
+            <a:ln w="38100"/>
+          </p:spPr>
+          <p:style>
+            <a:lnRef idx="1">
+              <a:schemeClr val="accent1"/>
+            </a:lnRef>
+            <a:fillRef idx="0">
+              <a:schemeClr val="accent1"/>
+            </a:fillRef>
+            <a:effectRef idx="0">
+              <a:schemeClr val="accent1"/>
+            </a:effectRef>
+            <a:fontRef idx="minor">
+              <a:schemeClr val="tx1"/>
+            </a:fontRef>
+          </p:style>
+        </p:cxnSp>
+        <p:sp>
+          <p:nvSpPr>
+            <p:cNvPr id="130" name="Textfeld 129">
+              <a:extLst>
+                <a:ext uri="{FF2B5EF4-FFF2-40B4-BE49-F238E27FC236}">
+                  <a16:creationId xmlns:a16="http://schemas.microsoft.com/office/drawing/2014/main" id="{84A5B098-1538-9249-A8DD-2F4298108FF0}"/>
+                </a:ext>
+              </a:extLst>
+            </p:cNvPr>
+            <p:cNvSpPr txBox="1"/>
+            <p:nvPr/>
+          </p:nvSpPr>
+          <p:spPr>
+            <a:xfrm>
+              <a:off x="6498695" y="2915479"/>
+              <a:ext cx="336610" cy="276999"/>
+            </a:xfrm>
+            <a:prstGeom prst="rect">
+              <a:avLst/>
+            </a:prstGeom>
+            <a:noFill/>
+          </p:spPr>
+          <p:txBody>
+            <a:bodyPr wrap="square" rtlCol="0">
+              <a:spAutoFit/>
+            </a:bodyPr>
+            <a:lstStyle/>
+            <a:p>
+              <a:r>
+                <a:rPr lang="de-DE" sz="1200" dirty="0"/>
+                <a:t>So</a:t>
+              </a:r>
+            </a:p>
+          </p:txBody>
+        </p:sp>
+        <p:sp>
+          <p:nvSpPr>
+            <p:cNvPr id="131" name="Textfeld 130">
+              <a:extLst>
+                <a:ext uri="{FF2B5EF4-FFF2-40B4-BE49-F238E27FC236}">
+                  <a16:creationId xmlns:a16="http://schemas.microsoft.com/office/drawing/2014/main" id="{EA543009-9127-B245-B3A0-453D14986068}"/>
+                </a:ext>
+              </a:extLst>
+            </p:cNvPr>
+            <p:cNvSpPr txBox="1"/>
+            <p:nvPr/>
+          </p:nvSpPr>
+          <p:spPr>
+            <a:xfrm>
+              <a:off x="6942088" y="2926531"/>
+              <a:ext cx="1711581" cy="276999"/>
+            </a:xfrm>
+            <a:prstGeom prst="rect">
+              <a:avLst/>
+            </a:prstGeom>
+            <a:noFill/>
+          </p:spPr>
+          <p:txBody>
+            <a:bodyPr wrap="square" rtlCol="0">
+              <a:spAutoFit/>
+            </a:bodyPr>
+            <a:lstStyle/>
+            <a:p>
+              <a:r>
+                <a:rPr lang="de-DE" sz="1200" dirty="0"/>
+                <a:t>10:00 – 12.00</a:t>
+              </a:r>
+            </a:p>
+          </p:txBody>
+        </p:sp>
+      </p:grpSp>
+      <p:grpSp>
+        <p:nvGrpSpPr>
+          <p:cNvPr id="133" name="Gruppieren 132">
+            <a:extLst>
+              <a:ext uri="{FF2B5EF4-FFF2-40B4-BE49-F238E27FC236}">
+                <a16:creationId xmlns:a16="http://schemas.microsoft.com/office/drawing/2014/main" id="{EAC94A14-A623-194E-89EE-CAE42F6F1208}"/>
+              </a:ext>
+            </a:extLst>
+          </p:cNvPr>
+          <p:cNvGrpSpPr/>
+          <p:nvPr/>
+        </p:nvGrpSpPr>
+        <p:grpSpPr>
+          <a:xfrm>
+            <a:off x="6432434" y="3388738"/>
+            <a:ext cx="2221236" cy="341093"/>
+            <a:chOff x="6432434" y="2889425"/>
+            <a:chExt cx="2221236" cy="341093"/>
+          </a:xfrm>
+        </p:grpSpPr>
+        <p:sp>
+          <p:nvSpPr>
+            <p:cNvPr id="134" name="Rechteck 133">
+              <a:extLst>
+                <a:ext uri="{FF2B5EF4-FFF2-40B4-BE49-F238E27FC236}">
+                  <a16:creationId xmlns:a16="http://schemas.microsoft.com/office/drawing/2014/main" id="{B25CF4A4-2B59-FC44-83CE-5601F2075964}"/>
+                </a:ext>
+              </a:extLst>
+            </p:cNvPr>
+            <p:cNvSpPr/>
+            <p:nvPr/>
+          </p:nvSpPr>
+          <p:spPr>
+            <a:xfrm>
+              <a:off x="6432434" y="2889425"/>
+              <a:ext cx="2221236" cy="341093"/>
+            </a:xfrm>
+            <a:prstGeom prst="rect">
+              <a:avLst/>
+            </a:prstGeom>
+            <a:solidFill>
+              <a:schemeClr val="bg1"/>
+            </a:solidFill>
+            <a:ln w="38100"/>
+          </p:spPr>
+          <p:style>
+            <a:lnRef idx="2">
+              <a:schemeClr val="accent1">
+                <a:shade val="50000"/>
+              </a:schemeClr>
+            </a:lnRef>
+            <a:fillRef idx="1">
+              <a:schemeClr val="accent1"/>
+            </a:fillRef>
+            <a:effectRef idx="0">
+              <a:schemeClr val="accent1"/>
+            </a:effectRef>
+            <a:fontRef idx="minor">
+              <a:schemeClr val="lt1"/>
+            </a:fontRef>
+          </p:style>
+          <p:txBody>
+            <a:bodyPr rtlCol="0" anchor="ctr"/>
+            <a:lstStyle/>
+            <a:p>
+              <a:pPr algn="ctr"/>
+              <a:endParaRPr lang="de-DE" dirty="0"/>
+            </a:p>
+          </p:txBody>
+        </p:sp>
+        <p:cxnSp>
+          <p:nvCxnSpPr>
+            <p:cNvPr id="135" name="Gerade Verbindung 134">
+              <a:extLst>
+                <a:ext uri="{FF2B5EF4-FFF2-40B4-BE49-F238E27FC236}">
+                  <a16:creationId xmlns:a16="http://schemas.microsoft.com/office/drawing/2014/main" id="{D2F3AD0D-CCB9-2540-8DF4-7E4361901C94}"/>
+                </a:ext>
+              </a:extLst>
+            </p:cNvPr>
+            <p:cNvCxnSpPr>
+              <a:cxnSpLocks/>
+            </p:cNvCxnSpPr>
+            <p:nvPr/>
+          </p:nvCxnSpPr>
+          <p:spPr>
+            <a:xfrm flipV="1">
+              <a:off x="6900361" y="2889425"/>
+              <a:ext cx="0" cy="341093"/>
+            </a:xfrm>
+            <a:prstGeom prst="line">
+              <a:avLst/>
+            </a:prstGeom>
+            <a:ln w="38100"/>
+          </p:spPr>
+          <p:style>
+            <a:lnRef idx="1">
+              <a:schemeClr val="accent1"/>
+            </a:lnRef>
+            <a:fillRef idx="0">
+              <a:schemeClr val="accent1"/>
+            </a:fillRef>
+            <a:effectRef idx="0">
+              <a:schemeClr val="accent1"/>
+            </a:effectRef>
+            <a:fontRef idx="minor">
+              <a:schemeClr val="tx1"/>
+            </a:fontRef>
+          </p:style>
+        </p:cxnSp>
+        <p:sp>
+          <p:nvSpPr>
+            <p:cNvPr id="136" name="Textfeld 135">
+              <a:extLst>
+                <a:ext uri="{FF2B5EF4-FFF2-40B4-BE49-F238E27FC236}">
+                  <a16:creationId xmlns:a16="http://schemas.microsoft.com/office/drawing/2014/main" id="{1F238886-BC23-F746-B00F-9B454353AAA6}"/>
+                </a:ext>
+              </a:extLst>
+            </p:cNvPr>
+            <p:cNvSpPr txBox="1"/>
+            <p:nvPr/>
+          </p:nvSpPr>
+          <p:spPr>
+            <a:xfrm>
+              <a:off x="6498695" y="2915479"/>
+              <a:ext cx="409680" cy="276999"/>
+            </a:xfrm>
+            <a:prstGeom prst="rect">
+              <a:avLst/>
+            </a:prstGeom>
+            <a:noFill/>
+          </p:spPr>
+          <p:txBody>
+            <a:bodyPr wrap="square" rtlCol="0">
+              <a:spAutoFit/>
+            </a:bodyPr>
+            <a:lstStyle/>
+            <a:p>
+              <a:r>
+                <a:rPr lang="de-DE" sz="1200" dirty="0"/>
+                <a:t>Mo</a:t>
+              </a:r>
+            </a:p>
+          </p:txBody>
+        </p:sp>
+        <p:sp>
+          <p:nvSpPr>
+            <p:cNvPr id="137" name="Textfeld 136">
+              <a:extLst>
+                <a:ext uri="{FF2B5EF4-FFF2-40B4-BE49-F238E27FC236}">
+                  <a16:creationId xmlns:a16="http://schemas.microsoft.com/office/drawing/2014/main" id="{866DDA9C-2C68-F744-9CAB-CDE92DE18149}"/>
+                </a:ext>
+              </a:extLst>
+            </p:cNvPr>
+            <p:cNvSpPr txBox="1"/>
+            <p:nvPr/>
+          </p:nvSpPr>
+          <p:spPr>
+            <a:xfrm>
+              <a:off x="6942088" y="2926531"/>
+              <a:ext cx="1711581" cy="276999"/>
+            </a:xfrm>
+            <a:prstGeom prst="rect">
+              <a:avLst/>
+            </a:prstGeom>
+            <a:noFill/>
+          </p:spPr>
+          <p:txBody>
+            <a:bodyPr wrap="square" rtlCol="0">
+              <a:spAutoFit/>
+            </a:bodyPr>
+            <a:lstStyle/>
+            <a:p>
+              <a:r>
+                <a:rPr lang="de-DE" sz="1200" dirty="0"/>
+                <a:t>10:00 – 12.00</a:t>
+              </a:r>
+            </a:p>
+          </p:txBody>
+        </p:sp>
+      </p:grpSp>
+      <p:grpSp>
+        <p:nvGrpSpPr>
+          <p:cNvPr id="138" name="Gruppieren 137">
+            <a:extLst>
+              <a:ext uri="{FF2B5EF4-FFF2-40B4-BE49-F238E27FC236}">
+                <a16:creationId xmlns:a16="http://schemas.microsoft.com/office/drawing/2014/main" id="{A027333A-AC96-7841-9790-1FE572879F43}"/>
+              </a:ext>
+            </a:extLst>
+          </p:cNvPr>
+          <p:cNvGrpSpPr/>
+          <p:nvPr/>
+        </p:nvGrpSpPr>
+        <p:grpSpPr>
+          <a:xfrm>
+            <a:off x="6449289" y="3791770"/>
+            <a:ext cx="2221236" cy="627291"/>
+            <a:chOff x="6432434" y="2855584"/>
+            <a:chExt cx="2221236" cy="461665"/>
+          </a:xfrm>
+        </p:grpSpPr>
+        <p:sp>
+          <p:nvSpPr>
+            <p:cNvPr id="139" name="Rechteck 138">
+              <a:extLst>
+                <a:ext uri="{FF2B5EF4-FFF2-40B4-BE49-F238E27FC236}">
+                  <a16:creationId xmlns:a16="http://schemas.microsoft.com/office/drawing/2014/main" id="{C494E288-EEFE-A14E-A4FE-4D7B76618B94}"/>
+                </a:ext>
+              </a:extLst>
+            </p:cNvPr>
+            <p:cNvSpPr/>
+            <p:nvPr/>
+          </p:nvSpPr>
+          <p:spPr>
+            <a:xfrm>
+              <a:off x="6432434" y="2889425"/>
+              <a:ext cx="2221236" cy="308665"/>
+            </a:xfrm>
+            <a:prstGeom prst="rect">
+              <a:avLst/>
+            </a:prstGeom>
+            <a:solidFill>
+              <a:schemeClr val="bg1"/>
+            </a:solidFill>
+            <a:ln w="38100"/>
+          </p:spPr>
+          <p:style>
+            <a:lnRef idx="2">
+              <a:schemeClr val="accent1">
+                <a:shade val="50000"/>
+              </a:schemeClr>
+            </a:lnRef>
+            <a:fillRef idx="1">
+              <a:schemeClr val="accent1"/>
+            </a:fillRef>
+            <a:effectRef idx="0">
+              <a:schemeClr val="accent1"/>
+            </a:effectRef>
+            <a:fontRef idx="minor">
+              <a:schemeClr val="lt1"/>
+            </a:fontRef>
+          </p:style>
+          <p:txBody>
+            <a:bodyPr rtlCol="0" anchor="ctr"/>
+            <a:lstStyle/>
+            <a:p>
+              <a:pPr algn="ctr"/>
+              <a:endParaRPr lang="de-DE" dirty="0"/>
+            </a:p>
+          </p:txBody>
+        </p:sp>
+        <p:cxnSp>
+          <p:nvCxnSpPr>
+            <p:cNvPr id="140" name="Gerade Verbindung 139">
+              <a:extLst>
+                <a:ext uri="{FF2B5EF4-FFF2-40B4-BE49-F238E27FC236}">
+                  <a16:creationId xmlns:a16="http://schemas.microsoft.com/office/drawing/2014/main" id="{31843DEE-D31D-4544-916A-1A96E2F91142}"/>
+                </a:ext>
+              </a:extLst>
+            </p:cNvPr>
+            <p:cNvCxnSpPr>
+              <a:cxnSpLocks/>
+            </p:cNvCxnSpPr>
+            <p:nvPr/>
+          </p:nvCxnSpPr>
+          <p:spPr>
+            <a:xfrm flipV="1">
+              <a:off x="6900361" y="2889425"/>
+              <a:ext cx="0" cy="341093"/>
+            </a:xfrm>
+            <a:prstGeom prst="line">
+              <a:avLst/>
+            </a:prstGeom>
+            <a:ln w="38100"/>
+          </p:spPr>
+          <p:style>
+            <a:lnRef idx="1">
+              <a:schemeClr val="accent1"/>
+            </a:lnRef>
+            <a:fillRef idx="0">
+              <a:schemeClr val="accent1"/>
+            </a:fillRef>
+            <a:effectRef idx="0">
+              <a:schemeClr val="accent1"/>
+            </a:effectRef>
+            <a:fontRef idx="minor">
+              <a:schemeClr val="tx1"/>
+            </a:fontRef>
+          </p:style>
+        </p:cxnSp>
+        <p:sp>
+          <p:nvSpPr>
+            <p:cNvPr id="141" name="Textfeld 140">
+              <a:extLst>
+                <a:ext uri="{FF2B5EF4-FFF2-40B4-BE49-F238E27FC236}">
+                  <a16:creationId xmlns:a16="http://schemas.microsoft.com/office/drawing/2014/main" id="{5DCD07B9-7182-944E-9846-4F6137860FC7}"/>
+                </a:ext>
+              </a:extLst>
+            </p:cNvPr>
+            <p:cNvSpPr txBox="1"/>
+            <p:nvPr/>
+          </p:nvSpPr>
+          <p:spPr>
+            <a:xfrm>
+              <a:off x="6498695" y="2950289"/>
+              <a:ext cx="336610" cy="276999"/>
+            </a:xfrm>
+            <a:prstGeom prst="rect">
+              <a:avLst/>
+            </a:prstGeom>
+            <a:noFill/>
+          </p:spPr>
+          <p:txBody>
+            <a:bodyPr wrap="square" rtlCol="0">
+              <a:spAutoFit/>
+            </a:bodyPr>
+            <a:lstStyle/>
+            <a:p>
+              <a:r>
+                <a:rPr lang="de-DE" sz="1200" dirty="0"/>
+                <a:t>Di</a:t>
+              </a:r>
+            </a:p>
+          </p:txBody>
+        </p:sp>
+        <p:sp>
+          <p:nvSpPr>
+            <p:cNvPr id="142" name="Textfeld 141">
+              <a:extLst>
+                <a:ext uri="{FF2B5EF4-FFF2-40B4-BE49-F238E27FC236}">
+                  <a16:creationId xmlns:a16="http://schemas.microsoft.com/office/drawing/2014/main" id="{98CBB2A4-3408-1F46-8BD5-0A6717562966}"/>
+                </a:ext>
+              </a:extLst>
+            </p:cNvPr>
+            <p:cNvSpPr txBox="1"/>
+            <p:nvPr/>
+          </p:nvSpPr>
+          <p:spPr>
+            <a:xfrm>
+              <a:off x="6942088" y="2855584"/>
+              <a:ext cx="1711581" cy="461665"/>
+            </a:xfrm>
+            <a:prstGeom prst="rect">
+              <a:avLst/>
+            </a:prstGeom>
+            <a:noFill/>
+          </p:spPr>
+          <p:txBody>
+            <a:bodyPr wrap="square" rtlCol="0">
+              <a:spAutoFit/>
+            </a:bodyPr>
+            <a:lstStyle/>
+            <a:p>
+              <a:r>
+                <a:rPr lang="de-DE" sz="1200" dirty="0"/>
+                <a:t>10:00 – 12.00</a:t>
+              </a:r>
+            </a:p>
+            <a:p>
+              <a:r>
+                <a:rPr lang="de-DE" sz="1200" dirty="0"/>
+                <a:t>13:00 – 15:00</a:t>
+              </a:r>
+            </a:p>
+          </p:txBody>
+        </p:sp>
+      </p:grpSp>
+      <p:grpSp>
+        <p:nvGrpSpPr>
+          <p:cNvPr id="143" name="Gruppieren 142">
+            <a:extLst>
+              <a:ext uri="{FF2B5EF4-FFF2-40B4-BE49-F238E27FC236}">
+                <a16:creationId xmlns:a16="http://schemas.microsoft.com/office/drawing/2014/main" id="{41D64B12-AC39-CF4C-9EA6-40C43FF591AC}"/>
+              </a:ext>
+            </a:extLst>
+          </p:cNvPr>
+          <p:cNvGrpSpPr/>
+          <p:nvPr/>
+        </p:nvGrpSpPr>
+        <p:grpSpPr>
+          <a:xfrm>
+            <a:off x="6432434" y="4381574"/>
+            <a:ext cx="2221236" cy="341093"/>
+            <a:chOff x="6432434" y="2889425"/>
+            <a:chExt cx="2221236" cy="341093"/>
+          </a:xfrm>
+        </p:grpSpPr>
+        <p:sp>
+          <p:nvSpPr>
+            <p:cNvPr id="144" name="Rechteck 143">
+              <a:extLst>
+                <a:ext uri="{FF2B5EF4-FFF2-40B4-BE49-F238E27FC236}">
+                  <a16:creationId xmlns:a16="http://schemas.microsoft.com/office/drawing/2014/main" id="{32D14FCA-2D71-334D-B5B0-FE02AF80AFC9}"/>
+                </a:ext>
+              </a:extLst>
+            </p:cNvPr>
+            <p:cNvSpPr/>
+            <p:nvPr/>
+          </p:nvSpPr>
+          <p:spPr>
+            <a:xfrm>
+              <a:off x="6432434" y="2889425"/>
+              <a:ext cx="2221236" cy="341093"/>
+            </a:xfrm>
+            <a:prstGeom prst="rect">
+              <a:avLst/>
+            </a:prstGeom>
+            <a:solidFill>
+              <a:schemeClr val="bg1"/>
+            </a:solidFill>
+            <a:ln w="38100"/>
+          </p:spPr>
+          <p:style>
+            <a:lnRef idx="2">
+              <a:schemeClr val="accent1">
+                <a:shade val="50000"/>
+              </a:schemeClr>
+            </a:lnRef>
+            <a:fillRef idx="1">
+              <a:schemeClr val="accent1"/>
+            </a:fillRef>
+            <a:effectRef idx="0">
+              <a:schemeClr val="accent1"/>
+            </a:effectRef>
+            <a:fontRef idx="minor">
+              <a:schemeClr val="lt1"/>
+            </a:fontRef>
+          </p:style>
+          <p:txBody>
+            <a:bodyPr rtlCol="0" anchor="ctr"/>
+            <a:lstStyle/>
+            <a:p>
+              <a:pPr algn="ctr"/>
+              <a:endParaRPr lang="de-DE" dirty="0"/>
+            </a:p>
+          </p:txBody>
+        </p:sp>
+        <p:cxnSp>
+          <p:nvCxnSpPr>
+            <p:cNvPr id="145" name="Gerade Verbindung 144">
+              <a:extLst>
+                <a:ext uri="{FF2B5EF4-FFF2-40B4-BE49-F238E27FC236}">
+                  <a16:creationId xmlns:a16="http://schemas.microsoft.com/office/drawing/2014/main" id="{2C6BCF4B-4841-0E49-BEAD-7E4304F58DE7}"/>
+                </a:ext>
+              </a:extLst>
+            </p:cNvPr>
+            <p:cNvCxnSpPr>
+              <a:cxnSpLocks/>
+            </p:cNvCxnSpPr>
+            <p:nvPr/>
+          </p:nvCxnSpPr>
+          <p:spPr>
+            <a:xfrm flipV="1">
+              <a:off x="6900361" y="2889425"/>
+              <a:ext cx="0" cy="341093"/>
+            </a:xfrm>
+            <a:prstGeom prst="line">
+              <a:avLst/>
+            </a:prstGeom>
+            <a:ln w="38100"/>
+          </p:spPr>
+          <p:style>
+            <a:lnRef idx="1">
+              <a:schemeClr val="accent1"/>
+            </a:lnRef>
+            <a:fillRef idx="0">
+              <a:schemeClr val="accent1"/>
+            </a:fillRef>
+            <a:effectRef idx="0">
+              <a:schemeClr val="accent1"/>
+            </a:effectRef>
+            <a:fontRef idx="minor">
+              <a:schemeClr val="tx1"/>
+            </a:fontRef>
+          </p:style>
+        </p:cxnSp>
+        <p:sp>
+          <p:nvSpPr>
+            <p:cNvPr id="146" name="Textfeld 145">
+              <a:extLst>
+                <a:ext uri="{FF2B5EF4-FFF2-40B4-BE49-F238E27FC236}">
+                  <a16:creationId xmlns:a16="http://schemas.microsoft.com/office/drawing/2014/main" id="{FB277DEE-7AB7-6A47-8BD0-84938FCA359D}"/>
+                </a:ext>
+              </a:extLst>
+            </p:cNvPr>
+            <p:cNvSpPr txBox="1"/>
+            <p:nvPr/>
+          </p:nvSpPr>
+          <p:spPr>
+            <a:xfrm>
+              <a:off x="6498694" y="2915479"/>
+              <a:ext cx="388041" cy="276999"/>
+            </a:xfrm>
+            <a:prstGeom prst="rect">
+              <a:avLst/>
+            </a:prstGeom>
+            <a:noFill/>
+          </p:spPr>
+          <p:txBody>
+            <a:bodyPr wrap="square" rtlCol="0">
+              <a:spAutoFit/>
+            </a:bodyPr>
+            <a:lstStyle/>
+            <a:p>
+              <a:r>
+                <a:rPr lang="de-DE" sz="1200" dirty="0"/>
+                <a:t>Mi</a:t>
+              </a:r>
+            </a:p>
+          </p:txBody>
+        </p:sp>
+        <p:sp>
+          <p:nvSpPr>
+            <p:cNvPr id="147" name="Textfeld 146">
+              <a:extLst>
+                <a:ext uri="{FF2B5EF4-FFF2-40B4-BE49-F238E27FC236}">
+                  <a16:creationId xmlns:a16="http://schemas.microsoft.com/office/drawing/2014/main" id="{6048F4FA-D386-0942-B583-F93E122FC662}"/>
+                </a:ext>
+              </a:extLst>
+            </p:cNvPr>
+            <p:cNvSpPr txBox="1"/>
+            <p:nvPr/>
+          </p:nvSpPr>
+          <p:spPr>
+            <a:xfrm>
+              <a:off x="6942088" y="2926531"/>
+              <a:ext cx="1711581" cy="276999"/>
+            </a:xfrm>
+            <a:prstGeom prst="rect">
+              <a:avLst/>
+            </a:prstGeom>
+            <a:noFill/>
+          </p:spPr>
+          <p:txBody>
+            <a:bodyPr wrap="square" rtlCol="0">
+              <a:spAutoFit/>
+            </a:bodyPr>
+            <a:lstStyle/>
+            <a:p>
+              <a:r>
+                <a:rPr lang="de-DE" sz="1200" dirty="0"/>
+                <a:t>10:00 – 12.00</a:t>
+              </a:r>
+            </a:p>
+          </p:txBody>
+        </p:sp>
+      </p:grpSp>
+      <p:grpSp>
+        <p:nvGrpSpPr>
+          <p:cNvPr id="148" name="Gruppieren 147">
+            <a:extLst>
+              <a:ext uri="{FF2B5EF4-FFF2-40B4-BE49-F238E27FC236}">
+                <a16:creationId xmlns:a16="http://schemas.microsoft.com/office/drawing/2014/main" id="{0D705B04-133D-A84B-ABF4-EBD13FFFC144}"/>
+              </a:ext>
+            </a:extLst>
+          </p:cNvPr>
+          <p:cNvGrpSpPr/>
+          <p:nvPr/>
+        </p:nvGrpSpPr>
+        <p:grpSpPr>
+          <a:xfrm>
+            <a:off x="6428499" y="4855685"/>
+            <a:ext cx="2221236" cy="341093"/>
+            <a:chOff x="6432434" y="2889425"/>
+            <a:chExt cx="2221236" cy="341093"/>
+          </a:xfrm>
+        </p:grpSpPr>
+        <p:sp>
+          <p:nvSpPr>
+            <p:cNvPr id="149" name="Rechteck 148">
+              <a:extLst>
+                <a:ext uri="{FF2B5EF4-FFF2-40B4-BE49-F238E27FC236}">
+                  <a16:creationId xmlns:a16="http://schemas.microsoft.com/office/drawing/2014/main" id="{E8FB7B37-40DC-AF40-9713-27E882A4F6E0}"/>
+                </a:ext>
+              </a:extLst>
+            </p:cNvPr>
+            <p:cNvSpPr/>
+            <p:nvPr/>
+          </p:nvSpPr>
+          <p:spPr>
+            <a:xfrm>
+              <a:off x="6432434" y="2889425"/>
+              <a:ext cx="2221236" cy="341093"/>
+            </a:xfrm>
+            <a:prstGeom prst="rect">
+              <a:avLst/>
+            </a:prstGeom>
+            <a:solidFill>
+              <a:schemeClr val="bg1"/>
+            </a:solidFill>
+            <a:ln w="38100"/>
+          </p:spPr>
+          <p:style>
+            <a:lnRef idx="2">
+              <a:schemeClr val="accent1">
+                <a:shade val="50000"/>
+              </a:schemeClr>
+            </a:lnRef>
+            <a:fillRef idx="1">
+              <a:schemeClr val="accent1"/>
+            </a:fillRef>
+            <a:effectRef idx="0">
+              <a:schemeClr val="accent1"/>
+            </a:effectRef>
+            <a:fontRef idx="minor">
+              <a:schemeClr val="lt1"/>
+            </a:fontRef>
+          </p:style>
+          <p:txBody>
+            <a:bodyPr rtlCol="0" anchor="ctr"/>
+            <a:lstStyle/>
+            <a:p>
+              <a:pPr algn="ctr"/>
+              <a:endParaRPr lang="de-DE" dirty="0"/>
+            </a:p>
+          </p:txBody>
+        </p:sp>
+        <p:cxnSp>
+          <p:nvCxnSpPr>
+            <p:cNvPr id="150" name="Gerade Verbindung 149">
+              <a:extLst>
+                <a:ext uri="{FF2B5EF4-FFF2-40B4-BE49-F238E27FC236}">
+                  <a16:creationId xmlns:a16="http://schemas.microsoft.com/office/drawing/2014/main" id="{C5B459E0-6043-5A45-A19B-86C14B75338C}"/>
+                </a:ext>
+              </a:extLst>
+            </p:cNvPr>
+            <p:cNvCxnSpPr>
+              <a:cxnSpLocks/>
+            </p:cNvCxnSpPr>
+            <p:nvPr/>
+          </p:nvCxnSpPr>
+          <p:spPr>
+            <a:xfrm flipV="1">
+              <a:off x="6900361" y="2889425"/>
+              <a:ext cx="0" cy="341093"/>
+            </a:xfrm>
+            <a:prstGeom prst="line">
+              <a:avLst/>
+            </a:prstGeom>
+            <a:ln w="38100"/>
+          </p:spPr>
+          <p:style>
+            <a:lnRef idx="1">
+              <a:schemeClr val="accent1"/>
+            </a:lnRef>
+            <a:fillRef idx="0">
+              <a:schemeClr val="accent1"/>
+            </a:fillRef>
+            <a:effectRef idx="0">
+              <a:schemeClr val="accent1"/>
+            </a:effectRef>
+            <a:fontRef idx="minor">
+              <a:schemeClr val="tx1"/>
+            </a:fontRef>
+          </p:style>
+        </p:cxnSp>
+        <p:sp>
+          <p:nvSpPr>
+            <p:cNvPr id="151" name="Textfeld 150">
+              <a:extLst>
+                <a:ext uri="{FF2B5EF4-FFF2-40B4-BE49-F238E27FC236}">
+                  <a16:creationId xmlns:a16="http://schemas.microsoft.com/office/drawing/2014/main" id="{F3A4D6FB-0FCF-E644-B442-38BEB5B6B4D7}"/>
+                </a:ext>
+              </a:extLst>
+            </p:cNvPr>
+            <p:cNvSpPr txBox="1"/>
+            <p:nvPr/>
+          </p:nvSpPr>
+          <p:spPr>
+            <a:xfrm>
+              <a:off x="6498694" y="2915479"/>
+              <a:ext cx="391975" cy="276999"/>
+            </a:xfrm>
+            <a:prstGeom prst="rect">
+              <a:avLst/>
+            </a:prstGeom>
+            <a:noFill/>
+          </p:spPr>
+          <p:txBody>
+            <a:bodyPr wrap="square" rtlCol="0">
+              <a:spAutoFit/>
+            </a:bodyPr>
+            <a:lstStyle/>
+            <a:p>
+              <a:r>
+                <a:rPr lang="de-DE" sz="1200" dirty="0"/>
+                <a:t>Do</a:t>
+              </a:r>
+            </a:p>
+          </p:txBody>
+        </p:sp>
+        <p:sp>
+          <p:nvSpPr>
+            <p:cNvPr id="152" name="Textfeld 151">
+              <a:extLst>
+                <a:ext uri="{FF2B5EF4-FFF2-40B4-BE49-F238E27FC236}">
+                  <a16:creationId xmlns:a16="http://schemas.microsoft.com/office/drawing/2014/main" id="{F4CFB119-428A-834A-963B-1893ED521DED}"/>
+                </a:ext>
+              </a:extLst>
+            </p:cNvPr>
+            <p:cNvSpPr txBox="1"/>
+            <p:nvPr/>
+          </p:nvSpPr>
+          <p:spPr>
+            <a:xfrm>
+              <a:off x="6942088" y="2926531"/>
+              <a:ext cx="1711581" cy="276999"/>
+            </a:xfrm>
+            <a:prstGeom prst="rect">
+              <a:avLst/>
+            </a:prstGeom>
+            <a:noFill/>
+          </p:spPr>
+          <p:txBody>
+            <a:bodyPr wrap="square" rtlCol="0">
+              <a:spAutoFit/>
+            </a:bodyPr>
+            <a:lstStyle/>
+            <a:p>
+              <a:r>
+                <a:rPr lang="de-DE" sz="1200" dirty="0"/>
+                <a:t>10:00 – 12.00</a:t>
+              </a:r>
+            </a:p>
+          </p:txBody>
+        </p:sp>
+      </p:grpSp>
+      <p:grpSp>
+        <p:nvGrpSpPr>
+          <p:cNvPr id="153" name="Gruppieren 152">
+            <a:extLst>
+              <a:ext uri="{FF2B5EF4-FFF2-40B4-BE49-F238E27FC236}">
+                <a16:creationId xmlns:a16="http://schemas.microsoft.com/office/drawing/2014/main" id="{0176BFC5-B334-304B-BF2E-DF2CBA0D53D2}"/>
+              </a:ext>
+            </a:extLst>
+          </p:cNvPr>
+          <p:cNvGrpSpPr/>
+          <p:nvPr/>
+        </p:nvGrpSpPr>
+        <p:grpSpPr>
+          <a:xfrm>
+            <a:off x="6440448" y="5375414"/>
+            <a:ext cx="2221236" cy="341093"/>
+            <a:chOff x="6432434" y="2889425"/>
+            <a:chExt cx="2221236" cy="341093"/>
+          </a:xfrm>
+        </p:grpSpPr>
+        <p:sp>
+          <p:nvSpPr>
+            <p:cNvPr id="154" name="Rechteck 153">
+              <a:extLst>
+                <a:ext uri="{FF2B5EF4-FFF2-40B4-BE49-F238E27FC236}">
+                  <a16:creationId xmlns:a16="http://schemas.microsoft.com/office/drawing/2014/main" id="{B9D7A9A5-7746-974B-BC5B-08DCCB1BC829}"/>
+                </a:ext>
+              </a:extLst>
+            </p:cNvPr>
+            <p:cNvSpPr/>
+            <p:nvPr/>
+          </p:nvSpPr>
+          <p:spPr>
+            <a:xfrm>
+              <a:off x="6432434" y="2889425"/>
+              <a:ext cx="2221236" cy="341093"/>
+            </a:xfrm>
+            <a:prstGeom prst="rect">
+              <a:avLst/>
+            </a:prstGeom>
+            <a:solidFill>
+              <a:schemeClr val="bg1"/>
+            </a:solidFill>
+            <a:ln w="38100"/>
+          </p:spPr>
+          <p:style>
+            <a:lnRef idx="2">
+              <a:schemeClr val="accent1">
+                <a:shade val="50000"/>
+              </a:schemeClr>
+            </a:lnRef>
+            <a:fillRef idx="1">
+              <a:schemeClr val="accent1"/>
+            </a:fillRef>
+            <a:effectRef idx="0">
+              <a:schemeClr val="accent1"/>
+            </a:effectRef>
+            <a:fontRef idx="minor">
+              <a:schemeClr val="lt1"/>
+            </a:fontRef>
+          </p:style>
+          <p:txBody>
+            <a:bodyPr rtlCol="0" anchor="ctr"/>
+            <a:lstStyle/>
+            <a:p>
+              <a:pPr algn="ctr"/>
+              <a:endParaRPr lang="de-DE" dirty="0"/>
+            </a:p>
+          </p:txBody>
+        </p:sp>
+        <p:cxnSp>
+          <p:nvCxnSpPr>
+            <p:cNvPr id="155" name="Gerade Verbindung 154">
+              <a:extLst>
+                <a:ext uri="{FF2B5EF4-FFF2-40B4-BE49-F238E27FC236}">
+                  <a16:creationId xmlns:a16="http://schemas.microsoft.com/office/drawing/2014/main" id="{CF137813-AC74-984E-9A66-BFEE8E11D6CB}"/>
+                </a:ext>
+              </a:extLst>
+            </p:cNvPr>
+            <p:cNvCxnSpPr>
+              <a:cxnSpLocks/>
+            </p:cNvCxnSpPr>
+            <p:nvPr/>
+          </p:nvCxnSpPr>
+          <p:spPr>
+            <a:xfrm flipV="1">
+              <a:off x="6900361" y="2889425"/>
+              <a:ext cx="0" cy="341093"/>
+            </a:xfrm>
+            <a:prstGeom prst="line">
+              <a:avLst/>
+            </a:prstGeom>
+            <a:ln w="38100"/>
+          </p:spPr>
+          <p:style>
+            <a:lnRef idx="1">
+              <a:schemeClr val="accent1"/>
+            </a:lnRef>
+            <a:fillRef idx="0">
+              <a:schemeClr val="accent1"/>
+            </a:fillRef>
+            <a:effectRef idx="0">
+              <a:schemeClr val="accent1"/>
+            </a:effectRef>
+            <a:fontRef idx="minor">
+              <a:schemeClr val="tx1"/>
+            </a:fontRef>
+          </p:style>
+        </p:cxnSp>
+        <p:sp>
+          <p:nvSpPr>
+            <p:cNvPr id="156" name="Textfeld 155">
+              <a:extLst>
+                <a:ext uri="{FF2B5EF4-FFF2-40B4-BE49-F238E27FC236}">
+                  <a16:creationId xmlns:a16="http://schemas.microsoft.com/office/drawing/2014/main" id="{5D0D18E9-AE03-BE40-A21E-ABD3BD14B40F}"/>
+                </a:ext>
+              </a:extLst>
+            </p:cNvPr>
+            <p:cNvSpPr txBox="1"/>
+            <p:nvPr/>
+          </p:nvSpPr>
+          <p:spPr>
+            <a:xfrm>
+              <a:off x="6498695" y="2915479"/>
+              <a:ext cx="336610" cy="276999"/>
+            </a:xfrm>
+            <a:prstGeom prst="rect">
+              <a:avLst/>
+            </a:prstGeom>
+            <a:noFill/>
+          </p:spPr>
+          <p:txBody>
+            <a:bodyPr wrap="square" rtlCol="0">
+              <a:spAutoFit/>
+            </a:bodyPr>
+            <a:lstStyle/>
+            <a:p>
+              <a:r>
+                <a:rPr lang="de-DE" sz="1200" dirty="0"/>
+                <a:t>Fr</a:t>
+              </a:r>
+            </a:p>
+          </p:txBody>
+        </p:sp>
+        <p:sp>
+          <p:nvSpPr>
+            <p:cNvPr id="157" name="Textfeld 156">
+              <a:extLst>
+                <a:ext uri="{FF2B5EF4-FFF2-40B4-BE49-F238E27FC236}">
+                  <a16:creationId xmlns:a16="http://schemas.microsoft.com/office/drawing/2014/main" id="{C7D8B1A7-55C0-3A49-990C-8E8012C245D6}"/>
+                </a:ext>
+              </a:extLst>
+            </p:cNvPr>
+            <p:cNvSpPr txBox="1"/>
+            <p:nvPr/>
+          </p:nvSpPr>
+          <p:spPr>
+            <a:xfrm>
+              <a:off x="6942088" y="2926531"/>
+              <a:ext cx="1711581" cy="276999"/>
+            </a:xfrm>
+            <a:prstGeom prst="rect">
+              <a:avLst/>
+            </a:prstGeom>
+            <a:noFill/>
+          </p:spPr>
+          <p:txBody>
+            <a:bodyPr wrap="square" rtlCol="0">
+              <a:spAutoFit/>
+            </a:bodyPr>
+            <a:lstStyle/>
+            <a:p>
+              <a:r>
+                <a:rPr lang="de-DE" sz="1200" dirty="0"/>
+                <a:t>10:00 – 12.00</a:t>
+              </a:r>
+            </a:p>
+          </p:txBody>
+        </p:sp>
+      </p:grpSp>
+      <p:grpSp>
+        <p:nvGrpSpPr>
+          <p:cNvPr id="158" name="Gruppieren 157">
+            <a:extLst>
+              <a:ext uri="{FF2B5EF4-FFF2-40B4-BE49-F238E27FC236}">
+                <a16:creationId xmlns:a16="http://schemas.microsoft.com/office/drawing/2014/main" id="{A3D70039-134E-4946-9EA4-69905ABBFC3B}"/>
+              </a:ext>
+            </a:extLst>
+          </p:cNvPr>
+          <p:cNvGrpSpPr/>
+          <p:nvPr/>
+        </p:nvGrpSpPr>
+        <p:grpSpPr>
+          <a:xfrm>
+            <a:off x="6440449" y="5828074"/>
+            <a:ext cx="2221236" cy="341093"/>
+            <a:chOff x="6432434" y="2889425"/>
+            <a:chExt cx="2221236" cy="341093"/>
+          </a:xfrm>
+        </p:grpSpPr>
+        <p:sp>
+          <p:nvSpPr>
+            <p:cNvPr id="159" name="Rechteck 158">
+              <a:extLst>
+                <a:ext uri="{FF2B5EF4-FFF2-40B4-BE49-F238E27FC236}">
+                  <a16:creationId xmlns:a16="http://schemas.microsoft.com/office/drawing/2014/main" id="{D3EA255F-0EC1-9846-B4FB-CACD249ED617}"/>
+                </a:ext>
+              </a:extLst>
+            </p:cNvPr>
+            <p:cNvSpPr/>
+            <p:nvPr/>
+          </p:nvSpPr>
+          <p:spPr>
+            <a:xfrm>
+              <a:off x="6432434" y="2889425"/>
+              <a:ext cx="2221236" cy="341093"/>
+            </a:xfrm>
+            <a:prstGeom prst="rect">
+              <a:avLst/>
+            </a:prstGeom>
+            <a:solidFill>
+              <a:schemeClr val="bg1"/>
+            </a:solidFill>
+            <a:ln w="38100"/>
+          </p:spPr>
+          <p:style>
+            <a:lnRef idx="2">
+              <a:schemeClr val="accent1">
+                <a:shade val="50000"/>
+              </a:schemeClr>
+            </a:lnRef>
+            <a:fillRef idx="1">
+              <a:schemeClr val="accent1"/>
+            </a:fillRef>
+            <a:effectRef idx="0">
+              <a:schemeClr val="accent1"/>
+            </a:effectRef>
+            <a:fontRef idx="minor">
+              <a:schemeClr val="lt1"/>
+            </a:fontRef>
+          </p:style>
+          <p:txBody>
+            <a:bodyPr rtlCol="0" anchor="ctr"/>
+            <a:lstStyle/>
+            <a:p>
+              <a:pPr algn="ctr"/>
+              <a:endParaRPr lang="de-DE" dirty="0"/>
+            </a:p>
+          </p:txBody>
+        </p:sp>
+        <p:cxnSp>
+          <p:nvCxnSpPr>
+            <p:cNvPr id="160" name="Gerade Verbindung 159">
+              <a:extLst>
+                <a:ext uri="{FF2B5EF4-FFF2-40B4-BE49-F238E27FC236}">
+                  <a16:creationId xmlns:a16="http://schemas.microsoft.com/office/drawing/2014/main" id="{38A7D939-427D-B046-A34A-E90324957778}"/>
+                </a:ext>
+              </a:extLst>
+            </p:cNvPr>
+            <p:cNvCxnSpPr>
+              <a:cxnSpLocks/>
+            </p:cNvCxnSpPr>
+            <p:nvPr/>
+          </p:nvCxnSpPr>
+          <p:spPr>
+            <a:xfrm flipV="1">
+              <a:off x="6900361" y="2889425"/>
+              <a:ext cx="0" cy="341093"/>
+            </a:xfrm>
+            <a:prstGeom prst="line">
+              <a:avLst/>
+            </a:prstGeom>
+            <a:ln w="38100"/>
+          </p:spPr>
+          <p:style>
+            <a:lnRef idx="1">
+              <a:schemeClr val="accent1"/>
+            </a:lnRef>
+            <a:fillRef idx="0">
+              <a:schemeClr val="accent1"/>
+            </a:fillRef>
+            <a:effectRef idx="0">
+              <a:schemeClr val="accent1"/>
+            </a:effectRef>
+            <a:fontRef idx="minor">
+              <a:schemeClr val="tx1"/>
+            </a:fontRef>
+          </p:style>
+        </p:cxnSp>
+        <p:sp>
+          <p:nvSpPr>
+            <p:cNvPr id="161" name="Textfeld 160">
+              <a:extLst>
+                <a:ext uri="{FF2B5EF4-FFF2-40B4-BE49-F238E27FC236}">
+                  <a16:creationId xmlns:a16="http://schemas.microsoft.com/office/drawing/2014/main" id="{E166DC25-9C6D-A548-8039-5B99AF4F76DD}"/>
+                </a:ext>
+              </a:extLst>
+            </p:cNvPr>
+            <p:cNvSpPr txBox="1"/>
+            <p:nvPr/>
+          </p:nvSpPr>
+          <p:spPr>
+            <a:xfrm>
+              <a:off x="6498695" y="2915479"/>
+              <a:ext cx="336610" cy="276999"/>
+            </a:xfrm>
+            <a:prstGeom prst="rect">
+              <a:avLst/>
+            </a:prstGeom>
+            <a:noFill/>
+          </p:spPr>
+          <p:txBody>
+            <a:bodyPr wrap="square" rtlCol="0">
+              <a:spAutoFit/>
+            </a:bodyPr>
+            <a:lstStyle/>
+            <a:p>
+              <a:r>
+                <a:rPr lang="de-DE" sz="1200" dirty="0"/>
+                <a:t>Sa</a:t>
+              </a:r>
+            </a:p>
+          </p:txBody>
+        </p:sp>
+        <p:sp>
+          <p:nvSpPr>
+            <p:cNvPr id="162" name="Textfeld 161">
+              <a:extLst>
+                <a:ext uri="{FF2B5EF4-FFF2-40B4-BE49-F238E27FC236}">
+                  <a16:creationId xmlns:a16="http://schemas.microsoft.com/office/drawing/2014/main" id="{62E5DC3E-6919-E94C-84CD-04A9848452AC}"/>
+                </a:ext>
+              </a:extLst>
+            </p:cNvPr>
+            <p:cNvSpPr txBox="1"/>
+            <p:nvPr/>
+          </p:nvSpPr>
+          <p:spPr>
+            <a:xfrm>
+              <a:off x="6942088" y="2926531"/>
+              <a:ext cx="1711581" cy="276999"/>
+            </a:xfrm>
+            <a:prstGeom prst="rect">
+              <a:avLst/>
+            </a:prstGeom>
+            <a:noFill/>
+          </p:spPr>
+          <p:txBody>
+            <a:bodyPr wrap="square" rtlCol="0">
+              <a:spAutoFit/>
+            </a:bodyPr>
+            <a:lstStyle/>
+            <a:p>
+              <a:r>
+                <a:rPr lang="de-DE" sz="1200" dirty="0"/>
+                <a:t>10:00 – 12.00</a:t>
+              </a:r>
+            </a:p>
+          </p:txBody>
+        </p:sp>
+      </p:grpSp>
     </p:spTree>
     <p:extLst>
       <p:ext uri="{BB962C8B-B14F-4D97-AF65-F5344CB8AC3E}">
-        <p14:creationId xmlns:p14="http://schemas.microsoft.com/office/powerpoint/2010/main" val="3448450959"/>
+        <p14:creationId xmlns:p14="http://schemas.microsoft.com/office/powerpoint/2010/main" val="1671168009"/>
       </p:ext>
     </p:extLst>
   </p:cSld>
@@ -5341,7 +10409,7 @@
           <a:p>
             <a:r>
               <a:rPr lang="de-DE" dirty="0"/>
-              <a:t>App Struktur 3</a:t>
+              <a:t>App Struktur 1</a:t>
             </a:r>
           </a:p>
         </p:txBody>
@@ -5370,84 +10438,165 @@
         </p:spPr>
         <p:txBody>
           <a:bodyPr>
-            <a:normAutofit/>
+            <a:normAutofit fontScale="92500" lnSpcReduction="10000"/>
           </a:bodyPr>
           <a:lstStyle/>
           <a:p>
             <a:r>
               <a:rPr lang="de-DE" dirty="0"/>
-              <a:t>UI 2</a:t>
-            </a:r>
+              <a:t>Base App</a:t>
+            </a:r>
+          </a:p>
+          <a:p>
+            <a:pPr lvl="2"/>
+            <a:r>
+              <a:rPr lang="de-DE" dirty="0" err="1"/>
+              <a:t>Application</a:t>
+            </a:r>
+            <a:r>
+              <a:rPr lang="de-DE" dirty="0"/>
+              <a:t> </a:t>
+            </a:r>
+            <a:r>
+              <a:rPr lang="de-DE" dirty="0" err="1"/>
+              <a:t>Delegate</a:t>
+            </a:r>
+            <a:r>
+              <a:rPr lang="de-DE" dirty="0"/>
+              <a:t>, Scene </a:t>
+            </a:r>
+            <a:r>
+              <a:rPr lang="de-DE" dirty="0" err="1"/>
+              <a:t>Delegate</a:t>
+            </a:r>
+            <a:endParaRPr lang="de-DE" dirty="0"/>
+          </a:p>
+          <a:p>
+            <a:pPr lvl="2"/>
+            <a:r>
+              <a:rPr lang="de-DE" dirty="0" err="1"/>
+              <a:t>Notification</a:t>
+            </a:r>
+            <a:r>
+              <a:rPr lang="de-DE" dirty="0"/>
+              <a:t> Name </a:t>
+            </a:r>
+            <a:r>
+              <a:rPr lang="de-DE" dirty="0" err="1"/>
+              <a:t>Extention</a:t>
+            </a:r>
+            <a:endParaRPr lang="de-DE" dirty="0"/>
+          </a:p>
+          <a:p>
+            <a:pPr lvl="2"/>
+            <a:r>
+              <a:rPr lang="de-DE" dirty="0"/>
+              <a:t>Error List</a:t>
+            </a:r>
+          </a:p>
+          <a:p>
+            <a:r>
+              <a:rPr lang="de-DE" dirty="0"/>
+              <a:t>Data </a:t>
+            </a:r>
+            <a:r>
+              <a:rPr lang="de-DE" dirty="0" err="1"/>
+              <a:t>Gathering</a:t>
+            </a:r>
+            <a:endParaRPr lang="de-DE" dirty="0"/>
           </a:p>
           <a:p>
             <a:pPr lvl="1"/>
             <a:r>
               <a:rPr lang="de-DE" dirty="0"/>
-              <a:t>Restaurant List</a:t>
+              <a:t>Restaurant Data</a:t>
             </a:r>
           </a:p>
           <a:p>
             <a:pPr lvl="2"/>
             <a:r>
+              <a:rPr lang="de-DE" dirty="0"/>
+              <a:t>REST Restaurant Data</a:t>
+            </a:r>
+          </a:p>
+          <a:p>
+            <a:pPr lvl="2"/>
+            <a:r>
+              <a:rPr lang="de-DE" dirty="0"/>
+              <a:t>JSON Restaurant Data</a:t>
+            </a:r>
+          </a:p>
+          <a:p>
+            <a:pPr lvl="1"/>
+            <a:r>
               <a:rPr lang="de-DE" dirty="0" err="1"/>
-              <a:t>RestaurantListViewController</a:t>
+              <a:t>Presentation</a:t>
+            </a:r>
+            <a:r>
+              <a:rPr lang="de-DE" dirty="0"/>
+              <a:t> Images</a:t>
+            </a:r>
+          </a:p>
+          <a:p>
+            <a:pPr lvl="2"/>
+            <a:r>
+              <a:rPr lang="de-DE" dirty="0" err="1"/>
+              <a:t>Presentation</a:t>
+            </a:r>
+            <a:r>
+              <a:rPr lang="de-DE" dirty="0"/>
+              <a:t> Image Data</a:t>
+            </a:r>
+          </a:p>
+          <a:p>
+            <a:pPr lvl="1"/>
+            <a:r>
+              <a:rPr lang="de-DE" dirty="0"/>
+              <a:t>Location Service</a:t>
+            </a:r>
+          </a:p>
+          <a:p>
+            <a:pPr lvl="2"/>
+            <a:r>
+              <a:rPr lang="de-DE" dirty="0" err="1"/>
+              <a:t>LocationService</a:t>
             </a:r>
             <a:endParaRPr lang="de-DE" dirty="0"/>
           </a:p>
           <a:p>
+            <a:r>
+              <a:rPr lang="de-DE" dirty="0"/>
+              <a:t>Data Store</a:t>
+            </a:r>
+          </a:p>
+          <a:p>
+            <a:pPr lvl="1"/>
+            <a:r>
+              <a:rPr lang="de-DE" dirty="0"/>
+              <a:t>Global Data</a:t>
+            </a:r>
+          </a:p>
+          <a:p>
             <a:pPr lvl="2"/>
             <a:r>
+              <a:rPr lang="de-DE" dirty="0"/>
+              <a:t>Restaurant Data inkl. </a:t>
+            </a:r>
+            <a:r>
               <a:rPr lang="de-DE" dirty="0" err="1"/>
-              <a:t>RestaurantListSearchBar</a:t>
-            </a:r>
-            <a:endParaRPr lang="de-DE" dirty="0"/>
+              <a:t>Presentation</a:t>
+            </a:r>
+            <a:r>
+              <a:rPr lang="de-DE" dirty="0"/>
+              <a:t> Images</a:t>
+            </a:r>
           </a:p>
           <a:p>
             <a:pPr lvl="2"/>
             <a:r>
-              <a:rPr lang="de-DE" dirty="0" err="1"/>
-              <a:t>RestaurantListTabViewController</a:t>
-            </a:r>
-            <a:endParaRPr lang="de-DE" dirty="0"/>
-          </a:p>
-          <a:p>
-            <a:pPr lvl="2"/>
-            <a:r>
-              <a:rPr lang="de-DE" dirty="0" err="1"/>
-              <a:t>RestaurantListTabViewCells</a:t>
-            </a:r>
-            <a:endParaRPr lang="de-DE" dirty="0"/>
-          </a:p>
-          <a:p>
-            <a:pPr lvl="1"/>
-            <a:r>
-              <a:rPr lang="de-DE" dirty="0"/>
-              <a:t>Restaurant Detail</a:t>
-            </a:r>
-          </a:p>
-          <a:p>
-            <a:pPr lvl="2"/>
-            <a:r>
-              <a:rPr lang="de-DE" dirty="0" err="1"/>
-              <a:t>RestaurantDetailViewController</a:t>
-            </a:r>
-            <a:endParaRPr lang="de-DE" dirty="0"/>
-          </a:p>
-          <a:p>
-            <a:pPr lvl="2"/>
-            <a:r>
-              <a:rPr lang="de-DE" dirty="0" err="1"/>
-              <a:t>RestaurantDetailTabViewController</a:t>
-            </a:r>
-            <a:endParaRPr lang="de-DE" dirty="0"/>
-          </a:p>
-          <a:p>
-            <a:pPr lvl="2"/>
-            <a:r>
-              <a:rPr lang="de-DE" dirty="0" err="1"/>
-              <a:t>RestaurantDetailTabViewCells</a:t>
-            </a:r>
-            <a:endParaRPr lang="de-DE" dirty="0"/>
+              <a:rPr lang="de-DE" dirty="0"/>
+              <a:t>User Data</a:t>
+            </a:r>
           </a:p>
           <a:p>
             <a:pPr lvl="1"/>
@@ -5469,7 +10618,7 @@
     </p:spTree>
     <p:extLst>
       <p:ext uri="{BB962C8B-B14F-4D97-AF65-F5344CB8AC3E}">
-        <p14:creationId xmlns:p14="http://schemas.microsoft.com/office/powerpoint/2010/main" val="371276013"/>
+        <p14:creationId xmlns:p14="http://schemas.microsoft.com/office/powerpoint/2010/main" val="4223669591"/>
       </p:ext>
     </p:extLst>
   </p:cSld>

--- a/PowerPoints/TaRest Notizen.pptx
+++ b/PowerPoints/TaRest Notizen.pptx
@@ -5,7 +5,7 @@
     <p:sldMasterId id="2147483660" r:id="rId1"/>
   </p:sldMasterIdLst>
   <p:notesMasterIdLst>
-    <p:notesMasterId r:id="rId15"/>
+    <p:notesMasterId r:id="rId14"/>
   </p:notesMasterIdLst>
   <p:sldIdLst>
     <p:sldId id="256" r:id="rId2"/>
@@ -20,7 +20,6 @@
     <p:sldId id="263" r:id="rId11"/>
     <p:sldId id="264" r:id="rId12"/>
     <p:sldId id="266" r:id="rId13"/>
-    <p:sldId id="262" r:id="rId14"/>
   </p:sldIdLst>
   <p:sldSz cx="9906000" cy="6858000" type="A4"/>
   <p:notesSz cx="6858000" cy="9144000"/>
@@ -223,7 +222,7 @@
           <a:p>
             <a:fld id="{2E39C2C9-676C-A049-AAF4-736F116D4D92}" type="datetimeFigureOut">
               <a:rPr lang="de-DE" smtClean="0"/>
-              <a:t>13.05.21</a:t>
+              <a:t>14.05.21</a:t>
             </a:fld>
             <a:endParaRPr lang="de-DE"/>
           </a:p>
@@ -621,7 +620,7 @@
           <a:p>
             <a:fld id="{D135A461-9A79-C14A-A0D2-94030ADA0C4E}" type="datetimeFigureOut">
               <a:rPr lang="de-DE" smtClean="0"/>
-              <a:t>13.05.21</a:t>
+              <a:t>14.05.21</a:t>
             </a:fld>
             <a:endParaRPr lang="de-DE"/>
           </a:p>
@@ -791,7 +790,7 @@
           <a:p>
             <a:fld id="{D135A461-9A79-C14A-A0D2-94030ADA0C4E}" type="datetimeFigureOut">
               <a:rPr lang="de-DE" smtClean="0"/>
-              <a:t>13.05.21</a:t>
+              <a:t>14.05.21</a:t>
             </a:fld>
             <a:endParaRPr lang="de-DE"/>
           </a:p>
@@ -971,7 +970,7 @@
           <a:p>
             <a:fld id="{D135A461-9A79-C14A-A0D2-94030ADA0C4E}" type="datetimeFigureOut">
               <a:rPr lang="de-DE" smtClean="0"/>
-              <a:t>13.05.21</a:t>
+              <a:t>14.05.21</a:t>
             </a:fld>
             <a:endParaRPr lang="de-DE"/>
           </a:p>
@@ -1151,7 +1150,7 @@
           <a:p>
             <a:fld id="{D135A461-9A79-C14A-A0D2-94030ADA0C4E}" type="datetimeFigureOut">
               <a:rPr lang="de-DE" smtClean="0"/>
-              <a:t>13.05.21</a:t>
+              <a:t>14.05.21</a:t>
             </a:fld>
             <a:endParaRPr lang="de-DE"/>
           </a:p>
@@ -1395,7 +1394,7 @@
           <a:p>
             <a:fld id="{D135A461-9A79-C14A-A0D2-94030ADA0C4E}" type="datetimeFigureOut">
               <a:rPr lang="de-DE" smtClean="0"/>
-              <a:t>13.05.21</a:t>
+              <a:t>14.05.21</a:t>
             </a:fld>
             <a:endParaRPr lang="de-DE"/>
           </a:p>
@@ -1627,7 +1626,7 @@
           <a:p>
             <a:fld id="{D135A461-9A79-C14A-A0D2-94030ADA0C4E}" type="datetimeFigureOut">
               <a:rPr lang="de-DE" smtClean="0"/>
-              <a:t>13.05.21</a:t>
+              <a:t>14.05.21</a:t>
             </a:fld>
             <a:endParaRPr lang="de-DE"/>
           </a:p>
@@ -1994,7 +1993,7 @@
           <a:p>
             <a:fld id="{D135A461-9A79-C14A-A0D2-94030ADA0C4E}" type="datetimeFigureOut">
               <a:rPr lang="de-DE" smtClean="0"/>
-              <a:t>13.05.21</a:t>
+              <a:t>14.05.21</a:t>
             </a:fld>
             <a:endParaRPr lang="de-DE"/>
           </a:p>
@@ -2112,7 +2111,7 @@
           <a:p>
             <a:fld id="{D135A461-9A79-C14A-A0D2-94030ADA0C4E}" type="datetimeFigureOut">
               <a:rPr lang="de-DE" smtClean="0"/>
-              <a:t>13.05.21</a:t>
+              <a:t>14.05.21</a:t>
             </a:fld>
             <a:endParaRPr lang="de-DE"/>
           </a:p>
@@ -2207,7 +2206,7 @@
           <a:p>
             <a:fld id="{D135A461-9A79-C14A-A0D2-94030ADA0C4E}" type="datetimeFigureOut">
               <a:rPr lang="de-DE" smtClean="0"/>
-              <a:t>13.05.21</a:t>
+              <a:t>14.05.21</a:t>
             </a:fld>
             <a:endParaRPr lang="de-DE"/>
           </a:p>
@@ -2484,7 +2483,7 @@
           <a:p>
             <a:fld id="{D135A461-9A79-C14A-A0D2-94030ADA0C4E}" type="datetimeFigureOut">
               <a:rPr lang="de-DE" smtClean="0"/>
-              <a:t>13.05.21</a:t>
+              <a:t>14.05.21</a:t>
             </a:fld>
             <a:endParaRPr lang="de-DE"/>
           </a:p>
@@ -2741,7 +2740,7 @@
           <a:p>
             <a:fld id="{D135A461-9A79-C14A-A0D2-94030ADA0C4E}" type="datetimeFigureOut">
               <a:rPr lang="de-DE" smtClean="0"/>
-              <a:t>13.05.21</a:t>
+              <a:t>14.05.21</a:t>
             </a:fld>
             <a:endParaRPr lang="de-DE"/>
           </a:p>
@@ -2954,7 +2953,7 @@
           <a:p>
             <a:fld id="{D135A461-9A79-C14A-A0D2-94030ADA0C4E}" type="datetimeFigureOut">
               <a:rPr lang="de-DE" smtClean="0"/>
-              <a:t>13.05.21</a:t>
+              <a:t>14.05.21</a:t>
             </a:fld>
             <a:endParaRPr lang="de-DE"/>
           </a:p>
@@ -3451,7 +3450,7 @@
             </a:r>
             <a:fld id="{708BF0F0-9BC6-E540-BA01-080340F69A97}" type="datetime1">
               <a:rPr lang="de-DE"/>
-              <a:t>13.05.21</a:t>
+              <a:t>14.05.21</a:t>
             </a:fld>
             <a:endParaRPr lang="de-DE" dirty="0"/>
           </a:p>
@@ -4160,146 +4159,6 @@
     <p:extLst>
       <p:ext uri="{BB962C8B-B14F-4D97-AF65-F5344CB8AC3E}">
         <p14:creationId xmlns:p14="http://schemas.microsoft.com/office/powerpoint/2010/main" val="891077633"/>
-      </p:ext>
-    </p:extLst>
-  </p:cSld>
-  <p:clrMapOvr>
-    <a:masterClrMapping/>
-  </p:clrMapOvr>
-</p:sld>
-</file>
-
-<file path=ppt/slides/slide13.xml><?xml version="1.0" encoding="utf-8"?>
-<p:sld xmlns:a="http://schemas.openxmlformats.org/drawingml/2006/main" xmlns:r="http://schemas.openxmlformats.org/officeDocument/2006/relationships" xmlns:p="http://schemas.openxmlformats.org/presentationml/2006/main">
-  <p:cSld>
-    <p:spTree>
-      <p:nvGrpSpPr>
-        <p:cNvPr id="1" name=""/>
-        <p:cNvGrpSpPr/>
-        <p:nvPr/>
-      </p:nvGrpSpPr>
-      <p:grpSpPr>
-        <a:xfrm>
-          <a:off x="0" y="0"/>
-          <a:ext cx="0" cy="0"/>
-          <a:chOff x="0" y="0"/>
-          <a:chExt cx="0" cy="0"/>
-        </a:xfrm>
-      </p:grpSpPr>
-      <p:sp>
-        <p:nvSpPr>
-          <p:cNvPr id="2" name="Titel 1">
-            <a:extLst>
-              <a:ext uri="{FF2B5EF4-FFF2-40B4-BE49-F238E27FC236}">
-                <a16:creationId xmlns:a16="http://schemas.microsoft.com/office/drawing/2014/main" id="{8C64A780-9D1F-1D48-BCB5-8ACDF6600470}"/>
-              </a:ext>
-            </a:extLst>
-          </p:cNvPr>
-          <p:cNvSpPr>
-            <a:spLocks noGrp="1"/>
-          </p:cNvSpPr>
-          <p:nvPr>
-            <p:ph type="title"/>
-          </p:nvPr>
-        </p:nvSpPr>
-        <p:spPr/>
-        <p:txBody>
-          <a:bodyPr/>
-          <a:lstStyle/>
-          <a:p>
-            <a:r>
-              <a:rPr lang="de-DE" dirty="0" err="1"/>
-              <a:t>notes</a:t>
-            </a:r>
-            <a:endParaRPr lang="de-DE" dirty="0"/>
-          </a:p>
-        </p:txBody>
-      </p:sp>
-      <p:sp>
-        <p:nvSpPr>
-          <p:cNvPr id="3" name="Inhaltsplatzhalter 2">
-            <a:extLst>
-              <a:ext uri="{FF2B5EF4-FFF2-40B4-BE49-F238E27FC236}">
-                <a16:creationId xmlns:a16="http://schemas.microsoft.com/office/drawing/2014/main" id="{270A7EFA-F90D-CA43-97EE-14C59D7E78B8}"/>
-              </a:ext>
-            </a:extLst>
-          </p:cNvPr>
-          <p:cNvSpPr>
-            <a:spLocks noGrp="1"/>
-          </p:cNvSpPr>
-          <p:nvPr>
-            <p:ph idx="1"/>
-          </p:nvPr>
-        </p:nvSpPr>
-        <p:spPr/>
-        <p:txBody>
-          <a:bodyPr/>
-          <a:lstStyle/>
-          <a:p>
-            <a:r>
-              <a:rPr lang="de-DE" dirty="0"/>
-              <a:t>https://</a:t>
-            </a:r>
-            <a:r>
-              <a:rPr lang="de-DE" dirty="0" err="1"/>
-              <a:t>stackoverflow.com</a:t>
-            </a:r>
-            <a:r>
-              <a:rPr lang="de-DE" dirty="0"/>
-              <a:t>/</a:t>
-            </a:r>
-            <a:r>
-              <a:rPr lang="de-DE" dirty="0" err="1"/>
-              <a:t>questions</a:t>
-            </a:r>
-            <a:r>
-              <a:rPr lang="de-DE" dirty="0"/>
-              <a:t>/33542905/</a:t>
-            </a:r>
-            <a:r>
-              <a:rPr lang="de-DE" dirty="0" err="1"/>
-              <a:t>highlighting</a:t>
-            </a:r>
-            <a:r>
-              <a:rPr lang="de-DE" dirty="0"/>
-              <a:t>-</a:t>
-            </a:r>
-            <a:r>
-              <a:rPr lang="de-DE" dirty="0" err="1"/>
-              <a:t>search</a:t>
-            </a:r>
-            <a:r>
-              <a:rPr lang="de-DE" dirty="0"/>
-              <a:t>-</a:t>
-            </a:r>
-            <a:r>
-              <a:rPr lang="de-DE" dirty="0" err="1"/>
-              <a:t>result</a:t>
-            </a:r>
-            <a:r>
-              <a:rPr lang="de-DE" dirty="0"/>
-              <a:t>-in-</a:t>
-            </a:r>
-            <a:r>
-              <a:rPr lang="de-DE" dirty="0" err="1"/>
-              <a:t>uitableview</a:t>
-            </a:r>
-            <a:r>
-              <a:rPr lang="de-DE" dirty="0"/>
-              <a:t>-</a:t>
-            </a:r>
-            <a:r>
-              <a:rPr lang="de-DE" dirty="0" err="1"/>
-              <a:t>cell-ios-swift</a:t>
-            </a:r>
-            <a:endParaRPr lang="de-DE" dirty="0"/>
-          </a:p>
-        </p:txBody>
-      </p:sp>
-    </p:spTree>
-    <p:extLst>
-      <p:ext uri="{BB962C8B-B14F-4D97-AF65-F5344CB8AC3E}">
-        <p14:creationId xmlns:p14="http://schemas.microsoft.com/office/powerpoint/2010/main" val="3042287228"/>
       </p:ext>
     </p:extLst>
   </p:cSld>

--- a/PowerPoints/TaRest Notizen.pptx
+++ b/PowerPoints/TaRest Notizen.pptx
@@ -222,7 +222,7 @@
           <a:p>
             <a:fld id="{2E39C2C9-676C-A049-AAF4-736F116D4D92}" type="datetimeFigureOut">
               <a:rPr lang="de-DE" smtClean="0"/>
-              <a:t>14.05.21</a:t>
+              <a:t>15.05.21</a:t>
             </a:fld>
             <a:endParaRPr lang="de-DE"/>
           </a:p>
@@ -620,7 +620,7 @@
           <a:p>
             <a:fld id="{D135A461-9A79-C14A-A0D2-94030ADA0C4E}" type="datetimeFigureOut">
               <a:rPr lang="de-DE" smtClean="0"/>
-              <a:t>14.05.21</a:t>
+              <a:t>15.05.21</a:t>
             </a:fld>
             <a:endParaRPr lang="de-DE"/>
           </a:p>
@@ -790,7 +790,7 @@
           <a:p>
             <a:fld id="{D135A461-9A79-C14A-A0D2-94030ADA0C4E}" type="datetimeFigureOut">
               <a:rPr lang="de-DE" smtClean="0"/>
-              <a:t>14.05.21</a:t>
+              <a:t>15.05.21</a:t>
             </a:fld>
             <a:endParaRPr lang="de-DE"/>
           </a:p>
@@ -970,7 +970,7 @@
           <a:p>
             <a:fld id="{D135A461-9A79-C14A-A0D2-94030ADA0C4E}" type="datetimeFigureOut">
               <a:rPr lang="de-DE" smtClean="0"/>
-              <a:t>14.05.21</a:t>
+              <a:t>15.05.21</a:t>
             </a:fld>
             <a:endParaRPr lang="de-DE"/>
           </a:p>
@@ -1150,7 +1150,7 @@
           <a:p>
             <a:fld id="{D135A461-9A79-C14A-A0D2-94030ADA0C4E}" type="datetimeFigureOut">
               <a:rPr lang="de-DE" smtClean="0"/>
-              <a:t>14.05.21</a:t>
+              <a:t>15.05.21</a:t>
             </a:fld>
             <a:endParaRPr lang="de-DE"/>
           </a:p>
@@ -1394,7 +1394,7 @@
           <a:p>
             <a:fld id="{D135A461-9A79-C14A-A0D2-94030ADA0C4E}" type="datetimeFigureOut">
               <a:rPr lang="de-DE" smtClean="0"/>
-              <a:t>14.05.21</a:t>
+              <a:t>15.05.21</a:t>
             </a:fld>
             <a:endParaRPr lang="de-DE"/>
           </a:p>
@@ -1626,7 +1626,7 @@
           <a:p>
             <a:fld id="{D135A461-9A79-C14A-A0D2-94030ADA0C4E}" type="datetimeFigureOut">
               <a:rPr lang="de-DE" smtClean="0"/>
-              <a:t>14.05.21</a:t>
+              <a:t>15.05.21</a:t>
             </a:fld>
             <a:endParaRPr lang="de-DE"/>
           </a:p>
@@ -1993,7 +1993,7 @@
           <a:p>
             <a:fld id="{D135A461-9A79-C14A-A0D2-94030ADA0C4E}" type="datetimeFigureOut">
               <a:rPr lang="de-DE" smtClean="0"/>
-              <a:t>14.05.21</a:t>
+              <a:t>15.05.21</a:t>
             </a:fld>
             <a:endParaRPr lang="de-DE"/>
           </a:p>
@@ -2111,7 +2111,7 @@
           <a:p>
             <a:fld id="{D135A461-9A79-C14A-A0D2-94030ADA0C4E}" type="datetimeFigureOut">
               <a:rPr lang="de-DE" smtClean="0"/>
-              <a:t>14.05.21</a:t>
+              <a:t>15.05.21</a:t>
             </a:fld>
             <a:endParaRPr lang="de-DE"/>
           </a:p>
@@ -2206,7 +2206,7 @@
           <a:p>
             <a:fld id="{D135A461-9A79-C14A-A0D2-94030ADA0C4E}" type="datetimeFigureOut">
               <a:rPr lang="de-DE" smtClean="0"/>
-              <a:t>14.05.21</a:t>
+              <a:t>15.05.21</a:t>
             </a:fld>
             <a:endParaRPr lang="de-DE"/>
           </a:p>
@@ -2483,7 +2483,7 @@
           <a:p>
             <a:fld id="{D135A461-9A79-C14A-A0D2-94030ADA0C4E}" type="datetimeFigureOut">
               <a:rPr lang="de-DE" smtClean="0"/>
-              <a:t>14.05.21</a:t>
+              <a:t>15.05.21</a:t>
             </a:fld>
             <a:endParaRPr lang="de-DE"/>
           </a:p>
@@ -2740,7 +2740,7 @@
           <a:p>
             <a:fld id="{D135A461-9A79-C14A-A0D2-94030ADA0C4E}" type="datetimeFigureOut">
               <a:rPr lang="de-DE" smtClean="0"/>
-              <a:t>14.05.21</a:t>
+              <a:t>15.05.21</a:t>
             </a:fld>
             <a:endParaRPr lang="de-DE"/>
           </a:p>
@@ -2953,7 +2953,7 @@
           <a:p>
             <a:fld id="{D135A461-9A79-C14A-A0D2-94030ADA0C4E}" type="datetimeFigureOut">
               <a:rPr lang="de-DE" smtClean="0"/>
-              <a:t>14.05.21</a:t>
+              <a:t>15.05.21</a:t>
             </a:fld>
             <a:endParaRPr lang="de-DE"/>
           </a:p>
@@ -3450,7 +3450,7 @@
             </a:r>
             <a:fld id="{708BF0F0-9BC6-E540-BA01-080340F69A97}" type="datetime1">
               <a:rPr lang="de-DE"/>
-              <a:t>14.05.21</a:t>
+              <a:t>15.05.21</a:t>
             </a:fld>
             <a:endParaRPr lang="de-DE" dirty="0"/>
           </a:p>
@@ -8604,8 +8604,8 @@
         </p:nvSpPr>
         <p:spPr>
           <a:xfrm>
-            <a:off x="6352363" y="2379610"/>
-            <a:ext cx="2407322" cy="3858201"/>
+            <a:off x="6352363" y="2817361"/>
+            <a:ext cx="2380840" cy="3420450"/>
           </a:xfrm>
           <a:prstGeom prst="rect">
             <a:avLst/>
@@ -8734,7 +8734,7 @@
         </p:nvCxnSpPr>
         <p:spPr>
           <a:xfrm flipH="1">
-            <a:off x="6378831" y="3804311"/>
+            <a:off x="6357231" y="3782711"/>
             <a:ext cx="2380854" cy="4615"/>
           </a:xfrm>
           <a:prstGeom prst="line">
@@ -8768,14 +8768,13 @@
           </p:cNvPr>
           <p:cNvCxnSpPr>
             <a:cxnSpLocks/>
-            <a:stCxn id="92" idx="3"/>
           </p:cNvCxnSpPr>
           <p:nvPr/>
         </p:nvCxnSpPr>
         <p:spPr>
           <a:xfrm flipH="1" flipV="1">
-            <a:off x="6378831" y="4302401"/>
-            <a:ext cx="2380854" cy="6310"/>
+            <a:off x="6352348" y="4321417"/>
+            <a:ext cx="2380855" cy="1"/>
           </a:xfrm>
           <a:prstGeom prst="line">
             <a:avLst/>

--- a/PowerPoints/TaRest Notizen.pptx
+++ b/PowerPoints/TaRest Notizen.pptx
@@ -13,12 +13,12 @@
     <p:sldId id="258" r:id="rId4"/>
     <p:sldId id="259" r:id="rId5"/>
     <p:sldId id="268" r:id="rId6"/>
-    <p:sldId id="267" r:id="rId7"/>
-    <p:sldId id="260" r:id="rId8"/>
-    <p:sldId id="269" r:id="rId9"/>
-    <p:sldId id="261" r:id="rId10"/>
-    <p:sldId id="263" r:id="rId11"/>
-    <p:sldId id="264" r:id="rId12"/>
+    <p:sldId id="260" r:id="rId7"/>
+    <p:sldId id="269" r:id="rId8"/>
+    <p:sldId id="267" r:id="rId9"/>
+    <p:sldId id="270" r:id="rId10"/>
+    <p:sldId id="261" r:id="rId11"/>
+    <p:sldId id="263" r:id="rId12"/>
     <p:sldId id="266" r:id="rId13"/>
   </p:sldIdLst>
   <p:sldSz cx="9906000" cy="6858000" type="A4"/>
@@ -222,7 +222,7 @@
           <a:p>
             <a:fld id="{2E39C2C9-676C-A049-AAF4-736F116D4D92}" type="datetimeFigureOut">
               <a:rPr lang="de-DE" smtClean="0"/>
-              <a:t>15.05.21</a:t>
+              <a:t>16.05.21</a:t>
             </a:fld>
             <a:endParaRPr lang="de-DE"/>
           </a:p>
@@ -620,7 +620,7 @@
           <a:p>
             <a:fld id="{D135A461-9A79-C14A-A0D2-94030ADA0C4E}" type="datetimeFigureOut">
               <a:rPr lang="de-DE" smtClean="0"/>
-              <a:t>15.05.21</a:t>
+              <a:t>16.05.21</a:t>
             </a:fld>
             <a:endParaRPr lang="de-DE"/>
           </a:p>
@@ -790,7 +790,7 @@
           <a:p>
             <a:fld id="{D135A461-9A79-C14A-A0D2-94030ADA0C4E}" type="datetimeFigureOut">
               <a:rPr lang="de-DE" smtClean="0"/>
-              <a:t>15.05.21</a:t>
+              <a:t>16.05.21</a:t>
             </a:fld>
             <a:endParaRPr lang="de-DE"/>
           </a:p>
@@ -970,7 +970,7 @@
           <a:p>
             <a:fld id="{D135A461-9A79-C14A-A0D2-94030ADA0C4E}" type="datetimeFigureOut">
               <a:rPr lang="de-DE" smtClean="0"/>
-              <a:t>15.05.21</a:t>
+              <a:t>16.05.21</a:t>
             </a:fld>
             <a:endParaRPr lang="de-DE"/>
           </a:p>
@@ -1150,7 +1150,7 @@
           <a:p>
             <a:fld id="{D135A461-9A79-C14A-A0D2-94030ADA0C4E}" type="datetimeFigureOut">
               <a:rPr lang="de-DE" smtClean="0"/>
-              <a:t>15.05.21</a:t>
+              <a:t>16.05.21</a:t>
             </a:fld>
             <a:endParaRPr lang="de-DE"/>
           </a:p>
@@ -1394,7 +1394,7 @@
           <a:p>
             <a:fld id="{D135A461-9A79-C14A-A0D2-94030ADA0C4E}" type="datetimeFigureOut">
               <a:rPr lang="de-DE" smtClean="0"/>
-              <a:t>15.05.21</a:t>
+              <a:t>16.05.21</a:t>
             </a:fld>
             <a:endParaRPr lang="de-DE"/>
           </a:p>
@@ -1626,7 +1626,7 @@
           <a:p>
             <a:fld id="{D135A461-9A79-C14A-A0D2-94030ADA0C4E}" type="datetimeFigureOut">
               <a:rPr lang="de-DE" smtClean="0"/>
-              <a:t>15.05.21</a:t>
+              <a:t>16.05.21</a:t>
             </a:fld>
             <a:endParaRPr lang="de-DE"/>
           </a:p>
@@ -1993,7 +1993,7 @@
           <a:p>
             <a:fld id="{D135A461-9A79-C14A-A0D2-94030ADA0C4E}" type="datetimeFigureOut">
               <a:rPr lang="de-DE" smtClean="0"/>
-              <a:t>15.05.21</a:t>
+              <a:t>16.05.21</a:t>
             </a:fld>
             <a:endParaRPr lang="de-DE"/>
           </a:p>
@@ -2111,7 +2111,7 @@
           <a:p>
             <a:fld id="{D135A461-9A79-C14A-A0D2-94030ADA0C4E}" type="datetimeFigureOut">
               <a:rPr lang="de-DE" smtClean="0"/>
-              <a:t>15.05.21</a:t>
+              <a:t>16.05.21</a:t>
             </a:fld>
             <a:endParaRPr lang="de-DE"/>
           </a:p>
@@ -2206,7 +2206,7 @@
           <a:p>
             <a:fld id="{D135A461-9A79-C14A-A0D2-94030ADA0C4E}" type="datetimeFigureOut">
               <a:rPr lang="de-DE" smtClean="0"/>
-              <a:t>15.05.21</a:t>
+              <a:t>16.05.21</a:t>
             </a:fld>
             <a:endParaRPr lang="de-DE"/>
           </a:p>
@@ -2483,7 +2483,7 @@
           <a:p>
             <a:fld id="{D135A461-9A79-C14A-A0D2-94030ADA0C4E}" type="datetimeFigureOut">
               <a:rPr lang="de-DE" smtClean="0"/>
-              <a:t>15.05.21</a:t>
+              <a:t>16.05.21</a:t>
             </a:fld>
             <a:endParaRPr lang="de-DE"/>
           </a:p>
@@ -2740,7 +2740,7 @@
           <a:p>
             <a:fld id="{D135A461-9A79-C14A-A0D2-94030ADA0C4E}" type="datetimeFigureOut">
               <a:rPr lang="de-DE" smtClean="0"/>
-              <a:t>15.05.21</a:t>
+              <a:t>16.05.21</a:t>
             </a:fld>
             <a:endParaRPr lang="de-DE"/>
           </a:p>
@@ -2953,7 +2953,7 @@
           <a:p>
             <a:fld id="{D135A461-9A79-C14A-A0D2-94030ADA0C4E}" type="datetimeFigureOut">
               <a:rPr lang="de-DE" smtClean="0"/>
-              <a:t>15.05.21</a:t>
+              <a:t>16.05.21</a:t>
             </a:fld>
             <a:endParaRPr lang="de-DE"/>
           </a:p>
@@ -3039,10 +3039,10 @@
       </p:sp>
       <p:pic>
         <p:nvPicPr>
-          <p:cNvPr id="7" name="Grafik 6">
+          <p:cNvPr id="9" name="Grafik 8">
             <a:extLst>
               <a:ext uri="{FF2B5EF4-FFF2-40B4-BE49-F238E27FC236}">
-                <a16:creationId xmlns:a16="http://schemas.microsoft.com/office/drawing/2014/main" id="{E318CB2A-6FE5-E347-A46E-A1D63DBE5252}"/>
+                <a16:creationId xmlns:a16="http://schemas.microsoft.com/office/drawing/2014/main" id="{6742A77E-6124-EC4E-B670-FB532A442C23}"/>
               </a:ext>
             </a:extLst>
           </p:cNvPr>
@@ -3059,7 +3059,7 @@
         </p:blipFill>
         <p:spPr>
           <a:xfrm>
-            <a:off x="8643415" y="136523"/>
+            <a:off x="8547928" y="136523"/>
             <a:ext cx="1163094" cy="1163094"/>
           </a:xfrm>
           <a:prstGeom prst="rect">
@@ -3450,7 +3450,7 @@
             </a:r>
             <a:fld id="{708BF0F0-9BC6-E540-BA01-080340F69A97}" type="datetime1">
               <a:rPr lang="de-DE"/>
-              <a:t>15.05.21</a:t>
+              <a:t>16.05.21</a:t>
             </a:fld>
             <a:endParaRPr lang="de-DE" dirty="0"/>
           </a:p>
@@ -3512,7 +3512,7 @@
           <a:p>
             <a:r>
               <a:rPr lang="de-DE" dirty="0"/>
-              <a:t>App Struktur 2</a:t>
+              <a:t>App Struktur 1</a:t>
             </a:r>
           </a:p>
         </p:txBody>
@@ -3541,156 +3541,163 @@
         </p:spPr>
         <p:txBody>
           <a:bodyPr>
-            <a:normAutofit lnSpcReduction="10000"/>
+            <a:normAutofit fontScale="92500" lnSpcReduction="10000"/>
           </a:bodyPr>
           <a:lstStyle/>
           <a:p>
             <a:r>
               <a:rPr lang="de-DE" dirty="0"/>
-              <a:t>UI 1</a:t>
+              <a:t>Base App</a:t>
             </a:r>
           </a:p>
           <a:p>
             <a:pPr lvl="2"/>
             <a:r>
               <a:rPr lang="de-DE" dirty="0" err="1"/>
-              <a:t>Main.storyboard</a:t>
-            </a:r>
-            <a:r>
-              <a:rPr lang="de-DE" dirty="0"/>
-              <a:t>, </a:t>
+              <a:t>Application</a:t>
+            </a:r>
+            <a:r>
+              <a:rPr lang="de-DE" dirty="0"/>
+              <a:t> </a:t>
             </a:r>
             <a:r>
               <a:rPr lang="de-DE" dirty="0" err="1"/>
-              <a:t>launchScreen.storyboard</a:t>
+              <a:t>Delegate</a:t>
+            </a:r>
+            <a:r>
+              <a:rPr lang="de-DE" dirty="0"/>
+              <a:t>, Scene </a:t>
+            </a:r>
+            <a:r>
+              <a:rPr lang="de-DE" dirty="0" err="1"/>
+              <a:t>Delegate</a:t>
             </a:r>
             <a:endParaRPr lang="de-DE" dirty="0"/>
           </a:p>
           <a:p>
+            <a:pPr lvl="2"/>
+            <a:r>
+              <a:rPr lang="de-DE" dirty="0" err="1"/>
+              <a:t>Notification</a:t>
+            </a:r>
+            <a:r>
+              <a:rPr lang="de-DE" dirty="0"/>
+              <a:t> Name Extension, String Extension</a:t>
+            </a:r>
+          </a:p>
+          <a:p>
+            <a:pPr lvl="2"/>
+            <a:r>
+              <a:rPr lang="de-DE" dirty="0"/>
+              <a:t>Error List</a:t>
+            </a:r>
+          </a:p>
+          <a:p>
+            <a:r>
+              <a:rPr lang="de-DE" dirty="0"/>
+              <a:t>Data </a:t>
+            </a:r>
+            <a:r>
+              <a:rPr lang="de-DE" dirty="0" err="1"/>
+              <a:t>Gathering</a:t>
+            </a:r>
+            <a:endParaRPr lang="de-DE" dirty="0"/>
+          </a:p>
+          <a:p>
             <a:pPr lvl="1"/>
             <a:r>
               <a:rPr lang="de-DE" dirty="0"/>
-              <a:t>Main</a:t>
+              <a:t>Restaurant Data</a:t>
             </a:r>
           </a:p>
           <a:p>
             <a:pPr lvl="2"/>
             <a:r>
               <a:rPr lang="de-DE" dirty="0" err="1"/>
-              <a:t>MainViewController</a:t>
-            </a:r>
-            <a:endParaRPr lang="de-DE" dirty="0"/>
+              <a:t>Get</a:t>
+            </a:r>
+            <a:r>
+              <a:rPr lang="de-DE" dirty="0"/>
+              <a:t> Restaurant Data</a:t>
+            </a:r>
           </a:p>
           <a:p>
             <a:pPr lvl="2"/>
             <a:r>
+              <a:rPr lang="de-DE" dirty="0"/>
+              <a:t>JSON Restaurant Data</a:t>
+            </a:r>
+          </a:p>
+          <a:p>
+            <a:pPr lvl="1"/>
+            <a:r>
               <a:rPr lang="de-DE" dirty="0" err="1"/>
-              <a:t>WaitForDataViewController</a:t>
-            </a:r>
-            <a:endParaRPr lang="de-DE" dirty="0"/>
+              <a:t>Presentation</a:t>
+            </a:r>
+            <a:r>
+              <a:rPr lang="de-DE" dirty="0"/>
+              <a:t> Images</a:t>
+            </a:r>
+          </a:p>
+          <a:p>
+            <a:pPr lvl="2"/>
+            <a:r>
+              <a:rPr lang="de-DE" dirty="0" err="1"/>
+              <a:t>Get</a:t>
+            </a:r>
+            <a:r>
+              <a:rPr lang="de-DE" dirty="0"/>
+              <a:t> Image File</a:t>
+            </a:r>
           </a:p>
           <a:p>
             <a:pPr lvl="1"/>
             <a:r>
+              <a:rPr lang="de-DE" dirty="0"/>
+              <a:t>Location Service</a:t>
+            </a:r>
+          </a:p>
+          <a:p>
+            <a:pPr lvl="2"/>
+            <a:r>
+              <a:rPr lang="de-DE" dirty="0"/>
+              <a:t>NICHT IMPLEMENTIERT</a:t>
+            </a:r>
+          </a:p>
+          <a:p>
+            <a:r>
+              <a:rPr lang="de-DE" dirty="0"/>
+              <a:t>Data Store</a:t>
+            </a:r>
+          </a:p>
+          <a:p>
+            <a:pPr lvl="2"/>
+            <a:r>
+              <a:rPr lang="de-DE" dirty="0"/>
+              <a:t>Global Data</a:t>
+            </a:r>
+          </a:p>
+          <a:p>
+            <a:pPr lvl="1"/>
+            <a:r>
+              <a:rPr lang="de-DE" dirty="0"/>
+              <a:t>Restaurant Data inkl. </a:t>
+            </a:r>
+            <a:r>
               <a:rPr lang="de-DE" dirty="0" err="1"/>
-              <a:t>HelpView</a:t>
-            </a:r>
-            <a:endParaRPr lang="de-DE" dirty="0"/>
+              <a:t>Presentation</a:t>
+            </a:r>
+            <a:r>
+              <a:rPr lang="de-DE" dirty="0"/>
+              <a:t> Images</a:t>
+            </a:r>
           </a:p>
           <a:p>
             <a:pPr lvl="2"/>
             <a:r>
-              <a:rPr lang="de-DE" dirty="0" err="1"/>
-              <a:t>HelpViewControiller</a:t>
-            </a:r>
-            <a:endParaRPr lang="de-DE" dirty="0"/>
-          </a:p>
-          <a:p>
-            <a:pPr lvl="2"/>
-            <a:r>
-              <a:rPr lang="de-DE" dirty="0" err="1"/>
-              <a:t>HelpTabViewController</a:t>
-            </a:r>
-            <a:endParaRPr lang="de-DE" dirty="0"/>
-          </a:p>
-          <a:p>
-            <a:pPr lvl="2"/>
-            <a:r>
-              <a:rPr lang="de-DE" dirty="0" err="1"/>
-              <a:t>HelpTabViewCells</a:t>
-            </a:r>
-            <a:endParaRPr lang="de-DE" dirty="0"/>
-          </a:p>
-          <a:p>
-            <a:pPr lvl="1"/>
-            <a:r>
-              <a:rPr lang="de-DE" dirty="0" err="1"/>
-              <a:t>MapView</a:t>
-            </a:r>
-            <a:r>
-              <a:rPr lang="de-DE" dirty="0"/>
-              <a:t> (als Hauptkarte)</a:t>
-            </a:r>
-          </a:p>
-          <a:p>
-            <a:pPr lvl="2"/>
-            <a:r>
-              <a:rPr lang="de-DE" dirty="0" err="1"/>
-              <a:t>MainMapViewController</a:t>
-            </a:r>
-            <a:endParaRPr lang="de-DE" dirty="0"/>
-          </a:p>
-          <a:p>
-            <a:pPr lvl="2"/>
-            <a:r>
-              <a:rPr lang="de-DE" dirty="0" err="1"/>
-              <a:t>RestaurantAnnotations</a:t>
-            </a:r>
-            <a:r>
-              <a:rPr lang="de-DE" dirty="0"/>
-              <a:t>, eventuell </a:t>
-            </a:r>
-            <a:r>
-              <a:rPr lang="de-DE" dirty="0" err="1"/>
-              <a:t>Renderer</a:t>
-            </a:r>
-            <a:endParaRPr lang="de-DE" dirty="0"/>
-          </a:p>
-          <a:p>
-            <a:pPr lvl="1"/>
-            <a:r>
-              <a:rPr lang="de-DE" dirty="0" err="1"/>
-              <a:t>MapContentSelection</a:t>
-            </a:r>
-            <a:endParaRPr lang="de-DE" dirty="0"/>
-          </a:p>
-          <a:p>
-            <a:pPr lvl="2"/>
-            <a:r>
-              <a:rPr lang="de-DE" dirty="0" err="1"/>
-              <a:t>MapContentViewController</a:t>
-            </a:r>
-            <a:endParaRPr lang="de-DE" dirty="0"/>
-          </a:p>
-          <a:p>
-            <a:pPr lvl="2"/>
-            <a:r>
-              <a:rPr lang="de-DE" dirty="0" err="1"/>
-              <a:t>MapContentTabViewController</a:t>
-            </a:r>
-            <a:endParaRPr lang="de-DE" dirty="0"/>
-          </a:p>
-          <a:p>
-            <a:pPr lvl="2"/>
-            <a:r>
-              <a:rPr lang="de-DE" dirty="0" err="1"/>
-              <a:t>MapContentTabViewCells</a:t>
-            </a:r>
-            <a:endParaRPr lang="de-DE" dirty="0"/>
-          </a:p>
-          <a:p>
-            <a:pPr lvl="2"/>
-            <a:endParaRPr lang="de-DE" dirty="0"/>
+              <a:rPr lang="de-DE" dirty="0"/>
+              <a:t>Restaurant Data</a:t>
+            </a:r>
           </a:p>
           <a:p>
             <a:pPr lvl="1"/>
@@ -3712,7 +3719,7 @@
     </p:spTree>
     <p:extLst>
       <p:ext uri="{BB962C8B-B14F-4D97-AF65-F5344CB8AC3E}">
-        <p14:creationId xmlns:p14="http://schemas.microsoft.com/office/powerpoint/2010/main" val="3448450959"/>
+        <p14:creationId xmlns:p14="http://schemas.microsoft.com/office/powerpoint/2010/main" val="4223669591"/>
       </p:ext>
     </p:extLst>
   </p:cSld>
@@ -3762,7 +3769,7 @@
           <a:p>
             <a:r>
               <a:rPr lang="de-DE" dirty="0"/>
-              <a:t>App Struktur 3</a:t>
+              <a:t>App Struktur 2</a:t>
             </a:r>
           </a:p>
         </p:txBody>
@@ -3791,35 +3798,58 @@
         </p:spPr>
         <p:txBody>
           <a:bodyPr>
-            <a:normAutofit/>
+            <a:normAutofit lnSpcReduction="10000"/>
           </a:bodyPr>
           <a:lstStyle/>
           <a:p>
             <a:r>
               <a:rPr lang="de-DE" dirty="0"/>
-              <a:t>UI 2</a:t>
-            </a:r>
+              <a:t>UI 1</a:t>
+            </a:r>
+          </a:p>
+          <a:p>
+            <a:pPr lvl="2"/>
+            <a:r>
+              <a:rPr lang="de-DE" dirty="0" err="1"/>
+              <a:t>Main.storyboard</a:t>
+            </a:r>
+            <a:r>
+              <a:rPr lang="de-DE" dirty="0"/>
+              <a:t>, </a:t>
+            </a:r>
+            <a:r>
+              <a:rPr lang="de-DE" dirty="0" err="1"/>
+              <a:t>launchScreen.storyboard</a:t>
+            </a:r>
+            <a:endParaRPr lang="de-DE" dirty="0"/>
           </a:p>
           <a:p>
             <a:pPr lvl="1"/>
             <a:r>
               <a:rPr lang="de-DE" dirty="0"/>
-              <a:t>Restaurant List</a:t>
+              <a:t>Main</a:t>
             </a:r>
           </a:p>
           <a:p>
             <a:pPr lvl="2"/>
             <a:r>
               <a:rPr lang="de-DE" dirty="0" err="1"/>
-              <a:t>RestaurantListViewController</a:t>
+              <a:t>MainTabBarController</a:t>
             </a:r>
             <a:endParaRPr lang="de-DE" dirty="0"/>
           </a:p>
           <a:p>
+            <a:pPr lvl="1"/>
+            <a:r>
+              <a:rPr lang="de-DE" dirty="0"/>
+              <a:t>List</a:t>
+            </a:r>
+          </a:p>
+          <a:p>
             <a:pPr lvl="2"/>
             <a:r>
               <a:rPr lang="de-DE" dirty="0" err="1"/>
-              <a:t>RestaurantListSearchBar</a:t>
+              <a:t>ListTableViewController</a:t>
             </a:r>
             <a:endParaRPr lang="de-DE" dirty="0"/>
           </a:p>
@@ -3827,7 +3857,7 @@
             <a:pPr lvl="2"/>
             <a:r>
               <a:rPr lang="de-DE" dirty="0" err="1"/>
-              <a:t>RestaurantListTabViewController</a:t>
+              <a:t>ListTableViewCell</a:t>
             </a:r>
             <a:endParaRPr lang="de-DE" dirty="0"/>
           </a:p>
@@ -3835,30 +3865,41 @@
             <a:pPr lvl="2"/>
             <a:r>
               <a:rPr lang="de-DE" dirty="0" err="1"/>
-              <a:t>RestaurantListTabViewCells</a:t>
+              <a:t>ListTableViewCellNoData</a:t>
             </a:r>
             <a:endParaRPr lang="de-DE" dirty="0"/>
           </a:p>
           <a:p>
             <a:pPr lvl="1"/>
             <a:r>
-              <a:rPr lang="de-DE" dirty="0"/>
-              <a:t>Restaurant Detail</a:t>
+              <a:rPr lang="de-DE" dirty="0" err="1"/>
+              <a:t>MapView</a:t>
+            </a:r>
+            <a:r>
+              <a:rPr lang="de-DE" dirty="0"/>
+              <a:t> (als Hauptkarte)</a:t>
             </a:r>
           </a:p>
           <a:p>
             <a:pPr lvl="2"/>
             <a:r>
               <a:rPr lang="de-DE" dirty="0" err="1"/>
-              <a:t>RestaurantDetailViewController</a:t>
+              <a:t>MainMapViewController</a:t>
             </a:r>
             <a:endParaRPr lang="de-DE" dirty="0"/>
           </a:p>
           <a:p>
+            <a:pPr lvl="1"/>
+            <a:r>
+              <a:rPr lang="de-DE" dirty="0"/>
+              <a:t>Info</a:t>
+            </a:r>
+          </a:p>
+          <a:p>
             <a:pPr lvl="2"/>
             <a:r>
               <a:rPr lang="de-DE" dirty="0" err="1"/>
-              <a:t>RestaurantDetailTabViewController</a:t>
+              <a:t>InfoTableViewController</a:t>
             </a:r>
             <a:endParaRPr lang="de-DE" dirty="0"/>
           </a:p>
@@ -3866,7 +3907,22 @@
             <a:pPr lvl="2"/>
             <a:r>
               <a:rPr lang="de-DE" dirty="0" err="1"/>
-              <a:t>RestaurantDetailTabViewCells</a:t>
+              <a:t>InfoTableViewCells</a:t>
+            </a:r>
+            <a:endParaRPr lang="de-DE" dirty="0"/>
+          </a:p>
+          <a:p>
+            <a:pPr lvl="1"/>
+            <a:r>
+              <a:rPr lang="de-DE" dirty="0"/>
+              <a:t>Detail</a:t>
+            </a:r>
+          </a:p>
+          <a:p>
+            <a:pPr lvl="2"/>
+            <a:r>
+              <a:rPr lang="de-DE" dirty="0" err="1"/>
+              <a:t>DetailViewController</a:t>
             </a:r>
             <a:endParaRPr lang="de-DE" dirty="0"/>
           </a:p>
@@ -3890,7 +3946,7 @@
     </p:spTree>
     <p:extLst>
       <p:ext uri="{BB962C8B-B14F-4D97-AF65-F5344CB8AC3E}">
-        <p14:creationId xmlns:p14="http://schemas.microsoft.com/office/powerpoint/2010/main" val="371276013"/>
+        <p14:creationId xmlns:p14="http://schemas.microsoft.com/office/powerpoint/2010/main" val="3448450959"/>
       </p:ext>
     </p:extLst>
   </p:cSld>
@@ -3973,7 +4029,7 @@
         <p:spPr/>
         <p:txBody>
           <a:bodyPr>
-            <a:normAutofit fontScale="92500" lnSpcReduction="20000"/>
+            <a:normAutofit/>
           </a:bodyPr>
           <a:lstStyle/>
           <a:p>
@@ -3990,155 +4046,50 @@
           <a:p>
             <a:pPr lvl="1"/>
             <a:r>
-              <a:rPr lang="de-DE" dirty="0"/>
-              <a:t>New Data </a:t>
-            </a:r>
-            <a:r>
               <a:rPr lang="de-DE" dirty="0" err="1"/>
-              <a:t>Arrived</a:t>
-            </a:r>
-            <a:r>
-              <a:rPr lang="de-DE" dirty="0"/>
-              <a:t> Restaurant</a:t>
+              <a:t>TaRest_NewRestaurantDataAvailable</a:t>
+            </a:r>
+            <a:endParaRPr lang="de-DE" dirty="0"/>
+          </a:p>
+          <a:p>
+            <a:pPr lvl="2"/>
+            <a:r>
+              <a:rPr lang="de-DE" dirty="0"/>
+              <a:t>Wenn neue bzw. geänderte Daten aus dem Internet gelesen wurden</a:t>
+            </a:r>
+          </a:p>
+          <a:p>
+            <a:r>
+              <a:rPr lang="de-DE" dirty="0"/>
+              <a:t>User Defaults</a:t>
             </a:r>
           </a:p>
           <a:p>
             <a:pPr lvl="1"/>
             <a:r>
-              <a:rPr lang="de-DE" dirty="0"/>
-              <a:t>New Data </a:t>
-            </a:r>
-            <a:r>
               <a:rPr lang="de-DE" dirty="0" err="1"/>
-              <a:t>Arrived</a:t>
-            </a:r>
-            <a:r>
-              <a:rPr lang="de-DE" dirty="0"/>
-              <a:t> Picture</a:t>
-            </a:r>
+              <a:t>TaRest_GlobalDataRestored</a:t>
+            </a:r>
+            <a:endParaRPr lang="de-DE" dirty="0"/>
           </a:p>
           <a:p>
             <a:pPr lvl="2"/>
             <a:r>
               <a:rPr lang="de-DE" dirty="0"/>
-              <a:t>Wenn neue bzw. geänderte Daten aus dem Internet gelesen wurden</a:t>
-            </a:r>
-          </a:p>
-          <a:p>
-            <a:r>
-              <a:rPr lang="de-DE" dirty="0"/>
-              <a:t>Location Service</a:t>
+              <a:t>Wenn die gespeicherten Einstellungen geladen wurden</a:t>
+            </a:r>
+          </a:p>
+          <a:p>
+            <a:r>
+              <a:rPr lang="de-DE" dirty="0"/>
+              <a:t>Error List</a:t>
             </a:r>
           </a:p>
           <a:p>
             <a:pPr lvl="1"/>
             <a:r>
-              <a:rPr lang="de-DE" dirty="0"/>
-              <a:t>User </a:t>
-            </a:r>
-            <a:r>
               <a:rPr lang="de-DE" dirty="0" err="1"/>
-              <a:t>Changed</a:t>
-            </a:r>
-            <a:r>
-              <a:rPr lang="de-DE" dirty="0"/>
-              <a:t> </a:t>
-            </a:r>
-            <a:r>
-              <a:rPr lang="de-DE" dirty="0" err="1"/>
-              <a:t>Authorization</a:t>
-            </a:r>
-            <a:r>
-              <a:rPr lang="de-DE" dirty="0"/>
-              <a:t> Location</a:t>
-            </a:r>
-          </a:p>
-          <a:p>
-            <a:pPr lvl="2"/>
-            <a:r>
-              <a:rPr lang="de-DE" dirty="0"/>
-              <a:t>Wenn User die </a:t>
-            </a:r>
-            <a:r>
-              <a:rPr lang="de-DE" dirty="0" err="1"/>
-              <a:t>Authorisierung</a:t>
-            </a:r>
-            <a:r>
-              <a:rPr lang="de-DE" dirty="0"/>
-              <a:t> der Lokationsdaten geändert hat</a:t>
-            </a:r>
-          </a:p>
-          <a:p>
-            <a:pPr lvl="1"/>
-            <a:r>
-              <a:rPr lang="de-DE" dirty="0"/>
-              <a:t>User </a:t>
-            </a:r>
-            <a:r>
-              <a:rPr lang="de-DE" dirty="0" err="1"/>
-              <a:t>Changed</a:t>
-            </a:r>
-            <a:r>
-              <a:rPr lang="de-DE" dirty="0"/>
-              <a:t> Location</a:t>
-            </a:r>
-          </a:p>
-          <a:p>
-            <a:pPr lvl="2"/>
-            <a:r>
-              <a:rPr lang="de-DE" dirty="0"/>
-              <a:t>Wenn User den Standort geändert hat, bzw. das </a:t>
-            </a:r>
-            <a:r>
-              <a:rPr lang="de-DE" dirty="0" err="1"/>
-              <a:t>Locationsergebnis</a:t>
-            </a:r>
-            <a:r>
-              <a:rPr lang="de-DE" dirty="0"/>
-              <a:t> genauer wurde</a:t>
-            </a:r>
-          </a:p>
-          <a:p>
-            <a:pPr lvl="1"/>
-            <a:r>
-              <a:rPr lang="de-DE" dirty="0" err="1"/>
-              <a:t>Did</a:t>
-            </a:r>
-            <a:r>
-              <a:rPr lang="de-DE" dirty="0"/>
-              <a:t> Find Route </a:t>
-            </a:r>
-            <a:r>
-              <a:rPr lang="de-DE" dirty="0" err="1"/>
-              <a:t>To</a:t>
-            </a:r>
-            <a:r>
-              <a:rPr lang="de-DE" dirty="0"/>
-              <a:t> Restaurant</a:t>
-            </a:r>
-          </a:p>
-          <a:p>
-            <a:pPr lvl="2"/>
-            <a:r>
-              <a:rPr lang="de-DE" dirty="0"/>
-              <a:t>Wenn der Apple Service eine neue Route errechnet hat</a:t>
-            </a:r>
-          </a:p>
-          <a:p>
-            <a:r>
-              <a:rPr lang="de-DE" dirty="0"/>
-              <a:t>Error List</a:t>
-            </a:r>
-          </a:p>
-          <a:p>
-            <a:pPr lvl="1"/>
-            <a:r>
-              <a:rPr lang="de-DE" dirty="0"/>
-              <a:t>New Error </a:t>
-            </a:r>
-            <a:r>
-              <a:rPr lang="de-DE" dirty="0" err="1"/>
-              <a:t>Listed</a:t>
+              <a:t>TaRest_NewErrorListed</a:t>
             </a:r>
             <a:endParaRPr lang="de-DE" dirty="0"/>
           </a:p>
@@ -4229,7 +4180,12 @@
             <p:ph idx="1"/>
           </p:nvPr>
         </p:nvSpPr>
-        <p:spPr/>
+        <p:spPr>
+          <a:xfrm>
+            <a:off x="681038" y="1253067"/>
+            <a:ext cx="8543925" cy="5239806"/>
+          </a:xfrm>
+        </p:spPr>
         <p:txBody>
           <a:bodyPr>
             <a:normAutofit lnSpcReduction="10000"/>
@@ -4313,69 +4269,53 @@
             </a:r>
           </a:p>
           <a:p>
+            <a:r>
+              <a:rPr lang="de-DE" dirty="0"/>
+              <a:t>Storage</a:t>
+            </a:r>
+          </a:p>
+          <a:p>
             <a:pPr lvl="1"/>
             <a:r>
+              <a:rPr lang="de-DE" dirty="0"/>
+              <a:t>Benutzereinstellungen in User-Defaults</a:t>
+            </a:r>
+          </a:p>
+          <a:p>
+            <a:pPr lvl="1"/>
+            <a:r>
+              <a:rPr lang="de-DE" dirty="0"/>
+              <a:t>Fehlermeldungen in eigener .</a:t>
+            </a:r>
+            <a:r>
               <a:rPr lang="de-DE" dirty="0" err="1"/>
-              <a:t>AppSequenceQueue</a:t>
-            </a:r>
-            <a:r>
-              <a:rPr lang="de-DE" dirty="0"/>
-              <a:t> (.</a:t>
-            </a:r>
+              <a:t>pList</a:t>
+            </a:r>
+            <a:r>
+              <a:rPr lang="de-DE" dirty="0"/>
+              <a:t> Datei</a:t>
+            </a:r>
+          </a:p>
+          <a:p>
             <a:r>
               <a:rPr lang="de-DE" dirty="0" err="1"/>
-              <a:t>serial</a:t>
-            </a:r>
-            <a:r>
-              <a:rPr lang="de-DE" dirty="0"/>
-              <a:t>)</a:t>
-            </a:r>
-          </a:p>
-          <a:p>
-            <a:r>
-              <a:rPr lang="de-DE" dirty="0"/>
-              <a:t>Storage</a:t>
-            </a:r>
+              <a:t>Localization</a:t>
+            </a:r>
+            <a:endParaRPr lang="de-DE" dirty="0"/>
           </a:p>
           <a:p>
             <a:pPr lvl="1"/>
             <a:r>
               <a:rPr lang="de-DE" dirty="0"/>
-              <a:t>Restaurant JSON Data als Datei in </a:t>
+              <a:t>Storyboards, Strings, </a:t>
             </a:r>
             <a:r>
               <a:rPr lang="de-DE" dirty="0" err="1"/>
-              <a:t>AppSupport</a:t>
-            </a:r>
-            <a:r>
-              <a:rPr lang="de-DE" dirty="0"/>
-              <a:t> Verzeichnis</a:t>
-            </a:r>
-          </a:p>
-          <a:p>
-            <a:pPr lvl="1"/>
-            <a:r>
-              <a:rPr lang="de-DE" dirty="0" err="1"/>
-              <a:t>PresentationImages</a:t>
-            </a:r>
-            <a:r>
-              <a:rPr lang="de-DE" dirty="0"/>
-              <a:t> als Datei in </a:t>
-            </a:r>
-            <a:r>
-              <a:rPr lang="de-DE" dirty="0" err="1"/>
-              <a:t>AppSupport</a:t>
-            </a:r>
-            <a:r>
-              <a:rPr lang="de-DE" dirty="0"/>
-              <a:t>/Images Verzeichnis</a:t>
-            </a:r>
-          </a:p>
-          <a:p>
-            <a:pPr lvl="1"/>
-            <a:r>
-              <a:rPr lang="de-DE" dirty="0"/>
-              <a:t>Benutzereinstellungen in User-Defaults</a:t>
+              <a:t>Info.pList</a:t>
+            </a:r>
+            <a:r>
+              <a:rPr lang="de-DE" dirty="0"/>
+              <a:t> und ein Bild in Assets, jeweils in English und Deutsch</a:t>
             </a:r>
           </a:p>
         </p:txBody>
@@ -4454,7 +4394,12 @@
             <p:ph idx="1"/>
           </p:nvPr>
         </p:nvSpPr>
-        <p:spPr/>
+        <p:spPr>
+          <a:xfrm>
+            <a:off x="681038" y="1253067"/>
+            <a:ext cx="8543925" cy="5239806"/>
+          </a:xfrm>
+        </p:spPr>
         <p:txBody>
           <a:bodyPr>
             <a:normAutofit fontScale="92500" lnSpcReduction="20000"/>
@@ -4530,14 +4475,18 @@
             <a:pPr lvl="3"/>
             <a:r>
               <a:rPr lang="de-DE" dirty="0"/>
-              <a:t>Kartentyp und </a:t>
-            </a:r>
-            <a:r>
-              <a:rPr lang="de-DE" dirty="0" err="1"/>
+              <a:t>Kartentyp </a:t>
+            </a:r>
+            <a:r>
+              <a:rPr lang="de-DE" strike="sngStrike" dirty="0"/>
+              <a:t>und </a:t>
+            </a:r>
+            <a:r>
+              <a:rPr lang="de-DE" strike="sngStrike" dirty="0" err="1"/>
               <a:t>KartenAusrichtung</a:t>
             </a:r>
             <a:r>
-              <a:rPr lang="de-DE" dirty="0"/>
+              <a:rPr lang="de-DE" strike="sngStrike" dirty="0"/>
               <a:t> </a:t>
             </a:r>
           </a:p>
@@ -4545,7 +4494,15 @@
             <a:pPr lvl="2"/>
             <a:r>
               <a:rPr lang="de-DE" dirty="0"/>
-              <a:t>Zoom Tasten plus Center Tasten, rechts</a:t>
+              <a:t>Zoom Tasten </a:t>
+            </a:r>
+            <a:r>
+              <a:rPr lang="de-DE" strike="sngStrike" dirty="0"/>
+              <a:t>plus Center Tasten</a:t>
+            </a:r>
+            <a:r>
+              <a:rPr lang="de-DE" dirty="0"/>
+              <a:t>, rechts</a:t>
             </a:r>
           </a:p>
           <a:p>
@@ -4581,7 +4538,7 @@
             </a:r>
             <a:r>
               <a:rPr lang="de-DE" dirty="0"/>
-              <a:t>: Name und Öffnungszeiten</a:t>
+              <a:t>: Name und Öffnungsstatus (offen, schließt bald, geschlossen, öffnet bald)</a:t>
             </a:r>
           </a:p>
           <a:p>
@@ -4691,13 +4648,6 @@
             <a:r>
               <a:rPr lang="de-DE" dirty="0"/>
               <a:t>Eingabe wird in der Listenansicht hervorgehoben</a:t>
-            </a:r>
-          </a:p>
-          <a:p>
-            <a:pPr lvl="2"/>
-            <a:r>
-              <a:rPr lang="de-DE" dirty="0"/>
-              <a:t>Wie ist das bei mehreren Wörter bei der Eingabe???</a:t>
             </a:r>
           </a:p>
           <a:p>
@@ -7313,149 +7263,6 @@
           <p:cNvPr id="2" name="Titel 1">
             <a:extLst>
               <a:ext uri="{FF2B5EF4-FFF2-40B4-BE49-F238E27FC236}">
-                <a16:creationId xmlns:a16="http://schemas.microsoft.com/office/drawing/2014/main" id="{82235648-547D-E846-B342-55C416580726}"/>
-              </a:ext>
-            </a:extLst>
-          </p:cNvPr>
-          <p:cNvSpPr>
-            <a:spLocks noGrp="1"/>
-          </p:cNvSpPr>
-          <p:nvPr>
-            <p:ph type="title"/>
-          </p:nvPr>
-        </p:nvSpPr>
-        <p:spPr/>
-        <p:txBody>
-          <a:bodyPr/>
-          <a:lstStyle/>
-          <a:p>
-            <a:r>
-              <a:rPr lang="de-DE" dirty="0"/>
-              <a:t>Handling 3</a:t>
-            </a:r>
-          </a:p>
-        </p:txBody>
-      </p:sp>
-      <p:sp>
-        <p:nvSpPr>
-          <p:cNvPr id="3" name="Inhaltsplatzhalter 2">
-            <a:extLst>
-              <a:ext uri="{FF2B5EF4-FFF2-40B4-BE49-F238E27FC236}">
-                <a16:creationId xmlns:a16="http://schemas.microsoft.com/office/drawing/2014/main" id="{EA3805FE-F12D-7546-AD14-3ACCC553F0FF}"/>
-              </a:ext>
-            </a:extLst>
-          </p:cNvPr>
-          <p:cNvSpPr>
-            <a:spLocks noGrp="1"/>
-          </p:cNvSpPr>
-          <p:nvPr>
-            <p:ph idx="1"/>
-          </p:nvPr>
-        </p:nvSpPr>
-        <p:spPr/>
-        <p:txBody>
-          <a:bodyPr/>
-          <a:lstStyle/>
-          <a:p>
-            <a:r>
-              <a:rPr lang="de-DE" dirty="0"/>
-              <a:t>Info Screen</a:t>
-            </a:r>
-          </a:p>
-          <a:p>
-            <a:pPr lvl="1"/>
-            <a:r>
-              <a:rPr lang="de-DE" dirty="0"/>
-              <a:t>Hilfetext (hier nur angedeutet)</a:t>
-            </a:r>
-          </a:p>
-          <a:p>
-            <a:pPr lvl="1"/>
-            <a:endParaRPr lang="de-DE" dirty="0"/>
-          </a:p>
-          <a:p>
-            <a:pPr lvl="1"/>
-            <a:r>
-              <a:rPr lang="de-DE" dirty="0"/>
-              <a:t>App Infos</a:t>
-            </a:r>
-          </a:p>
-          <a:p>
-            <a:pPr lvl="2"/>
-            <a:r>
-              <a:rPr lang="de-DE" dirty="0"/>
-              <a:t>Versionsnummer</a:t>
-            </a:r>
-          </a:p>
-          <a:p>
-            <a:pPr lvl="2"/>
-            <a:r>
-              <a:rPr lang="de-DE" dirty="0"/>
-              <a:t>Aktueller Status der Lokations-Autorisierung</a:t>
-            </a:r>
-          </a:p>
-          <a:p>
-            <a:pPr lvl="2"/>
-            <a:r>
-              <a:rPr lang="de-DE" dirty="0"/>
-              <a:t>Datum letzter Datenabruf</a:t>
-            </a:r>
-          </a:p>
-          <a:p>
-            <a:pPr lvl="2"/>
-            <a:endParaRPr lang="de-DE" dirty="0"/>
-          </a:p>
-          <a:p>
-            <a:pPr lvl="1"/>
-            <a:r>
-              <a:rPr lang="de-DE" dirty="0"/>
-              <a:t>Error List</a:t>
-            </a:r>
-          </a:p>
-          <a:p>
-            <a:pPr lvl="2"/>
-            <a:r>
-              <a:rPr lang="de-DE" dirty="0"/>
-              <a:t>Liste der letzten 50 Fehlermeldungen</a:t>
-            </a:r>
-          </a:p>
-        </p:txBody>
-      </p:sp>
-    </p:spTree>
-    <p:extLst>
-      <p:ext uri="{BB962C8B-B14F-4D97-AF65-F5344CB8AC3E}">
-        <p14:creationId xmlns:p14="http://schemas.microsoft.com/office/powerpoint/2010/main" val="1561608524"/>
-      </p:ext>
-    </p:extLst>
-  </p:cSld>
-  <p:clrMapOvr>
-    <a:masterClrMapping/>
-  </p:clrMapOvr>
-</p:sld>
-</file>
-
-<file path=ppt/slides/slide7.xml><?xml version="1.0" encoding="utf-8"?>
-<p:sld xmlns:a="http://schemas.openxmlformats.org/drawingml/2006/main" xmlns:r="http://schemas.openxmlformats.org/officeDocument/2006/relationships" xmlns:p="http://schemas.openxmlformats.org/presentationml/2006/main">
-  <p:cSld>
-    <p:spTree>
-      <p:nvGrpSpPr>
-        <p:cNvPr id="1" name=""/>
-        <p:cNvGrpSpPr/>
-        <p:nvPr/>
-      </p:nvGrpSpPr>
-      <p:grpSpPr>
-        <a:xfrm>
-          <a:off x="0" y="0"/>
-          <a:ext cx="0" cy="0"/>
-          <a:chOff x="0" y="0"/>
-          <a:chExt cx="0" cy="0"/>
-        </a:xfrm>
-      </p:grpSpPr>
-      <p:sp>
-        <p:nvSpPr>
-          <p:cNvPr id="2" name="Titel 1">
-            <a:extLst>
-              <a:ext uri="{FF2B5EF4-FFF2-40B4-BE49-F238E27FC236}">
                 <a16:creationId xmlns:a16="http://schemas.microsoft.com/office/drawing/2014/main" id="{30C6F45F-0295-0D42-9C2C-19B015B3FF05}"/>
               </a:ext>
             </a:extLst>
@@ -7476,7 +7283,7 @@
           <a:p>
             <a:r>
               <a:rPr lang="de-DE" dirty="0"/>
-              <a:t>Handling 4</a:t>
+              <a:t>Handling 3</a:t>
             </a:r>
           </a:p>
         </p:txBody>
@@ -7506,7 +7313,7 @@
           <a:p>
             <a:r>
               <a:rPr lang="de-DE" dirty="0"/>
-              <a:t>Detailansicht</a:t>
+              <a:t>Detailansicht (von Listen-Ansicht und von Karten-Ansicht)</a:t>
             </a:r>
           </a:p>
           <a:p>
@@ -7527,7 +7334,7 @@
             <a:pPr lvl="1"/>
             <a:r>
               <a:rPr lang="de-DE" dirty="0"/>
-              <a:t>Status: Ist gerade geöffnet (Ja / Nein, rot / grün)</a:t>
+              <a:t>Öffnungsstatus</a:t>
             </a:r>
           </a:p>
           <a:p>
@@ -7573,7 +7380,7 @@
 </p:sld>
 </file>
 
-<file path=ppt/slides/slide8.xml><?xml version="1.0" encoding="utf-8"?>
+<file path=ppt/slides/slide7.xml><?xml version="1.0" encoding="utf-8"?>
 <p:sld xmlns:a="http://schemas.openxmlformats.org/drawingml/2006/main" xmlns:r="http://schemas.openxmlformats.org/officeDocument/2006/relationships" xmlns:p="http://schemas.openxmlformats.org/presentationml/2006/main">
   <p:cSld>
     <p:spTree>
@@ -10227,7 +10034,7 @@
 </p:sld>
 </file>
 
-<file path=ppt/slides/slide9.xml><?xml version="1.0" encoding="utf-8"?>
+<file path=ppt/slides/slide8.xml><?xml version="1.0" encoding="utf-8"?>
 <p:sld xmlns:a="http://schemas.openxmlformats.org/drawingml/2006/main" xmlns:r="http://schemas.openxmlformats.org/officeDocument/2006/relationships" xmlns:p="http://schemas.openxmlformats.org/presentationml/2006/main">
   <p:cSld>
     <p:spTree>
@@ -10249,7 +10056,7 @@
           <p:cNvPr id="2" name="Titel 1">
             <a:extLst>
               <a:ext uri="{FF2B5EF4-FFF2-40B4-BE49-F238E27FC236}">
-                <a16:creationId xmlns:a16="http://schemas.microsoft.com/office/drawing/2014/main" id="{FD4D6D7D-3114-2D4B-BF9F-FC783B6962ED}"/>
+                <a16:creationId xmlns:a16="http://schemas.microsoft.com/office/drawing/2014/main" id="{82235648-547D-E846-B342-55C416580726}"/>
               </a:ext>
             </a:extLst>
           </p:cNvPr>
@@ -10267,7 +10074,7 @@
           <a:p>
             <a:r>
               <a:rPr lang="de-DE" dirty="0"/>
-              <a:t>App Struktur 1</a:t>
+              <a:t>Handling 4</a:t>
             </a:r>
           </a:p>
         </p:txBody>
@@ -10277,7 +10084,7 @@
           <p:cNvPr id="3" name="Inhaltsplatzhalter 2">
             <a:extLst>
               <a:ext uri="{FF2B5EF4-FFF2-40B4-BE49-F238E27FC236}">
-                <a16:creationId xmlns:a16="http://schemas.microsoft.com/office/drawing/2014/main" id="{EE55A7DA-38C9-154B-BFBD-89FD890687F1}"/>
+                <a16:creationId xmlns:a16="http://schemas.microsoft.com/office/drawing/2014/main" id="{EA3805FE-F12D-7546-AD14-3ACCC553F0FF}"/>
               </a:ext>
             </a:extLst>
           </p:cNvPr>
@@ -10288,172 +10095,21 @@
             <p:ph idx="1"/>
           </p:nvPr>
         </p:nvSpPr>
-        <p:spPr>
-          <a:xfrm>
-            <a:off x="681038" y="1253066"/>
-            <a:ext cx="8543925" cy="5342805"/>
-          </a:xfrm>
-        </p:spPr>
-        <p:txBody>
-          <a:bodyPr>
-            <a:normAutofit fontScale="92500" lnSpcReduction="10000"/>
-          </a:bodyPr>
+        <p:spPr/>
+        <p:txBody>
+          <a:bodyPr/>
           <a:lstStyle/>
           <a:p>
             <a:r>
               <a:rPr lang="de-DE" dirty="0"/>
-              <a:t>Base App</a:t>
-            </a:r>
-          </a:p>
-          <a:p>
-            <a:pPr lvl="2"/>
-            <a:r>
-              <a:rPr lang="de-DE" dirty="0" err="1"/>
-              <a:t>Application</a:t>
-            </a:r>
-            <a:r>
-              <a:rPr lang="de-DE" dirty="0"/>
-              <a:t> </a:t>
-            </a:r>
-            <a:r>
-              <a:rPr lang="de-DE" dirty="0" err="1"/>
-              <a:t>Delegate</a:t>
-            </a:r>
-            <a:r>
-              <a:rPr lang="de-DE" dirty="0"/>
-              <a:t>, Scene </a:t>
-            </a:r>
-            <a:r>
-              <a:rPr lang="de-DE" dirty="0" err="1"/>
-              <a:t>Delegate</a:t>
-            </a:r>
-            <a:endParaRPr lang="de-DE" dirty="0"/>
-          </a:p>
-          <a:p>
-            <a:pPr lvl="2"/>
-            <a:r>
-              <a:rPr lang="de-DE" dirty="0" err="1"/>
-              <a:t>Notification</a:t>
-            </a:r>
-            <a:r>
-              <a:rPr lang="de-DE" dirty="0"/>
-              <a:t> Name </a:t>
-            </a:r>
-            <a:r>
-              <a:rPr lang="de-DE" dirty="0" err="1"/>
-              <a:t>Extention</a:t>
-            </a:r>
-            <a:endParaRPr lang="de-DE" dirty="0"/>
-          </a:p>
-          <a:p>
-            <a:pPr lvl="2"/>
-            <a:r>
-              <a:rPr lang="de-DE" dirty="0"/>
-              <a:t>Error List</a:t>
-            </a:r>
-          </a:p>
-          <a:p>
-            <a:r>
-              <a:rPr lang="de-DE" dirty="0"/>
-              <a:t>Data </a:t>
-            </a:r>
-            <a:r>
-              <a:rPr lang="de-DE" dirty="0" err="1"/>
-              <a:t>Gathering</a:t>
-            </a:r>
-            <a:endParaRPr lang="de-DE" dirty="0"/>
+              <a:t>Info Screen</a:t>
+            </a:r>
           </a:p>
           <a:p>
             <a:pPr lvl="1"/>
             <a:r>
               <a:rPr lang="de-DE" dirty="0"/>
-              <a:t>Restaurant Data</a:t>
-            </a:r>
-          </a:p>
-          <a:p>
-            <a:pPr lvl="2"/>
-            <a:r>
-              <a:rPr lang="de-DE" dirty="0"/>
-              <a:t>REST Restaurant Data</a:t>
-            </a:r>
-          </a:p>
-          <a:p>
-            <a:pPr lvl="2"/>
-            <a:r>
-              <a:rPr lang="de-DE" dirty="0"/>
-              <a:t>JSON Restaurant Data</a:t>
-            </a:r>
-          </a:p>
-          <a:p>
-            <a:pPr lvl="1"/>
-            <a:r>
-              <a:rPr lang="de-DE" dirty="0" err="1"/>
-              <a:t>Presentation</a:t>
-            </a:r>
-            <a:r>
-              <a:rPr lang="de-DE" dirty="0"/>
-              <a:t> Images</a:t>
-            </a:r>
-          </a:p>
-          <a:p>
-            <a:pPr lvl="2"/>
-            <a:r>
-              <a:rPr lang="de-DE" dirty="0" err="1"/>
-              <a:t>Presentation</a:t>
-            </a:r>
-            <a:r>
-              <a:rPr lang="de-DE" dirty="0"/>
-              <a:t> Image Data</a:t>
-            </a:r>
-          </a:p>
-          <a:p>
-            <a:pPr lvl="1"/>
-            <a:r>
-              <a:rPr lang="de-DE" dirty="0"/>
-              <a:t>Location Service</a:t>
-            </a:r>
-          </a:p>
-          <a:p>
-            <a:pPr lvl="2"/>
-            <a:r>
-              <a:rPr lang="de-DE" dirty="0" err="1"/>
-              <a:t>LocationService</a:t>
-            </a:r>
-            <a:endParaRPr lang="de-DE" dirty="0"/>
-          </a:p>
-          <a:p>
-            <a:r>
-              <a:rPr lang="de-DE" dirty="0"/>
-              <a:t>Data Store</a:t>
-            </a:r>
-          </a:p>
-          <a:p>
-            <a:pPr lvl="1"/>
-            <a:r>
-              <a:rPr lang="de-DE" dirty="0"/>
-              <a:t>Global Data</a:t>
-            </a:r>
-          </a:p>
-          <a:p>
-            <a:pPr lvl="2"/>
-            <a:r>
-              <a:rPr lang="de-DE" dirty="0"/>
-              <a:t>Restaurant Data inkl. </a:t>
-            </a:r>
-            <a:r>
-              <a:rPr lang="de-DE" dirty="0" err="1"/>
-              <a:t>Presentation</a:t>
-            </a:r>
-            <a:r>
-              <a:rPr lang="de-DE" dirty="0"/>
-              <a:t> Images</a:t>
-            </a:r>
-          </a:p>
-          <a:p>
-            <a:pPr lvl="2"/>
-            <a:r>
-              <a:rPr lang="de-DE" dirty="0"/>
-              <a:t>User Data</a:t>
+              <a:t>Hilfetext (hier nur angedeutet)</a:t>
             </a:r>
           </a:p>
           <a:p>
@@ -10461,28 +10117,817 @@
             <a:endParaRPr lang="de-DE" dirty="0"/>
           </a:p>
           <a:p>
-            <a:endParaRPr lang="de-DE" dirty="0"/>
+            <a:pPr lvl="1"/>
+            <a:r>
+              <a:rPr lang="de-DE" dirty="0"/>
+              <a:t>App Infos</a:t>
+            </a:r>
+          </a:p>
+          <a:p>
+            <a:pPr lvl="2"/>
+            <a:r>
+              <a:rPr lang="de-DE" dirty="0"/>
+              <a:t>Versionsnummer</a:t>
+            </a:r>
+          </a:p>
+          <a:p>
+            <a:pPr lvl="2"/>
+            <a:r>
+              <a:rPr lang="de-DE" strike="sngStrike" dirty="0"/>
+              <a:t>Aktueller Status der Lokations-Autorisierung</a:t>
+            </a:r>
           </a:p>
           <a:p>
             <a:pPr lvl="2"/>
             <a:endParaRPr lang="de-DE" dirty="0"/>
           </a:p>
           <a:p>
+            <a:pPr lvl="1"/>
+            <a:r>
+              <a:rPr lang="de-DE" dirty="0"/>
+              <a:t>Error List</a:t>
+            </a:r>
+          </a:p>
+          <a:p>
             <a:pPr lvl="2"/>
-            <a:endParaRPr lang="de-DE" dirty="0"/>
+            <a:r>
+              <a:rPr lang="de-DE" dirty="0"/>
+              <a:t>Liste der letzten 50 Fehlermeldungen (permanent gespeichert)</a:t>
+            </a:r>
           </a:p>
         </p:txBody>
       </p:sp>
     </p:spTree>
     <p:extLst>
       <p:ext uri="{BB962C8B-B14F-4D97-AF65-F5344CB8AC3E}">
-        <p14:creationId xmlns:p14="http://schemas.microsoft.com/office/powerpoint/2010/main" val="4223669591"/>
+        <p14:creationId xmlns:p14="http://schemas.microsoft.com/office/powerpoint/2010/main" val="1561608524"/>
       </p:ext>
     </p:extLst>
   </p:cSld>
   <p:clrMapOvr>
     <a:masterClrMapping/>
   </p:clrMapOvr>
+</p:sld>
+</file>
+
+<file path=ppt/slides/slide9.xml><?xml version="1.0" encoding="utf-8"?>
+<p:sld xmlns:a="http://schemas.openxmlformats.org/drawingml/2006/main" xmlns:r="http://schemas.openxmlformats.org/officeDocument/2006/relationships" xmlns:p="http://schemas.openxmlformats.org/presentationml/2006/main">
+  <p:cSld>
+    <p:bg>
+      <p:bgPr>
+        <a:solidFill>
+          <a:schemeClr val="bg1"/>
+        </a:solidFill>
+        <a:effectLst/>
+      </p:bgPr>
+    </p:bg>
+    <p:spTree>
+      <p:nvGrpSpPr>
+        <p:cNvPr id="1" name=""/>
+        <p:cNvGrpSpPr/>
+        <p:nvPr/>
+      </p:nvGrpSpPr>
+      <p:grpSpPr>
+        <a:xfrm>
+          <a:off x="0" y="0"/>
+          <a:ext cx="0" cy="0"/>
+          <a:chOff x="0" y="0"/>
+          <a:chExt cx="0" cy="0"/>
+        </a:xfrm>
+      </p:grpSpPr>
+      <p:sp useBgFill="1">
+        <p:nvSpPr>
+          <p:cNvPr id="17" name="Rectangle 16">
+            <a:extLst>
+              <a:ext uri="{FF2B5EF4-FFF2-40B4-BE49-F238E27FC236}">
+                <a16:creationId xmlns:a16="http://schemas.microsoft.com/office/drawing/2014/main" id="{72018E1B-E0B9-4440-AFF3-4112E50A2763}"/>
+              </a:ext>
+              <a:ext uri="{C183D7F6-B498-43B3-948B-1728B52AA6E4}">
+                <adec:decorative xmlns:adec="http://schemas.microsoft.com/office/drawing/2017/decorative" val="1"/>
+              </a:ext>
+            </a:extLst>
+          </p:cNvPr>
+          <p:cNvSpPr>
+            <a:spLocks noGrp="1" noRot="1" noChangeAspect="1" noMove="1" noResize="1" noEditPoints="1" noAdjustHandles="1" noChangeArrowheads="1" noChangeShapeType="1" noTextEdit="1"/>
+          </p:cNvSpPr>
+          <p:nvPr>
+            <p:extLst>
+              <p:ext uri="{386F3935-93C4-4BCD-93E2-E3B085C9AB24}">
+                <p16:designElem xmlns:p16="http://schemas.microsoft.com/office/powerpoint/2015/main" val="1"/>
+              </p:ext>
+            </p:extLst>
+          </p:nvPr>
+        </p:nvSpPr>
+        <p:spPr>
+          <a:xfrm>
+            <a:off x="0" y="0"/>
+            <a:ext cx="9903522" cy="6858000"/>
+          </a:xfrm>
+          <a:prstGeom prst="rect">
+            <a:avLst/>
+          </a:prstGeom>
+          <a:ln>
+            <a:noFill/>
+          </a:ln>
+        </p:spPr>
+        <p:style>
+          <a:lnRef idx="2">
+            <a:schemeClr val="accent1">
+              <a:shade val="50000"/>
+            </a:schemeClr>
+          </a:lnRef>
+          <a:fillRef idx="1">
+            <a:schemeClr val="accent1"/>
+          </a:fillRef>
+          <a:effectRef idx="0">
+            <a:schemeClr val="accent1"/>
+          </a:effectRef>
+          <a:fontRef idx="minor">
+            <a:schemeClr val="lt1"/>
+          </a:fontRef>
+        </p:style>
+        <p:txBody>
+          <a:bodyPr rtlCol="0" anchor="ctr"/>
+          <a:lstStyle/>
+          <a:p>
+            <a:pPr algn="ctr"/>
+            <a:endParaRPr lang="en-US"/>
+          </a:p>
+        </p:txBody>
+      </p:sp>
+      <p:sp>
+        <p:nvSpPr>
+          <p:cNvPr id="2" name="Titel 1">
+            <a:extLst>
+              <a:ext uri="{FF2B5EF4-FFF2-40B4-BE49-F238E27FC236}">
+                <a16:creationId xmlns:a16="http://schemas.microsoft.com/office/drawing/2014/main" id="{65CE295C-6BFA-964C-9998-D1BC1063D71A}"/>
+              </a:ext>
+            </a:extLst>
+          </p:cNvPr>
+          <p:cNvSpPr>
+            <a:spLocks noGrp="1"/>
+          </p:cNvSpPr>
+          <p:nvPr>
+            <p:ph type="title"/>
+          </p:nvPr>
+        </p:nvSpPr>
+        <p:spPr>
+          <a:xfrm>
+            <a:off x="681037" y="557191"/>
+            <a:ext cx="8543925" cy="783094"/>
+          </a:xfrm>
+        </p:spPr>
+        <p:txBody>
+          <a:bodyPr>
+            <a:normAutofit/>
+          </a:bodyPr>
+          <a:lstStyle/>
+          <a:p>
+            <a:pPr algn="ctr"/>
+            <a:r>
+              <a:rPr lang="de-DE" sz="4700" dirty="0"/>
+              <a:t>Screenshots</a:t>
+            </a:r>
+          </a:p>
+        </p:txBody>
+      </p:sp>
+      <p:pic>
+        <p:nvPicPr>
+          <p:cNvPr id="8" name="Grafik 7" descr="Ein Bild, das Text enthält.&#10;&#10;Automatisch generierte Beschreibung">
+            <a:extLst>
+              <a:ext uri="{FF2B5EF4-FFF2-40B4-BE49-F238E27FC236}">
+                <a16:creationId xmlns:a16="http://schemas.microsoft.com/office/drawing/2014/main" id="{BFA3117A-2A56-904F-95FE-40C6D831E2C0}"/>
+              </a:ext>
+            </a:extLst>
+          </p:cNvPr>
+          <p:cNvPicPr>
+            <a:picLocks noChangeAspect="1"/>
+          </p:cNvPicPr>
+          <p:nvPr/>
+        </p:nvPicPr>
+        <p:blipFill rotWithShape="1">
+          <a:blip r:embed="rId2"/>
+          <a:srcRect r="3" b="3154"/>
+          <a:stretch/>
+        </p:blipFill>
+        <p:spPr>
+          <a:xfrm>
+            <a:off x="2008217" y="2649760"/>
+            <a:ext cx="1832563" cy="3155238"/>
+          </a:xfrm>
+          <a:prstGeom prst="rect">
+            <a:avLst/>
+          </a:prstGeom>
+          <a:ln>
+            <a:solidFill>
+              <a:schemeClr val="accent1"/>
+            </a:solidFill>
+          </a:ln>
+        </p:spPr>
+      </p:pic>
+      <p:pic>
+        <p:nvPicPr>
+          <p:cNvPr id="10" name="Grafik 9">
+            <a:extLst>
+              <a:ext uri="{FF2B5EF4-FFF2-40B4-BE49-F238E27FC236}">
+                <a16:creationId xmlns:a16="http://schemas.microsoft.com/office/drawing/2014/main" id="{DB11E0CF-6238-0846-86EB-104A9064CBC9}"/>
+              </a:ext>
+            </a:extLst>
+          </p:cNvPr>
+          <p:cNvPicPr>
+            <a:picLocks noChangeAspect="1"/>
+          </p:cNvPicPr>
+          <p:nvPr/>
+        </p:nvPicPr>
+        <p:blipFill rotWithShape="1">
+          <a:blip r:embed="rId3"/>
+          <a:srcRect t="3151" r="3" b="3"/>
+          <a:stretch/>
+        </p:blipFill>
+        <p:spPr>
+          <a:xfrm>
+            <a:off x="65418" y="2649760"/>
+            <a:ext cx="1832562" cy="3155238"/>
+          </a:xfrm>
+          <a:prstGeom prst="rect">
+            <a:avLst/>
+          </a:prstGeom>
+          <a:ln>
+            <a:solidFill>
+              <a:schemeClr val="accent1"/>
+            </a:solidFill>
+          </a:ln>
+        </p:spPr>
+      </p:pic>
+      <p:pic>
+        <p:nvPicPr>
+          <p:cNvPr id="6" name="Grafik 5" descr="Ein Bild, das Karte enthält.&#10;&#10;Automatisch generierte Beschreibung">
+            <a:extLst>
+              <a:ext uri="{FF2B5EF4-FFF2-40B4-BE49-F238E27FC236}">
+                <a16:creationId xmlns:a16="http://schemas.microsoft.com/office/drawing/2014/main" id="{D7D1AB22-1FDE-7D4B-B8A9-92954393BD64}"/>
+              </a:ext>
+            </a:extLst>
+          </p:cNvPr>
+          <p:cNvPicPr>
+            <a:picLocks noChangeAspect="1"/>
+          </p:cNvPicPr>
+          <p:nvPr/>
+        </p:nvPicPr>
+        <p:blipFill rotWithShape="1">
+          <a:blip r:embed="rId4"/>
+          <a:srcRect t="3151" r="3" b="3"/>
+          <a:stretch/>
+        </p:blipFill>
+        <p:spPr>
+          <a:xfrm>
+            <a:off x="3951017" y="2649760"/>
+            <a:ext cx="1832563" cy="3155238"/>
+          </a:xfrm>
+          <a:prstGeom prst="rect">
+            <a:avLst/>
+          </a:prstGeom>
+          <a:ln>
+            <a:solidFill>
+              <a:schemeClr val="accent1"/>
+            </a:solidFill>
+          </a:ln>
+        </p:spPr>
+      </p:pic>
+      <p:pic>
+        <p:nvPicPr>
+          <p:cNvPr id="4" name="Grafik 3" descr="Ein Bild, das Text enthält.&#10;&#10;Automatisch generierte Beschreibung">
+            <a:extLst>
+              <a:ext uri="{FF2B5EF4-FFF2-40B4-BE49-F238E27FC236}">
+                <a16:creationId xmlns:a16="http://schemas.microsoft.com/office/drawing/2014/main" id="{ABBC1AFE-B2D9-CE40-B63C-9823711B816D}"/>
+              </a:ext>
+            </a:extLst>
+          </p:cNvPr>
+          <p:cNvPicPr>
+            <a:picLocks noChangeAspect="1"/>
+          </p:cNvPicPr>
+          <p:nvPr/>
+        </p:nvPicPr>
+        <p:blipFill rotWithShape="1">
+          <a:blip r:embed="rId5"/>
+          <a:srcRect t="3151" r="3" b="3"/>
+          <a:stretch/>
+        </p:blipFill>
+        <p:spPr>
+          <a:xfrm>
+            <a:off x="5893817" y="2649760"/>
+            <a:ext cx="1832563" cy="3155238"/>
+          </a:xfrm>
+          <a:prstGeom prst="rect">
+            <a:avLst/>
+          </a:prstGeom>
+          <a:ln>
+            <a:solidFill>
+              <a:schemeClr val="accent1"/>
+            </a:solidFill>
+          </a:ln>
+        </p:spPr>
+      </p:pic>
+      <p:pic>
+        <p:nvPicPr>
+          <p:cNvPr id="12" name="Grafik 11" descr="Ein Bild, das Text enthält.&#10;&#10;Automatisch generierte Beschreibung">
+            <a:extLst>
+              <a:ext uri="{FF2B5EF4-FFF2-40B4-BE49-F238E27FC236}">
+                <a16:creationId xmlns:a16="http://schemas.microsoft.com/office/drawing/2014/main" id="{708B648E-2E9E-474B-BC30-F77FD250F180}"/>
+              </a:ext>
+            </a:extLst>
+          </p:cNvPr>
+          <p:cNvPicPr>
+            <a:picLocks noChangeAspect="1"/>
+          </p:cNvPicPr>
+          <p:nvPr/>
+        </p:nvPicPr>
+        <p:blipFill rotWithShape="1">
+          <a:blip r:embed="rId6"/>
+          <a:srcRect r="3" b="3154"/>
+          <a:stretch/>
+        </p:blipFill>
+        <p:spPr>
+          <a:xfrm>
+            <a:off x="7836617" y="2649760"/>
+            <a:ext cx="1832562" cy="3155238"/>
+          </a:xfrm>
+          <a:prstGeom prst="rect">
+            <a:avLst/>
+          </a:prstGeom>
+          <a:ln>
+            <a:solidFill>
+              <a:schemeClr val="accent1"/>
+            </a:solidFill>
+          </a:ln>
+        </p:spPr>
+      </p:pic>
+      <p:sp>
+        <p:nvSpPr>
+          <p:cNvPr id="13" name="Textfeld 12">
+            <a:extLst>
+              <a:ext uri="{FF2B5EF4-FFF2-40B4-BE49-F238E27FC236}">
+                <a16:creationId xmlns:a16="http://schemas.microsoft.com/office/drawing/2014/main" id="{189BB97C-4FC4-234D-BA30-AE1D16EFCFE1}"/>
+              </a:ext>
+            </a:extLst>
+          </p:cNvPr>
+          <p:cNvSpPr txBox="1"/>
+          <p:nvPr/>
+        </p:nvSpPr>
+        <p:spPr>
+          <a:xfrm>
+            <a:off x="230236" y="2238935"/>
+            <a:ext cx="1496756" cy="369332"/>
+          </a:xfrm>
+          <a:prstGeom prst="rect">
+            <a:avLst/>
+          </a:prstGeom>
+          <a:noFill/>
+        </p:spPr>
+        <p:txBody>
+          <a:bodyPr wrap="none" rtlCol="0">
+            <a:spAutoFit/>
+          </a:bodyPr>
+          <a:lstStyle/>
+          <a:p>
+            <a:r>
+              <a:rPr lang="de-DE" dirty="0"/>
+              <a:t>Listen-Ansicht</a:t>
+            </a:r>
+          </a:p>
+        </p:txBody>
+      </p:sp>
+      <p:sp>
+        <p:nvSpPr>
+          <p:cNvPr id="15" name="Textfeld 14">
+            <a:extLst>
+              <a:ext uri="{FF2B5EF4-FFF2-40B4-BE49-F238E27FC236}">
+                <a16:creationId xmlns:a16="http://schemas.microsoft.com/office/drawing/2014/main" id="{5F4FACD6-062D-0C4A-B9CE-535499047B28}"/>
+              </a:ext>
+            </a:extLst>
+          </p:cNvPr>
+          <p:cNvSpPr txBox="1"/>
+          <p:nvPr/>
+        </p:nvSpPr>
+        <p:spPr>
+          <a:xfrm>
+            <a:off x="1783788" y="2229633"/>
+            <a:ext cx="2308261" cy="369332"/>
+          </a:xfrm>
+          <a:prstGeom prst="rect">
+            <a:avLst/>
+          </a:prstGeom>
+          <a:noFill/>
+        </p:spPr>
+        <p:txBody>
+          <a:bodyPr wrap="none" rtlCol="0">
+            <a:spAutoFit/>
+          </a:bodyPr>
+          <a:lstStyle/>
+          <a:p>
+            <a:r>
+              <a:rPr lang="de-DE" dirty="0"/>
+              <a:t>gefiltert nach „Burger“</a:t>
+            </a:r>
+          </a:p>
+        </p:txBody>
+      </p:sp>
+      <p:sp>
+        <p:nvSpPr>
+          <p:cNvPr id="16" name="Textfeld 15">
+            <a:extLst>
+              <a:ext uri="{FF2B5EF4-FFF2-40B4-BE49-F238E27FC236}">
+                <a16:creationId xmlns:a16="http://schemas.microsoft.com/office/drawing/2014/main" id="{21323ECC-0AE4-854B-BFB8-5C10488687DB}"/>
+              </a:ext>
+            </a:extLst>
+          </p:cNvPr>
+          <p:cNvSpPr txBox="1"/>
+          <p:nvPr/>
+        </p:nvSpPr>
+        <p:spPr>
+          <a:xfrm>
+            <a:off x="4084295" y="2229633"/>
+            <a:ext cx="1566006" cy="369332"/>
+          </a:xfrm>
+          <a:prstGeom prst="rect">
+            <a:avLst/>
+          </a:prstGeom>
+          <a:noFill/>
+        </p:spPr>
+        <p:txBody>
+          <a:bodyPr wrap="none" rtlCol="0">
+            <a:spAutoFit/>
+          </a:bodyPr>
+          <a:lstStyle/>
+          <a:p>
+            <a:r>
+              <a:rPr lang="de-DE" dirty="0"/>
+              <a:t>Karten-Ansicht</a:t>
+            </a:r>
+          </a:p>
+        </p:txBody>
+      </p:sp>
+      <p:sp>
+        <p:nvSpPr>
+          <p:cNvPr id="18" name="Textfeld 17">
+            <a:extLst>
+              <a:ext uri="{FF2B5EF4-FFF2-40B4-BE49-F238E27FC236}">
+                <a16:creationId xmlns:a16="http://schemas.microsoft.com/office/drawing/2014/main" id="{39C8CF30-FB49-FE4E-B444-017A555CF96D}"/>
+              </a:ext>
+            </a:extLst>
+          </p:cNvPr>
+          <p:cNvSpPr txBox="1"/>
+          <p:nvPr/>
+        </p:nvSpPr>
+        <p:spPr>
+          <a:xfrm>
+            <a:off x="6062810" y="2238935"/>
+            <a:ext cx="1494576" cy="369332"/>
+          </a:xfrm>
+          <a:prstGeom prst="rect">
+            <a:avLst/>
+          </a:prstGeom>
+          <a:noFill/>
+        </p:spPr>
+        <p:txBody>
+          <a:bodyPr wrap="none" rtlCol="0">
+            <a:spAutoFit/>
+          </a:bodyPr>
+          <a:lstStyle/>
+          <a:p>
+            <a:r>
+              <a:rPr lang="de-DE" dirty="0"/>
+              <a:t>Detail-Ansicht</a:t>
+            </a:r>
+          </a:p>
+        </p:txBody>
+      </p:sp>
+      <p:sp>
+        <p:nvSpPr>
+          <p:cNvPr id="19" name="Textfeld 18">
+            <a:extLst>
+              <a:ext uri="{FF2B5EF4-FFF2-40B4-BE49-F238E27FC236}">
+                <a16:creationId xmlns:a16="http://schemas.microsoft.com/office/drawing/2014/main" id="{CE87B622-C968-434B-91A1-F3ED5EF8D92D}"/>
+              </a:ext>
+            </a:extLst>
+          </p:cNvPr>
+          <p:cNvSpPr txBox="1"/>
+          <p:nvPr/>
+        </p:nvSpPr>
+        <p:spPr>
+          <a:xfrm>
+            <a:off x="8089261" y="2229633"/>
+            <a:ext cx="1326389" cy="369332"/>
+          </a:xfrm>
+          <a:prstGeom prst="rect">
+            <a:avLst/>
+          </a:prstGeom>
+          <a:noFill/>
+        </p:spPr>
+        <p:txBody>
+          <a:bodyPr wrap="none" rtlCol="0">
+            <a:spAutoFit/>
+          </a:bodyPr>
+          <a:lstStyle/>
+          <a:p>
+            <a:r>
+              <a:rPr lang="de-DE" dirty="0"/>
+              <a:t>Info-Bereich</a:t>
+            </a:r>
+          </a:p>
+        </p:txBody>
+      </p:sp>
+    </p:spTree>
+    <p:extLst>
+      <p:ext uri="{BB962C8B-B14F-4D97-AF65-F5344CB8AC3E}">
+        <p14:creationId xmlns:p14="http://schemas.microsoft.com/office/powerpoint/2010/main" val="3745459315"/>
+      </p:ext>
+    </p:extLst>
+  </p:cSld>
+  <p:clrMapOvr>
+    <a:masterClrMapping/>
+  </p:clrMapOvr>
+  <p:timing>
+    <p:tnLst>
+      <p:par>
+        <p:cTn id="1" dur="indefinite" restart="never" nodeType="tmRoot">
+          <p:childTnLst>
+            <p:seq concurrent="1" nextAc="seek">
+              <p:cTn id="2" dur="indefinite" nodeType="mainSeq">
+                <p:childTnLst>
+                  <p:par>
+                    <p:cTn id="3" fill="hold">
+                      <p:stCondLst>
+                        <p:cond delay="indefinite"/>
+                        <p:cond evt="onBegin" delay="0">
+                          <p:tn val="2"/>
+                        </p:cond>
+                      </p:stCondLst>
+                      <p:childTnLst>
+                        <p:par>
+                          <p:cTn id="4" fill="hold">
+                            <p:stCondLst>
+                              <p:cond delay="0"/>
+                            </p:stCondLst>
+                            <p:childTnLst>
+                              <p:par>
+                                <p:cTn id="5" presetID="10" presetClass="entr" presetSubtype="0" fill="hold" nodeType="withEffect">
+                                  <p:stCondLst>
+                                    <p:cond delay="0"/>
+                                  </p:stCondLst>
+                                  <p:iterate>
+                                    <p:tmPct val="10000"/>
+                                  </p:iterate>
+                                  <p:childTnLst>
+                                    <p:set>
+                                      <p:cBhvr>
+                                        <p:cTn id="6" dur="1" fill="hold">
+                                          <p:stCondLst>
+                                            <p:cond delay="0"/>
+                                          </p:stCondLst>
+                                        </p:cTn>
+                                        <p:tgtEl>
+                                          <p:spTgt spid="12"/>
+                                        </p:tgtEl>
+                                        <p:attrNameLst>
+                                          <p:attrName>style.visibility</p:attrName>
+                                        </p:attrNameLst>
+                                      </p:cBhvr>
+                                      <p:to>
+                                        <p:strVal val="visible"/>
+                                      </p:to>
+                                    </p:set>
+                                    <p:animEffect transition="in" filter="fade">
+                                      <p:cBhvr>
+                                        <p:cTn id="7" dur="700"/>
+                                        <p:tgtEl>
+                                          <p:spTgt spid="12"/>
+                                        </p:tgtEl>
+                                      </p:cBhvr>
+                                    </p:animEffect>
+                                  </p:childTnLst>
+                                </p:cTn>
+                              </p:par>
+                              <p:par>
+                                <p:cTn id="8" presetID="10" presetClass="entr" presetSubtype="0" fill="hold" nodeType="withEffect">
+                                  <p:stCondLst>
+                                    <p:cond delay="0"/>
+                                  </p:stCondLst>
+                                  <p:iterate>
+                                    <p:tmPct val="10000"/>
+                                  </p:iterate>
+                                  <p:childTnLst>
+                                    <p:set>
+                                      <p:cBhvr>
+                                        <p:cTn id="9" dur="1" fill="hold">
+                                          <p:stCondLst>
+                                            <p:cond delay="0"/>
+                                          </p:stCondLst>
+                                        </p:cTn>
+                                        <p:tgtEl>
+                                          <p:spTgt spid="4"/>
+                                        </p:tgtEl>
+                                        <p:attrNameLst>
+                                          <p:attrName>style.visibility</p:attrName>
+                                        </p:attrNameLst>
+                                      </p:cBhvr>
+                                      <p:to>
+                                        <p:strVal val="visible"/>
+                                      </p:to>
+                                    </p:set>
+                                    <p:animEffect transition="in" filter="fade">
+                                      <p:cBhvr>
+                                        <p:cTn id="10" dur="700"/>
+                                        <p:tgtEl>
+                                          <p:spTgt spid="4"/>
+                                        </p:tgtEl>
+                                      </p:cBhvr>
+                                    </p:animEffect>
+                                  </p:childTnLst>
+                                </p:cTn>
+                              </p:par>
+                              <p:par>
+                                <p:cTn id="11" presetID="10" presetClass="entr" presetSubtype="0" fill="hold" nodeType="withEffect">
+                                  <p:stCondLst>
+                                    <p:cond delay="0"/>
+                                  </p:stCondLst>
+                                  <p:iterate>
+                                    <p:tmPct val="10000"/>
+                                  </p:iterate>
+                                  <p:childTnLst>
+                                    <p:set>
+                                      <p:cBhvr>
+                                        <p:cTn id="12" dur="1" fill="hold">
+                                          <p:stCondLst>
+                                            <p:cond delay="0"/>
+                                          </p:stCondLst>
+                                        </p:cTn>
+                                        <p:tgtEl>
+                                          <p:spTgt spid="6"/>
+                                        </p:tgtEl>
+                                        <p:attrNameLst>
+                                          <p:attrName>style.visibility</p:attrName>
+                                        </p:attrNameLst>
+                                      </p:cBhvr>
+                                      <p:to>
+                                        <p:strVal val="visible"/>
+                                      </p:to>
+                                    </p:set>
+                                    <p:animEffect transition="in" filter="fade">
+                                      <p:cBhvr>
+                                        <p:cTn id="13" dur="700"/>
+                                        <p:tgtEl>
+                                          <p:spTgt spid="6"/>
+                                        </p:tgtEl>
+                                      </p:cBhvr>
+                                    </p:animEffect>
+                                  </p:childTnLst>
+                                </p:cTn>
+                              </p:par>
+                              <p:par>
+                                <p:cTn id="14" presetID="10" presetClass="entr" presetSubtype="0" fill="hold" nodeType="withEffect">
+                                  <p:stCondLst>
+                                    <p:cond delay="0"/>
+                                  </p:stCondLst>
+                                  <p:iterate>
+                                    <p:tmPct val="10000"/>
+                                  </p:iterate>
+                                  <p:childTnLst>
+                                    <p:set>
+                                      <p:cBhvr>
+                                        <p:cTn id="15" dur="1" fill="hold">
+                                          <p:stCondLst>
+                                            <p:cond delay="0"/>
+                                          </p:stCondLst>
+                                        </p:cTn>
+                                        <p:tgtEl>
+                                          <p:spTgt spid="10"/>
+                                        </p:tgtEl>
+                                        <p:attrNameLst>
+                                          <p:attrName>style.visibility</p:attrName>
+                                        </p:attrNameLst>
+                                      </p:cBhvr>
+                                      <p:to>
+                                        <p:strVal val="visible"/>
+                                      </p:to>
+                                    </p:set>
+                                    <p:animEffect transition="in" filter="fade">
+                                      <p:cBhvr>
+                                        <p:cTn id="16" dur="700"/>
+                                        <p:tgtEl>
+                                          <p:spTgt spid="10"/>
+                                        </p:tgtEl>
+                                      </p:cBhvr>
+                                    </p:animEffect>
+                                  </p:childTnLst>
+                                </p:cTn>
+                              </p:par>
+                              <p:par>
+                                <p:cTn id="17" presetID="10" presetClass="entr" presetSubtype="0" fill="hold" nodeType="withEffect">
+                                  <p:stCondLst>
+                                    <p:cond delay="0"/>
+                                  </p:stCondLst>
+                                  <p:iterate>
+                                    <p:tmPct val="10000"/>
+                                  </p:iterate>
+                                  <p:childTnLst>
+                                    <p:set>
+                                      <p:cBhvr>
+                                        <p:cTn id="18" dur="1" fill="hold">
+                                          <p:stCondLst>
+                                            <p:cond delay="0"/>
+                                          </p:stCondLst>
+                                        </p:cTn>
+                                        <p:tgtEl>
+                                          <p:spTgt spid="8"/>
+                                        </p:tgtEl>
+                                        <p:attrNameLst>
+                                          <p:attrName>style.visibility</p:attrName>
+                                        </p:attrNameLst>
+                                      </p:cBhvr>
+                                      <p:to>
+                                        <p:strVal val="visible"/>
+                                      </p:to>
+                                    </p:set>
+                                    <p:animEffect transition="in" filter="fade">
+                                      <p:cBhvr>
+                                        <p:cTn id="19" dur="700"/>
+                                        <p:tgtEl>
+                                          <p:spTgt spid="8"/>
+                                        </p:tgtEl>
+                                      </p:cBhvr>
+                                    </p:animEffect>
+                                  </p:childTnLst>
+                                </p:cTn>
+                              </p:par>
+                              <p:par>
+                                <p:cTn id="20" presetID="10" presetClass="entr" presetSubtype="0" fill="hold" grpId="0" nodeType="withEffect">
+                                  <p:stCondLst>
+                                    <p:cond delay="1000"/>
+                                  </p:stCondLst>
+                                  <p:iterate>
+                                    <p:tmPct val="10000"/>
+                                  </p:iterate>
+                                  <p:childTnLst>
+                                    <p:set>
+                                      <p:cBhvr>
+                                        <p:cTn id="21" dur="1" fill="hold">
+                                          <p:stCondLst>
+                                            <p:cond delay="0"/>
+                                          </p:stCondLst>
+                                        </p:cTn>
+                                        <p:tgtEl>
+                                          <p:spTgt spid="2"/>
+                                        </p:tgtEl>
+                                        <p:attrNameLst>
+                                          <p:attrName>style.visibility</p:attrName>
+                                        </p:attrNameLst>
+                                      </p:cBhvr>
+                                      <p:to>
+                                        <p:strVal val="visible"/>
+                                      </p:to>
+                                    </p:set>
+                                    <p:animEffect transition="in" filter="fade">
+                                      <p:cBhvr>
+                                        <p:cTn id="22" dur="700"/>
+                                        <p:tgtEl>
+                                          <p:spTgt spid="2"/>
+                                        </p:tgtEl>
+                                      </p:cBhvr>
+                                    </p:animEffect>
+                                  </p:childTnLst>
+                                </p:cTn>
+                              </p:par>
+                            </p:childTnLst>
+                          </p:cTn>
+                        </p:par>
+                      </p:childTnLst>
+                    </p:cTn>
+                  </p:par>
+                </p:childTnLst>
+              </p:cTn>
+              <p:prevCondLst>
+                <p:cond evt="onPrev" delay="0">
+                  <p:tgtEl>
+                    <p:sldTgt/>
+                  </p:tgtEl>
+                </p:cond>
+              </p:prevCondLst>
+              <p:nextCondLst>
+                <p:cond evt="onNext" delay="0">
+                  <p:tgtEl>
+                    <p:sldTgt/>
+                  </p:tgtEl>
+                </p:cond>
+              </p:nextCondLst>
+            </p:seq>
+          </p:childTnLst>
+        </p:cTn>
+      </p:par>
+    </p:tnLst>
+    <p:bldLst>
+      <p:bldP spid="2" grpId="0"/>
+    </p:bldLst>
+  </p:timing>
 </p:sld>
 </file>
 
